--- a/Scratch for Newbies/Level1/Lesson 3 - Catch the School Bus/Notes/Notes.pptx
+++ b/Scratch for Newbies/Level1/Lesson 3 - Catch the School Bus/Notes/Notes.pptx
@@ -5,7 +5,7 @@
     <p:sldMasterId id="2147483648" r:id="rId1"/>
   </p:sldMasterIdLst>
   <p:notesMasterIdLst>
-    <p:notesMasterId r:id="rId13"/>
+    <p:notesMasterId r:id="rId20"/>
   </p:notesMasterIdLst>
   <p:sldIdLst>
     <p:sldId id="259" r:id="rId2"/>
@@ -16,9 +16,16 @@
     <p:sldId id="324" r:id="rId7"/>
     <p:sldId id="325" r:id="rId8"/>
     <p:sldId id="326" r:id="rId9"/>
-    <p:sldId id="318" r:id="rId10"/>
-    <p:sldId id="320" r:id="rId11"/>
-    <p:sldId id="319" r:id="rId12"/>
+    <p:sldId id="327" r:id="rId10"/>
+    <p:sldId id="328" r:id="rId11"/>
+    <p:sldId id="329" r:id="rId12"/>
+    <p:sldId id="330" r:id="rId13"/>
+    <p:sldId id="331" r:id="rId14"/>
+    <p:sldId id="332" r:id="rId15"/>
+    <p:sldId id="333" r:id="rId16"/>
+    <p:sldId id="318" r:id="rId17"/>
+    <p:sldId id="320" r:id="rId18"/>
+    <p:sldId id="319" r:id="rId19"/>
   </p:sldIdLst>
   <p:sldSz cx="12192000" cy="6858000"/>
   <p:notesSz cx="6858000" cy="9144000"/>
@@ -218,7 +225,7 @@
           <a:p>
             <a:fld id="{1147297C-06E1-4B62-AA21-F05F5B88E178}" type="datetimeFigureOut">
               <a:rPr lang="zh-CN" altLang="en-US" smtClean="0"/>
-              <a:t>2024/10/15</a:t>
+              <a:t>2024/10/16</a:t>
             </a:fld>
             <a:endParaRPr lang="zh-CN" altLang="en-US"/>
           </a:p>
@@ -635,7 +642,7 @@
           <a:p>
             <a:fld id="{4023CD3E-1ACA-4ABC-A7C3-AE6EDCC1D047}" type="datetime1">
               <a:rPr lang="zh-CN" altLang="en-US" smtClean="0"/>
-              <a:t>2024/10/15</a:t>
+              <a:t>2024/10/16</a:t>
             </a:fld>
             <a:endParaRPr lang="zh-CN" altLang="en-US"/>
           </a:p>
@@ -835,7 +842,7 @@
           <a:p>
             <a:fld id="{46FEC84B-BDA6-4394-A5DC-761CC97902A2}" type="datetime1">
               <a:rPr lang="zh-CN" altLang="en-US" smtClean="0"/>
-              <a:t>2024/10/15</a:t>
+              <a:t>2024/10/16</a:t>
             </a:fld>
             <a:endParaRPr lang="zh-CN" altLang="en-US"/>
           </a:p>
@@ -1045,7 +1052,7 @@
           <a:p>
             <a:fld id="{EECEE064-21DA-485D-93FF-A8D005D0BACF}" type="datetime1">
               <a:rPr lang="zh-CN" altLang="en-US" smtClean="0"/>
-              <a:t>2024/10/15</a:t>
+              <a:t>2024/10/16</a:t>
             </a:fld>
             <a:endParaRPr lang="zh-CN" altLang="en-US"/>
           </a:p>
@@ -1245,7 +1252,7 @@
           <a:p>
             <a:fld id="{E99E488B-2EE6-4D29-A22A-AB91A65553BA}" type="datetime1">
               <a:rPr lang="zh-CN" altLang="en-US" smtClean="0"/>
-              <a:t>2024/10/15</a:t>
+              <a:t>2024/10/16</a:t>
             </a:fld>
             <a:endParaRPr lang="zh-CN" altLang="en-US"/>
           </a:p>
@@ -1521,7 +1528,7 @@
           <a:p>
             <a:fld id="{3421F69C-EC83-4748-9F42-207B0B7F7AEF}" type="datetime1">
               <a:rPr lang="zh-CN" altLang="en-US" smtClean="0"/>
-              <a:t>2024/10/15</a:t>
+              <a:t>2024/10/16</a:t>
             </a:fld>
             <a:endParaRPr lang="zh-CN" altLang="en-US"/>
           </a:p>
@@ -1789,7 +1796,7 @@
           <a:p>
             <a:fld id="{B299948A-4763-4EE0-97C0-D473B84BFE2B}" type="datetime1">
               <a:rPr lang="zh-CN" altLang="en-US" smtClean="0"/>
-              <a:t>2024/10/15</a:t>
+              <a:t>2024/10/16</a:t>
             </a:fld>
             <a:endParaRPr lang="zh-CN" altLang="en-US"/>
           </a:p>
@@ -2204,7 +2211,7 @@
           <a:p>
             <a:fld id="{9A2FD7C2-6438-4C8D-9885-EF594F129AF2}" type="datetime1">
               <a:rPr lang="zh-CN" altLang="en-US" smtClean="0"/>
-              <a:t>2024/10/15</a:t>
+              <a:t>2024/10/16</a:t>
             </a:fld>
             <a:endParaRPr lang="zh-CN" altLang="en-US"/>
           </a:p>
@@ -2346,7 +2353,7 @@
           <a:p>
             <a:fld id="{CED928C2-0FFC-4AD4-B896-4895AE4FE342}" type="datetime1">
               <a:rPr lang="zh-CN" altLang="en-US" smtClean="0"/>
-              <a:t>2024/10/15</a:t>
+              <a:t>2024/10/16</a:t>
             </a:fld>
             <a:endParaRPr lang="zh-CN" altLang="en-US"/>
           </a:p>
@@ -2459,7 +2466,7 @@
           <a:p>
             <a:fld id="{FA4C0A94-C2B5-4F29-B85C-45CA87678128}" type="datetime1">
               <a:rPr lang="zh-CN" altLang="en-US" smtClean="0"/>
-              <a:t>2024/10/15</a:t>
+              <a:t>2024/10/16</a:t>
             </a:fld>
             <a:endParaRPr lang="zh-CN" altLang="en-US"/>
           </a:p>
@@ -2772,7 +2779,7 @@
           <a:p>
             <a:fld id="{F4E08264-F49F-49C9-A7F4-9095CA867FFE}" type="datetime1">
               <a:rPr lang="zh-CN" altLang="en-US" smtClean="0"/>
-              <a:t>2024/10/15</a:t>
+              <a:t>2024/10/16</a:t>
             </a:fld>
             <a:endParaRPr lang="zh-CN" altLang="en-US"/>
           </a:p>
@@ -3061,7 +3068,7 @@
           <a:p>
             <a:fld id="{DB82EF23-268D-49B9-906A-158FBE8CE46C}" type="datetime1">
               <a:rPr lang="zh-CN" altLang="en-US" smtClean="0"/>
-              <a:t>2024/10/15</a:t>
+              <a:t>2024/10/16</a:t>
             </a:fld>
             <a:endParaRPr lang="zh-CN" altLang="en-US"/>
           </a:p>
@@ -3304,7 +3311,7 @@
           <a:p>
             <a:fld id="{F39741DB-35F8-42F3-A018-9E7E52FFF065}" type="datetime1">
               <a:rPr lang="zh-CN" altLang="en-US" smtClean="0"/>
-              <a:t>2024/10/15</a:t>
+              <a:t>2024/10/16</a:t>
             </a:fld>
             <a:endParaRPr lang="zh-CN" altLang="en-US"/>
           </a:p>
@@ -4279,7 +4286,13 @@
   <p:cSld>
     <p:spTree>
       <p:nvGrpSpPr>
-        <p:cNvPr id="1" name=""/>
+        <p:cNvPr id="1" name="">
+          <a:extLst>
+            <a:ext uri="{FF2B5EF4-FFF2-40B4-BE49-F238E27FC236}">
+              <a16:creationId xmlns:a16="http://schemas.microsoft.com/office/drawing/2014/main" id="{13DCEC27-60AD-85EF-7D85-842E77BC9B7E}"/>
+            </a:ext>
+          </a:extLst>
+        </p:cNvPr>
         <p:cNvGrpSpPr/>
         <p:nvPr/>
       </p:nvGrpSpPr>
@@ -4296,7 +4309,7 @@
           <p:cNvPr id="6" name="Rectangle 5">
             <a:extLst>
               <a:ext uri="{FF2B5EF4-FFF2-40B4-BE49-F238E27FC236}">
-                <a16:creationId xmlns:a16="http://schemas.microsoft.com/office/drawing/2014/main" id="{7BC4EB1B-EA6B-DFE4-AF3B-05D0EB253209}"/>
+                <a16:creationId xmlns:a16="http://schemas.microsoft.com/office/drawing/2014/main" id="{1DBA6FC9-7D0B-36CD-D131-AD50566034AF}"/>
               </a:ext>
             </a:extLst>
           </p:cNvPr>
@@ -4345,10 +4358,58 @@
       </p:sp>
       <p:sp>
         <p:nvSpPr>
+          <p:cNvPr id="2" name="Slide Number Placeholder 1">
+            <a:extLst>
+              <a:ext uri="{FF2B5EF4-FFF2-40B4-BE49-F238E27FC236}">
+                <a16:creationId xmlns:a16="http://schemas.microsoft.com/office/drawing/2014/main" id="{86A9DD60-D985-0430-5F60-790F1F7E66D4}"/>
+              </a:ext>
+            </a:extLst>
+          </p:cNvPr>
+          <p:cNvSpPr>
+            <a:spLocks noGrp="1"/>
+          </p:cNvSpPr>
+          <p:nvPr>
+            <p:ph type="sldNum" sz="quarter" idx="12"/>
+          </p:nvPr>
+        </p:nvSpPr>
+        <p:spPr>
+          <a:xfrm>
+            <a:off x="9057739" y="6259509"/>
+            <a:ext cx="2743200" cy="365125"/>
+          </a:xfrm>
+        </p:spPr>
+        <p:txBody>
+          <a:bodyPr/>
+          <a:lstStyle/>
+          <a:p>
+            <a:fld id="{9B1EC109-1E15-4BCA-93B5-56442BB3443E}" type="slidenum">
+              <a:rPr lang="zh-CN" altLang="en-US" sz="2400" b="1" smtClean="0">
+                <a:solidFill>
+                  <a:schemeClr val="bg1">
+                    <a:lumMod val="65000"/>
+                  </a:schemeClr>
+                </a:solidFill>
+                <a:latin typeface="Bradley Hand ITC" panose="03070402050302030203" pitchFamily="66" charset="0"/>
+              </a:rPr>
+              <a:t>10</a:t>
+            </a:fld>
+            <a:endParaRPr lang="zh-CN" altLang="en-US" sz="2400" b="1" dirty="0">
+              <a:solidFill>
+                <a:schemeClr val="bg1">
+                  <a:lumMod val="65000"/>
+                </a:schemeClr>
+              </a:solidFill>
+              <a:latin typeface="Bradley Hand ITC" panose="03070402050302030203" pitchFamily="66" charset="0"/>
+            </a:endParaRPr>
+          </a:p>
+        </p:txBody>
+      </p:sp>
+      <p:sp>
+        <p:nvSpPr>
           <p:cNvPr id="4" name="Google Shape;867;p33">
             <a:extLst>
               <a:ext uri="{FF2B5EF4-FFF2-40B4-BE49-F238E27FC236}">
-                <a16:creationId xmlns:a16="http://schemas.microsoft.com/office/drawing/2014/main" id="{24BC39E7-8798-676F-63C1-093D28359AFA}"/>
+                <a16:creationId xmlns:a16="http://schemas.microsoft.com/office/drawing/2014/main" id="{F350BF0D-A27E-8980-2163-372CA54E5CCA}"/>
               </a:ext>
             </a:extLst>
           </p:cNvPr>
@@ -4359,8 +4420,8 @@
         </p:nvSpPr>
         <p:spPr>
           <a:xfrm>
-            <a:off x="1557070" y="382508"/>
-            <a:ext cx="9077860" cy="1602400"/>
+            <a:off x="2222600" y="143850"/>
+            <a:ext cx="7746800" cy="1602400"/>
           </a:xfrm>
           <a:prstGeom prst="rect">
             <a:avLst/>
@@ -4635,162 +4696,303 @@
                 <a:latin typeface="Amatic SC" panose="020F0502020204030204" pitchFamily="2" charset="-79"/>
                 <a:cs typeface="Amatic SC" panose="020F0502020204030204" pitchFamily="2" charset="-79"/>
               </a:rPr>
-              <a:t>Exercises</a:t>
+              <a:t>Direction Clock</a:t>
             </a:r>
           </a:p>
         </p:txBody>
       </p:sp>
-      <p:sp>
-        <p:nvSpPr>
-          <p:cNvPr id="2" name="TextBox 1">
-            <a:extLst>
-              <a:ext uri="{FF2B5EF4-FFF2-40B4-BE49-F238E27FC236}">
-                <a16:creationId xmlns:a16="http://schemas.microsoft.com/office/drawing/2014/main" id="{2E29E62E-3E0A-1FD3-C734-48831C47E32F}"/>
-              </a:ext>
-            </a:extLst>
-          </p:cNvPr>
-          <p:cNvSpPr txBox="1"/>
+      <p:pic>
+        <p:nvPicPr>
+          <p:cNvPr id="5" name="Picture 4">
+            <a:extLst>
+              <a:ext uri="{FF2B5EF4-FFF2-40B4-BE49-F238E27FC236}">
+                <a16:creationId xmlns:a16="http://schemas.microsoft.com/office/drawing/2014/main" id="{45D7E971-9864-69FA-8B20-8F27D37B793F}"/>
+              </a:ext>
+            </a:extLst>
+          </p:cNvPr>
+          <p:cNvPicPr>
+            <a:picLocks noChangeAspect="1"/>
+          </p:cNvPicPr>
           <p:nvPr/>
-        </p:nvSpPr>
+        </p:nvPicPr>
+        <p:blipFill>
+          <a:blip r:embed="rId2">
+            <a:extLst>
+              <a:ext uri="{28A0092B-C50C-407E-A947-70E740481C1C}">
+                <a14:useLocalDpi xmlns:a14="http://schemas.microsoft.com/office/drawing/2010/main" val="0"/>
+              </a:ext>
+            </a:extLst>
+          </a:blip>
+          <a:stretch>
+            <a:fillRect/>
+          </a:stretch>
+        </p:blipFill>
         <p:spPr>
           <a:xfrm>
-            <a:off x="1265150" y="2117180"/>
-            <a:ext cx="9727970" cy="5348002"/>
+            <a:off x="1078230" y="1970406"/>
+            <a:ext cx="2143666" cy="3027045"/>
           </a:xfrm>
           <a:prstGeom prst="rect">
             <a:avLst/>
           </a:prstGeom>
-          <a:noFill/>
-        </p:spPr>
-        <p:txBody>
-          <a:bodyPr wrap="square" rtlCol="0">
-            <a:spAutoFit/>
-          </a:bodyPr>
-          <a:lstStyle/>
-          <a:p>
-            <a:pPr marL="571500" indent="-571500">
-              <a:lnSpc>
-                <a:spcPct val="150000"/>
-              </a:lnSpc>
-              <a:buFont typeface="Wingdings" panose="05000000000000000000" pitchFamily="2" charset="2"/>
-              <a:buChar char="p"/>
-            </a:pPr>
-            <a:r>
-              <a:rPr lang="en-US" altLang="zh-CN" sz="3600" dirty="0">
-                <a:solidFill>
-                  <a:schemeClr val="bg1">
-                    <a:lumMod val="75000"/>
-                  </a:schemeClr>
-                </a:solidFill>
-                <a:latin typeface="High Tower Text" panose="02040502050506030303" pitchFamily="18" charset="0"/>
-              </a:rPr>
-              <a:t>Have fun with some of the other effects</a:t>
-            </a:r>
-          </a:p>
-          <a:p>
-            <a:pPr marL="571500" indent="-571500">
-              <a:lnSpc>
-                <a:spcPct val="150000"/>
-              </a:lnSpc>
-              <a:buFont typeface="Wingdings" panose="05000000000000000000" pitchFamily="2" charset="2"/>
-              <a:buChar char="p"/>
-            </a:pPr>
-            <a:r>
-              <a:rPr lang="en-US" altLang="zh-CN" sz="3600" dirty="0">
-                <a:solidFill>
-                  <a:schemeClr val="bg1">
-                    <a:lumMod val="75000"/>
-                  </a:schemeClr>
-                </a:solidFill>
-                <a:latin typeface="High Tower Text" panose="02040502050506030303" pitchFamily="18" charset="0"/>
-              </a:rPr>
-              <a:t>Try different sprites and backdrops</a:t>
-            </a:r>
-          </a:p>
-          <a:p>
-            <a:pPr marL="571500" indent="-571500">
-              <a:lnSpc>
-                <a:spcPct val="150000"/>
-              </a:lnSpc>
-              <a:buFont typeface="Wingdings" panose="05000000000000000000" pitchFamily="2" charset="2"/>
-              <a:buChar char="p"/>
-            </a:pPr>
-            <a:r>
-              <a:rPr lang="en-US" altLang="zh-CN" sz="3600" dirty="0">
-                <a:solidFill>
-                  <a:schemeClr val="bg1">
-                    <a:lumMod val="75000"/>
-                  </a:schemeClr>
-                </a:solidFill>
-                <a:latin typeface="High Tower Text" panose="02040502050506030303" pitchFamily="18" charset="0"/>
-              </a:rPr>
-              <a:t>Say and think differently</a:t>
-            </a:r>
-          </a:p>
-          <a:p>
-            <a:pPr marL="571500" indent="-571500">
-              <a:lnSpc>
-                <a:spcPct val="150000"/>
-              </a:lnSpc>
-              <a:buFont typeface="Wingdings" panose="05000000000000000000" pitchFamily="2" charset="2"/>
-              <a:buChar char="p"/>
-            </a:pPr>
-            <a:r>
-              <a:rPr lang="en-US" altLang="zh-CN" sz="3600" dirty="0">
-                <a:solidFill>
-                  <a:schemeClr val="bg1">
-                    <a:lumMod val="75000"/>
-                  </a:schemeClr>
-                </a:solidFill>
-                <a:latin typeface="High Tower Text" panose="02040502050506030303" pitchFamily="18" charset="0"/>
-              </a:rPr>
-              <a:t>Checkout costumes of other sprites</a:t>
-            </a:r>
-          </a:p>
-          <a:p>
-            <a:pPr marL="571500" indent="-571500">
-              <a:lnSpc>
-                <a:spcPct val="150000"/>
-              </a:lnSpc>
-              <a:buFont typeface="Wingdings" panose="05000000000000000000" pitchFamily="2" charset="2"/>
-              <a:buChar char="p"/>
-            </a:pPr>
-            <a:r>
-              <a:rPr lang="en-US" altLang="zh-CN" sz="3600" dirty="0">
-                <a:solidFill>
-                  <a:schemeClr val="bg1">
-                    <a:lumMod val="75000"/>
-                  </a:schemeClr>
-                </a:solidFill>
-                <a:latin typeface="High Tower Text" panose="02040502050506030303" pitchFamily="18" charset="0"/>
-              </a:rPr>
-              <a:t>Invent your own way of communication!</a:t>
-            </a:r>
-            <a:br>
-              <a:rPr lang="en-US" altLang="zh-CN" sz="4400" dirty="0">
-                <a:solidFill>
-                  <a:schemeClr val="bg1">
-                    <a:lumMod val="75000"/>
-                  </a:schemeClr>
-                </a:solidFill>
-                <a:latin typeface="High Tower Text" panose="02040502050506030303" pitchFamily="18" charset="0"/>
-              </a:rPr>
-            </a:br>
-            <a:endParaRPr lang="zh-CN" altLang="en-US" sz="4400" dirty="0">
-              <a:solidFill>
-                <a:schemeClr val="bg1">
-                  <a:lumMod val="75000"/>
-                </a:schemeClr>
-              </a:solidFill>
-              <a:latin typeface="High Tower Text" panose="02040502050506030303" pitchFamily="18" charset="0"/>
-            </a:endParaRPr>
-          </a:p>
-        </p:txBody>
-      </p:sp>
+        </p:spPr>
+      </p:pic>
+      <p:pic>
+        <p:nvPicPr>
+          <p:cNvPr id="13" name="Picture 12">
+            <a:extLst>
+              <a:ext uri="{FF2B5EF4-FFF2-40B4-BE49-F238E27FC236}">
+                <a16:creationId xmlns:a16="http://schemas.microsoft.com/office/drawing/2014/main" id="{2F38DAC0-8BCD-5DD8-0586-0F62330AB750}"/>
+              </a:ext>
+            </a:extLst>
+          </p:cNvPr>
+          <p:cNvPicPr>
+            <a:picLocks noChangeAspect="1"/>
+          </p:cNvPicPr>
+          <p:nvPr/>
+        </p:nvPicPr>
+        <p:blipFill>
+          <a:blip r:embed="rId3">
+            <a:extLst>
+              <a:ext uri="{28A0092B-C50C-407E-A947-70E740481C1C}">
+                <a14:useLocalDpi xmlns:a14="http://schemas.microsoft.com/office/drawing/2010/main" val="0"/>
+              </a:ext>
+            </a:extLst>
+          </a:blip>
+          <a:stretch>
+            <a:fillRect/>
+          </a:stretch>
+        </p:blipFill>
+        <p:spPr>
+          <a:xfrm>
+            <a:off x="6272980" y="2142153"/>
+            <a:ext cx="2073310" cy="2846409"/>
+          </a:xfrm>
+          <a:prstGeom prst="rect">
+            <a:avLst/>
+          </a:prstGeom>
+        </p:spPr>
+      </p:pic>
+      <p:pic>
+        <p:nvPicPr>
+          <p:cNvPr id="16" name="Picture 15">
+            <a:extLst>
+              <a:ext uri="{FF2B5EF4-FFF2-40B4-BE49-F238E27FC236}">
+                <a16:creationId xmlns:a16="http://schemas.microsoft.com/office/drawing/2014/main" id="{8023BA19-83B8-9BF5-1BDE-80FB0BF9C8A7}"/>
+              </a:ext>
+            </a:extLst>
+          </p:cNvPr>
+          <p:cNvPicPr>
+            <a:picLocks noChangeAspect="1"/>
+          </p:cNvPicPr>
+          <p:nvPr/>
+        </p:nvPicPr>
+        <p:blipFill>
+          <a:blip r:embed="rId4">
+            <a:extLst>
+              <a:ext uri="{28A0092B-C50C-407E-A947-70E740481C1C}">
+                <a14:useLocalDpi xmlns:a14="http://schemas.microsoft.com/office/drawing/2010/main" val="0"/>
+              </a:ext>
+            </a:extLst>
+          </a:blip>
+          <a:stretch>
+            <a:fillRect/>
+          </a:stretch>
+        </p:blipFill>
+        <p:spPr>
+          <a:xfrm>
+            <a:off x="3655040" y="2074524"/>
+            <a:ext cx="2081124" cy="2922928"/>
+          </a:xfrm>
+          <a:prstGeom prst="rect">
+            <a:avLst/>
+          </a:prstGeom>
+        </p:spPr>
+      </p:pic>
+      <p:pic>
+        <p:nvPicPr>
+          <p:cNvPr id="18" name="Picture 17">
+            <a:extLst>
+              <a:ext uri="{FF2B5EF4-FFF2-40B4-BE49-F238E27FC236}">
+                <a16:creationId xmlns:a16="http://schemas.microsoft.com/office/drawing/2014/main" id="{846CF334-731E-8562-18DC-F2B8AB151624}"/>
+              </a:ext>
+            </a:extLst>
+          </p:cNvPr>
+          <p:cNvPicPr>
+            <a:picLocks noChangeAspect="1"/>
+          </p:cNvPicPr>
+          <p:nvPr/>
+        </p:nvPicPr>
+        <p:blipFill>
+          <a:blip r:embed="rId5">
+            <a:extLst>
+              <a:ext uri="{28A0092B-C50C-407E-A947-70E740481C1C}">
+                <a14:useLocalDpi xmlns:a14="http://schemas.microsoft.com/office/drawing/2010/main" val="0"/>
+              </a:ext>
+            </a:extLst>
+          </a:blip>
+          <a:stretch>
+            <a:fillRect/>
+          </a:stretch>
+        </p:blipFill>
+        <p:spPr>
+          <a:xfrm>
+            <a:off x="8826521" y="2119133"/>
+            <a:ext cx="2102542" cy="2892447"/>
+          </a:xfrm>
+          <a:prstGeom prst="rect">
+            <a:avLst/>
+          </a:prstGeom>
+        </p:spPr>
+      </p:pic>
+      <p:pic>
+        <p:nvPicPr>
+          <p:cNvPr id="24" name="Graphic 23">
+            <a:extLst>
+              <a:ext uri="{FF2B5EF4-FFF2-40B4-BE49-F238E27FC236}">
+                <a16:creationId xmlns:a16="http://schemas.microsoft.com/office/drawing/2014/main" id="{D75584F1-6F04-7FE3-4595-C450A0F2B417}"/>
+              </a:ext>
+            </a:extLst>
+          </p:cNvPr>
+          <p:cNvPicPr>
+            <a:picLocks noChangeAspect="1"/>
+          </p:cNvPicPr>
+          <p:nvPr/>
+        </p:nvPicPr>
+        <p:blipFill>
+          <a:blip r:embed="rId6">
+            <a:extLst>
+              <a:ext uri="{96DAC541-7B7A-43D3-8B79-37D633B846F1}">
+                <asvg:svgBlip xmlns:asvg="http://schemas.microsoft.com/office/drawing/2016/SVG/main" r:embed="rId7"/>
+              </a:ext>
+            </a:extLst>
+          </a:blip>
+          <a:stretch>
+            <a:fillRect/>
+          </a:stretch>
+        </p:blipFill>
+        <p:spPr>
+          <a:xfrm>
+            <a:off x="1826482" y="5510322"/>
+            <a:ext cx="920178" cy="642919"/>
+          </a:xfrm>
+          <a:prstGeom prst="rect">
+            <a:avLst/>
+          </a:prstGeom>
+        </p:spPr>
+      </p:pic>
+      <p:pic>
+        <p:nvPicPr>
+          <p:cNvPr id="25" name="Graphic 24">
+            <a:extLst>
+              <a:ext uri="{FF2B5EF4-FFF2-40B4-BE49-F238E27FC236}">
+                <a16:creationId xmlns:a16="http://schemas.microsoft.com/office/drawing/2014/main" id="{D3CE2244-F1E8-D278-1628-276398B36989}"/>
+              </a:ext>
+            </a:extLst>
+          </p:cNvPr>
+          <p:cNvPicPr>
+            <a:picLocks noChangeAspect="1"/>
+          </p:cNvPicPr>
+          <p:nvPr/>
+        </p:nvPicPr>
+        <p:blipFill>
+          <a:blip r:embed="rId6">
+            <a:extLst>
+              <a:ext uri="{96DAC541-7B7A-43D3-8B79-37D633B846F1}">
+                <asvg:svgBlip xmlns:asvg="http://schemas.microsoft.com/office/drawing/2016/SVG/main" r:embed="rId7"/>
+              </a:ext>
+            </a:extLst>
+          </a:blip>
+          <a:stretch>
+            <a:fillRect/>
+          </a:stretch>
+        </p:blipFill>
+        <p:spPr>
+          <a:xfrm rot="16200000">
+            <a:off x="4371563" y="5464355"/>
+            <a:ext cx="920178" cy="642919"/>
+          </a:xfrm>
+          <a:prstGeom prst="rect">
+            <a:avLst/>
+          </a:prstGeom>
+        </p:spPr>
+      </p:pic>
+      <p:pic>
+        <p:nvPicPr>
+          <p:cNvPr id="26" name="Graphic 25">
+            <a:extLst>
+              <a:ext uri="{FF2B5EF4-FFF2-40B4-BE49-F238E27FC236}">
+                <a16:creationId xmlns:a16="http://schemas.microsoft.com/office/drawing/2014/main" id="{0D97E3E6-BE52-B013-34E5-F92B961DBC4A}"/>
+              </a:ext>
+            </a:extLst>
+          </p:cNvPr>
+          <p:cNvPicPr>
+            <a:picLocks noChangeAspect="1"/>
+          </p:cNvPicPr>
+          <p:nvPr/>
+        </p:nvPicPr>
+        <p:blipFill>
+          <a:blip r:embed="rId6">
+            <a:extLst>
+              <a:ext uri="{96DAC541-7B7A-43D3-8B79-37D633B846F1}">
+                <asvg:svgBlip xmlns:asvg="http://schemas.microsoft.com/office/drawing/2016/SVG/main" r:embed="rId7"/>
+              </a:ext>
+            </a:extLst>
+          </a:blip>
+          <a:stretch>
+            <a:fillRect/>
+          </a:stretch>
+        </p:blipFill>
+        <p:spPr>
+          <a:xfrm rot="10800000">
+            <a:off x="6849546" y="5510321"/>
+            <a:ext cx="920178" cy="642919"/>
+          </a:xfrm>
+          <a:prstGeom prst="rect">
+            <a:avLst/>
+          </a:prstGeom>
+        </p:spPr>
+      </p:pic>
+      <p:pic>
+        <p:nvPicPr>
+          <p:cNvPr id="27" name="Graphic 26">
+            <a:extLst>
+              <a:ext uri="{FF2B5EF4-FFF2-40B4-BE49-F238E27FC236}">
+                <a16:creationId xmlns:a16="http://schemas.microsoft.com/office/drawing/2014/main" id="{CD80D7E3-F4A1-2618-1873-176833FE6D02}"/>
+              </a:ext>
+            </a:extLst>
+          </p:cNvPr>
+          <p:cNvPicPr>
+            <a:picLocks noChangeAspect="1"/>
+          </p:cNvPicPr>
+          <p:nvPr/>
+        </p:nvPicPr>
+        <p:blipFill>
+          <a:blip r:embed="rId6">
+            <a:extLst>
+              <a:ext uri="{96DAC541-7B7A-43D3-8B79-37D633B846F1}">
+                <asvg:svgBlip xmlns:asvg="http://schemas.microsoft.com/office/drawing/2016/SVG/main" r:embed="rId7"/>
+              </a:ext>
+            </a:extLst>
+          </a:blip>
+          <a:stretch>
+            <a:fillRect/>
+          </a:stretch>
+        </p:blipFill>
+        <p:spPr>
+          <a:xfrm rot="5400000">
+            <a:off x="9520772" y="5464356"/>
+            <a:ext cx="920178" cy="642919"/>
+          </a:xfrm>
+          <a:prstGeom prst="rect">
+            <a:avLst/>
+          </a:prstGeom>
+        </p:spPr>
+      </p:pic>
     </p:spTree>
     <p:extLst>
       <p:ext uri="{BB962C8B-B14F-4D97-AF65-F5344CB8AC3E}">
-        <p14:creationId xmlns:p14="http://schemas.microsoft.com/office/powerpoint/2010/main" val="1008589518"/>
+        <p14:creationId xmlns:p14="http://schemas.microsoft.com/office/powerpoint/2010/main" val="3077499367"/>
       </p:ext>
     </p:extLst>
   </p:cSld>
@@ -4801,6 +5003,3169 @@
 </file>
 
 <file path=ppt/slides/slide11.xml><?xml version="1.0" encoding="utf-8"?>
+<p:sld xmlns:a="http://schemas.openxmlformats.org/drawingml/2006/main" xmlns:r="http://schemas.openxmlformats.org/officeDocument/2006/relationships" xmlns:p="http://schemas.openxmlformats.org/presentationml/2006/main">
+  <p:cSld>
+    <p:spTree>
+      <p:nvGrpSpPr>
+        <p:cNvPr id="1" name="">
+          <a:extLst>
+            <a:ext uri="{FF2B5EF4-FFF2-40B4-BE49-F238E27FC236}">
+              <a16:creationId xmlns:a16="http://schemas.microsoft.com/office/drawing/2014/main" id="{0EBE5C57-9CD6-D2DF-E25D-77A4DF62FE8D}"/>
+            </a:ext>
+          </a:extLst>
+        </p:cNvPr>
+        <p:cNvGrpSpPr/>
+        <p:nvPr/>
+      </p:nvGrpSpPr>
+      <p:grpSpPr>
+        <a:xfrm>
+          <a:off x="0" y="0"/>
+          <a:ext cx="0" cy="0"/>
+          <a:chOff x="0" y="0"/>
+          <a:chExt cx="0" cy="0"/>
+        </a:xfrm>
+      </p:grpSpPr>
+      <p:sp>
+        <p:nvSpPr>
+          <p:cNvPr id="6" name="Rectangle 5">
+            <a:extLst>
+              <a:ext uri="{FF2B5EF4-FFF2-40B4-BE49-F238E27FC236}">
+                <a16:creationId xmlns:a16="http://schemas.microsoft.com/office/drawing/2014/main" id="{4570AD2C-4B01-FCA4-9FFD-27262C8A1933}"/>
+              </a:ext>
+            </a:extLst>
+          </p:cNvPr>
+          <p:cNvSpPr/>
+          <p:nvPr/>
+        </p:nvSpPr>
+        <p:spPr>
+          <a:xfrm>
+            <a:off x="0" y="0"/>
+            <a:ext cx="12192000" cy="6858000"/>
+          </a:xfrm>
+          <a:prstGeom prst="rect">
+            <a:avLst/>
+          </a:prstGeom>
+          <a:solidFill>
+            <a:srgbClr val="23242A"/>
+          </a:solidFill>
+          <a:ln>
+            <a:noFill/>
+          </a:ln>
+        </p:spPr>
+        <p:style>
+          <a:lnRef idx="2">
+            <a:schemeClr val="accent1">
+              <a:shade val="15000"/>
+            </a:schemeClr>
+          </a:lnRef>
+          <a:fillRef idx="1">
+            <a:schemeClr val="accent1"/>
+          </a:fillRef>
+          <a:effectRef idx="0">
+            <a:schemeClr val="accent1"/>
+          </a:effectRef>
+          <a:fontRef idx="minor">
+            <a:schemeClr val="lt1"/>
+          </a:fontRef>
+        </p:style>
+        <p:txBody>
+          <a:bodyPr rtlCol="0" anchor="ctr"/>
+          <a:lstStyle/>
+          <a:p>
+            <a:pPr algn="ctr"/>
+            <a:endParaRPr lang="zh-CN" altLang="en-US" dirty="0"/>
+          </a:p>
+        </p:txBody>
+      </p:sp>
+      <p:sp>
+        <p:nvSpPr>
+          <p:cNvPr id="2" name="Slide Number Placeholder 1">
+            <a:extLst>
+              <a:ext uri="{FF2B5EF4-FFF2-40B4-BE49-F238E27FC236}">
+                <a16:creationId xmlns:a16="http://schemas.microsoft.com/office/drawing/2014/main" id="{C28DA7AC-3489-5728-2AD7-0080DCDEB0DA}"/>
+              </a:ext>
+            </a:extLst>
+          </p:cNvPr>
+          <p:cNvSpPr>
+            <a:spLocks noGrp="1"/>
+          </p:cNvSpPr>
+          <p:nvPr>
+            <p:ph type="sldNum" sz="quarter" idx="12"/>
+          </p:nvPr>
+        </p:nvSpPr>
+        <p:spPr>
+          <a:xfrm>
+            <a:off x="9057739" y="6259509"/>
+            <a:ext cx="2743200" cy="365125"/>
+          </a:xfrm>
+        </p:spPr>
+        <p:txBody>
+          <a:bodyPr/>
+          <a:lstStyle/>
+          <a:p>
+            <a:fld id="{9B1EC109-1E15-4BCA-93B5-56442BB3443E}" type="slidenum">
+              <a:rPr lang="zh-CN" altLang="en-US" sz="2400" b="1" smtClean="0">
+                <a:solidFill>
+                  <a:schemeClr val="bg1">
+                    <a:lumMod val="65000"/>
+                  </a:schemeClr>
+                </a:solidFill>
+                <a:latin typeface="Bradley Hand ITC" panose="03070402050302030203" pitchFamily="66" charset="0"/>
+              </a:rPr>
+              <a:t>11</a:t>
+            </a:fld>
+            <a:endParaRPr lang="zh-CN" altLang="en-US" sz="2400" b="1" dirty="0">
+              <a:solidFill>
+                <a:schemeClr val="bg1">
+                  <a:lumMod val="65000"/>
+                </a:schemeClr>
+              </a:solidFill>
+              <a:latin typeface="Bradley Hand ITC" panose="03070402050302030203" pitchFamily="66" charset="0"/>
+            </a:endParaRPr>
+          </a:p>
+        </p:txBody>
+      </p:sp>
+      <p:sp>
+        <p:nvSpPr>
+          <p:cNvPr id="4" name="Google Shape;867;p33">
+            <a:extLst>
+              <a:ext uri="{FF2B5EF4-FFF2-40B4-BE49-F238E27FC236}">
+                <a16:creationId xmlns:a16="http://schemas.microsoft.com/office/drawing/2014/main" id="{2D074A0A-41F4-8936-C31C-DF0E9F619CB4}"/>
+              </a:ext>
+            </a:extLst>
+          </p:cNvPr>
+          <p:cNvSpPr txBox="1">
+            <a:spLocks/>
+          </p:cNvSpPr>
+          <p:nvPr/>
+        </p:nvSpPr>
+        <p:spPr>
+          <a:xfrm>
+            <a:off x="2222600" y="143850"/>
+            <a:ext cx="7746800" cy="1602400"/>
+          </a:xfrm>
+          <a:prstGeom prst="rect">
+            <a:avLst/>
+          </a:prstGeom>
+          <a:noFill/>
+          <a:ln>
+            <a:noFill/>
+          </a:ln>
+        </p:spPr>
+        <p:txBody>
+          <a:bodyPr spcFirstLastPara="1" wrap="square" lIns="91425" tIns="91425" rIns="91425" bIns="91425" anchor="b" anchorCtr="0">
+            <a:noAutofit/>
+          </a:bodyPr>
+          <a:lstStyle>
+            <a:defPPr marR="0" lvl="0" algn="l" rtl="0">
+              <a:lnSpc>
+                <a:spcPct val="100000"/>
+              </a:lnSpc>
+              <a:spcBef>
+                <a:spcPts val="0"/>
+              </a:spcBef>
+              <a:spcAft>
+                <a:spcPts val="0"/>
+              </a:spcAft>
+            </a:defPPr>
+            <a:lvl1pPr marR="0" lvl="0" algn="l" rtl="0">
+              <a:lnSpc>
+                <a:spcPct val="100000"/>
+              </a:lnSpc>
+              <a:spcBef>
+                <a:spcPts val="0"/>
+              </a:spcBef>
+              <a:spcAft>
+                <a:spcPts val="0"/>
+              </a:spcAft>
+              <a:buClr>
+                <a:schemeClr val="dk1"/>
+              </a:buClr>
+              <a:buSzPts val="3600"/>
+              <a:buFont typeface="Barlow"/>
+              <a:buNone/>
+              <a:defRPr sz="7200" b="1" i="0" u="none" strike="noStrike" cap="none">
+                <a:solidFill>
+                  <a:schemeClr val="dk1"/>
+                </a:solidFill>
+                <a:latin typeface="Barlow"/>
+                <a:ea typeface="Barlow"/>
+                <a:cs typeface="Barlow"/>
+                <a:sym typeface="Barlow"/>
+              </a:defRPr>
+            </a:lvl1pPr>
+            <a:lvl2pPr marR="0" lvl="1" algn="ctr" rtl="0">
+              <a:lnSpc>
+                <a:spcPct val="100000"/>
+              </a:lnSpc>
+              <a:spcBef>
+                <a:spcPts val="0"/>
+              </a:spcBef>
+              <a:spcAft>
+                <a:spcPts val="0"/>
+              </a:spcAft>
+              <a:buClr>
+                <a:schemeClr val="dk1"/>
+              </a:buClr>
+              <a:buSzPts val="3600"/>
+              <a:buFont typeface="Barlow"/>
+              <a:buNone/>
+              <a:defRPr sz="3600" b="1" i="0" u="none" strike="noStrike" cap="none">
+                <a:solidFill>
+                  <a:schemeClr val="dk1"/>
+                </a:solidFill>
+                <a:latin typeface="Barlow"/>
+                <a:ea typeface="Barlow"/>
+                <a:cs typeface="Barlow"/>
+                <a:sym typeface="Barlow"/>
+              </a:defRPr>
+            </a:lvl2pPr>
+            <a:lvl3pPr marR="0" lvl="2" algn="ctr" rtl="0">
+              <a:lnSpc>
+                <a:spcPct val="100000"/>
+              </a:lnSpc>
+              <a:spcBef>
+                <a:spcPts val="0"/>
+              </a:spcBef>
+              <a:spcAft>
+                <a:spcPts val="0"/>
+              </a:spcAft>
+              <a:buClr>
+                <a:schemeClr val="dk1"/>
+              </a:buClr>
+              <a:buSzPts val="3600"/>
+              <a:buFont typeface="Barlow"/>
+              <a:buNone/>
+              <a:defRPr sz="3600" b="1" i="0" u="none" strike="noStrike" cap="none">
+                <a:solidFill>
+                  <a:schemeClr val="dk1"/>
+                </a:solidFill>
+                <a:latin typeface="Barlow"/>
+                <a:ea typeface="Barlow"/>
+                <a:cs typeface="Barlow"/>
+                <a:sym typeface="Barlow"/>
+              </a:defRPr>
+            </a:lvl3pPr>
+            <a:lvl4pPr marR="0" lvl="3" algn="ctr" rtl="0">
+              <a:lnSpc>
+                <a:spcPct val="100000"/>
+              </a:lnSpc>
+              <a:spcBef>
+                <a:spcPts val="0"/>
+              </a:spcBef>
+              <a:spcAft>
+                <a:spcPts val="0"/>
+              </a:spcAft>
+              <a:buClr>
+                <a:schemeClr val="dk1"/>
+              </a:buClr>
+              <a:buSzPts val="3600"/>
+              <a:buFont typeface="Barlow"/>
+              <a:buNone/>
+              <a:defRPr sz="3600" b="1" i="0" u="none" strike="noStrike" cap="none">
+                <a:solidFill>
+                  <a:schemeClr val="dk1"/>
+                </a:solidFill>
+                <a:latin typeface="Barlow"/>
+                <a:ea typeface="Barlow"/>
+                <a:cs typeface="Barlow"/>
+                <a:sym typeface="Barlow"/>
+              </a:defRPr>
+            </a:lvl4pPr>
+            <a:lvl5pPr marR="0" lvl="4" algn="ctr" rtl="0">
+              <a:lnSpc>
+                <a:spcPct val="100000"/>
+              </a:lnSpc>
+              <a:spcBef>
+                <a:spcPts val="0"/>
+              </a:spcBef>
+              <a:spcAft>
+                <a:spcPts val="0"/>
+              </a:spcAft>
+              <a:buClr>
+                <a:schemeClr val="dk1"/>
+              </a:buClr>
+              <a:buSzPts val="3600"/>
+              <a:buFont typeface="Barlow"/>
+              <a:buNone/>
+              <a:defRPr sz="3600" b="1" i="0" u="none" strike="noStrike" cap="none">
+                <a:solidFill>
+                  <a:schemeClr val="dk1"/>
+                </a:solidFill>
+                <a:latin typeface="Barlow"/>
+                <a:ea typeface="Barlow"/>
+                <a:cs typeface="Barlow"/>
+                <a:sym typeface="Barlow"/>
+              </a:defRPr>
+            </a:lvl5pPr>
+            <a:lvl6pPr marR="0" lvl="5" algn="ctr" rtl="0">
+              <a:lnSpc>
+                <a:spcPct val="100000"/>
+              </a:lnSpc>
+              <a:spcBef>
+                <a:spcPts val="0"/>
+              </a:spcBef>
+              <a:spcAft>
+                <a:spcPts val="0"/>
+              </a:spcAft>
+              <a:buClr>
+                <a:schemeClr val="dk1"/>
+              </a:buClr>
+              <a:buSzPts val="3600"/>
+              <a:buFont typeface="Barlow"/>
+              <a:buNone/>
+              <a:defRPr sz="3600" b="1" i="0" u="none" strike="noStrike" cap="none">
+                <a:solidFill>
+                  <a:schemeClr val="dk1"/>
+                </a:solidFill>
+                <a:latin typeface="Barlow"/>
+                <a:ea typeface="Barlow"/>
+                <a:cs typeface="Barlow"/>
+                <a:sym typeface="Barlow"/>
+              </a:defRPr>
+            </a:lvl6pPr>
+            <a:lvl7pPr marR="0" lvl="6" algn="ctr" rtl="0">
+              <a:lnSpc>
+                <a:spcPct val="100000"/>
+              </a:lnSpc>
+              <a:spcBef>
+                <a:spcPts val="0"/>
+              </a:spcBef>
+              <a:spcAft>
+                <a:spcPts val="0"/>
+              </a:spcAft>
+              <a:buClr>
+                <a:schemeClr val="dk1"/>
+              </a:buClr>
+              <a:buSzPts val="3600"/>
+              <a:buFont typeface="Barlow"/>
+              <a:buNone/>
+              <a:defRPr sz="3600" b="1" i="0" u="none" strike="noStrike" cap="none">
+                <a:solidFill>
+                  <a:schemeClr val="dk1"/>
+                </a:solidFill>
+                <a:latin typeface="Barlow"/>
+                <a:ea typeface="Barlow"/>
+                <a:cs typeface="Barlow"/>
+                <a:sym typeface="Barlow"/>
+              </a:defRPr>
+            </a:lvl7pPr>
+            <a:lvl8pPr marR="0" lvl="7" algn="ctr" rtl="0">
+              <a:lnSpc>
+                <a:spcPct val="100000"/>
+              </a:lnSpc>
+              <a:spcBef>
+                <a:spcPts val="0"/>
+              </a:spcBef>
+              <a:spcAft>
+                <a:spcPts val="0"/>
+              </a:spcAft>
+              <a:buClr>
+                <a:schemeClr val="dk1"/>
+              </a:buClr>
+              <a:buSzPts val="3600"/>
+              <a:buFont typeface="Barlow"/>
+              <a:buNone/>
+              <a:defRPr sz="3600" b="1" i="0" u="none" strike="noStrike" cap="none">
+                <a:solidFill>
+                  <a:schemeClr val="dk1"/>
+                </a:solidFill>
+                <a:latin typeface="Barlow"/>
+                <a:ea typeface="Barlow"/>
+                <a:cs typeface="Barlow"/>
+                <a:sym typeface="Barlow"/>
+              </a:defRPr>
+            </a:lvl8pPr>
+            <a:lvl9pPr marR="0" lvl="8" algn="ctr" rtl="0">
+              <a:lnSpc>
+                <a:spcPct val="100000"/>
+              </a:lnSpc>
+              <a:spcBef>
+                <a:spcPts val="0"/>
+              </a:spcBef>
+              <a:spcAft>
+                <a:spcPts val="0"/>
+              </a:spcAft>
+              <a:buClr>
+                <a:schemeClr val="dk1"/>
+              </a:buClr>
+              <a:buSzPts val="3600"/>
+              <a:buFont typeface="Barlow"/>
+              <a:buNone/>
+              <a:defRPr sz="3600" b="1" i="0" u="none" strike="noStrike" cap="none">
+                <a:solidFill>
+                  <a:schemeClr val="dk1"/>
+                </a:solidFill>
+                <a:latin typeface="Barlow"/>
+                <a:ea typeface="Barlow"/>
+                <a:cs typeface="Barlow"/>
+                <a:sym typeface="Barlow"/>
+              </a:defRPr>
+            </a:lvl9pPr>
+          </a:lstStyle>
+          <a:p>
+            <a:pPr algn="ctr"/>
+            <a:r>
+              <a:rPr lang="en-US" altLang="zh-CN" sz="8000" spc="300" dirty="0">
+                <a:solidFill>
+                  <a:schemeClr val="accent4">
+                    <a:lumMod val="60000"/>
+                    <a:lumOff val="40000"/>
+                    <a:alpha val="60000"/>
+                  </a:schemeClr>
+                </a:solidFill>
+                <a:latin typeface="Amatic SC" panose="020F0502020204030204" pitchFamily="2" charset="-79"/>
+                <a:cs typeface="Amatic SC" panose="020F0502020204030204" pitchFamily="2" charset="-79"/>
+              </a:rPr>
+              <a:t>Direction Clock</a:t>
+            </a:r>
+          </a:p>
+        </p:txBody>
+      </p:sp>
+      <p:pic>
+        <p:nvPicPr>
+          <p:cNvPr id="7" name="Picture 6">
+            <a:extLst>
+              <a:ext uri="{FF2B5EF4-FFF2-40B4-BE49-F238E27FC236}">
+                <a16:creationId xmlns:a16="http://schemas.microsoft.com/office/drawing/2014/main" id="{984D4AEB-3A3B-B680-CEF5-8DC61CB1E77B}"/>
+              </a:ext>
+            </a:extLst>
+          </p:cNvPr>
+          <p:cNvPicPr>
+            <a:picLocks noChangeAspect="1"/>
+          </p:cNvPicPr>
+          <p:nvPr/>
+        </p:nvPicPr>
+        <p:blipFill>
+          <a:blip r:embed="rId2">
+            <a:extLst>
+              <a:ext uri="{28A0092B-C50C-407E-A947-70E740481C1C}">
+                <a14:useLocalDpi xmlns:a14="http://schemas.microsoft.com/office/drawing/2010/main" val="0"/>
+              </a:ext>
+            </a:extLst>
+          </a:blip>
+          <a:stretch>
+            <a:fillRect/>
+          </a:stretch>
+        </p:blipFill>
+        <p:spPr>
+          <a:xfrm>
+            <a:off x="4154805" y="1805115"/>
+            <a:ext cx="3882390" cy="4819519"/>
+          </a:xfrm>
+          <a:prstGeom prst="rect">
+            <a:avLst/>
+          </a:prstGeom>
+        </p:spPr>
+      </p:pic>
+      <p:pic>
+        <p:nvPicPr>
+          <p:cNvPr id="11" name="Picture 10">
+            <a:extLst>
+              <a:ext uri="{FF2B5EF4-FFF2-40B4-BE49-F238E27FC236}">
+                <a16:creationId xmlns:a16="http://schemas.microsoft.com/office/drawing/2014/main" id="{D146F9E3-E1D6-5182-402D-3D7CBD2F870B}"/>
+              </a:ext>
+            </a:extLst>
+          </p:cNvPr>
+          <p:cNvPicPr>
+            <a:picLocks noChangeAspect="1"/>
+          </p:cNvPicPr>
+          <p:nvPr/>
+        </p:nvPicPr>
+        <p:blipFill>
+          <a:blip r:embed="rId3">
+            <a:extLst>
+              <a:ext uri="{28A0092B-C50C-407E-A947-70E740481C1C}">
+                <a14:useLocalDpi xmlns:a14="http://schemas.microsoft.com/office/drawing/2010/main" val="0"/>
+              </a:ext>
+            </a:extLst>
+          </a:blip>
+          <a:stretch>
+            <a:fillRect/>
+          </a:stretch>
+        </p:blipFill>
+        <p:spPr>
+          <a:xfrm rot="6882945">
+            <a:off x="7615254" y="3590249"/>
+            <a:ext cx="1530579" cy="962417"/>
+          </a:xfrm>
+          <a:prstGeom prst="rect">
+            <a:avLst/>
+          </a:prstGeom>
+        </p:spPr>
+      </p:pic>
+      <p:sp>
+        <p:nvSpPr>
+          <p:cNvPr id="14" name="TextBox 13">
+            <a:extLst>
+              <a:ext uri="{FF2B5EF4-FFF2-40B4-BE49-F238E27FC236}">
+                <a16:creationId xmlns:a16="http://schemas.microsoft.com/office/drawing/2014/main" id="{18A4FA34-9455-8EEF-3C28-42ABDE7BAFA3}"/>
+              </a:ext>
+            </a:extLst>
+          </p:cNvPr>
+          <p:cNvSpPr txBox="1"/>
+          <p:nvPr/>
+        </p:nvSpPr>
+        <p:spPr>
+          <a:xfrm>
+            <a:off x="8037195" y="2531432"/>
+            <a:ext cx="1413820" cy="584775"/>
+          </a:xfrm>
+          <a:prstGeom prst="rect">
+            <a:avLst/>
+          </a:prstGeom>
+          <a:noFill/>
+        </p:spPr>
+        <p:txBody>
+          <a:bodyPr wrap="square" rtlCol="0">
+            <a:spAutoFit/>
+          </a:bodyPr>
+          <a:lstStyle/>
+          <a:p>
+            <a:r>
+              <a:rPr lang="en-US" altLang="zh-CN" sz="3200" dirty="0">
+                <a:solidFill>
+                  <a:schemeClr val="bg1">
+                    <a:lumMod val="75000"/>
+                  </a:schemeClr>
+                </a:solidFill>
+                <a:latin typeface="High Tower Text" panose="02040502050506030303" pitchFamily="18" charset="0"/>
+              </a:rPr>
+              <a:t>0°</a:t>
+            </a:r>
+            <a:endParaRPr lang="zh-CN" altLang="en-US" sz="3200" dirty="0">
+              <a:solidFill>
+                <a:schemeClr val="bg1">
+                  <a:lumMod val="75000"/>
+                </a:schemeClr>
+              </a:solidFill>
+              <a:latin typeface="High Tower Text" panose="02040502050506030303" pitchFamily="18" charset="0"/>
+            </a:endParaRPr>
+          </a:p>
+        </p:txBody>
+      </p:sp>
+      <p:sp>
+        <p:nvSpPr>
+          <p:cNvPr id="15" name="TextBox 14">
+            <a:extLst>
+              <a:ext uri="{FF2B5EF4-FFF2-40B4-BE49-F238E27FC236}">
+                <a16:creationId xmlns:a16="http://schemas.microsoft.com/office/drawing/2014/main" id="{CCCEE472-EFE7-97E7-09B1-28B513EC86BA}"/>
+              </a:ext>
+            </a:extLst>
+          </p:cNvPr>
+          <p:cNvSpPr txBox="1"/>
+          <p:nvPr/>
+        </p:nvSpPr>
+        <p:spPr>
+          <a:xfrm>
+            <a:off x="8037195" y="4875864"/>
+            <a:ext cx="1413820" cy="584775"/>
+          </a:xfrm>
+          <a:prstGeom prst="rect">
+            <a:avLst/>
+          </a:prstGeom>
+          <a:noFill/>
+        </p:spPr>
+        <p:txBody>
+          <a:bodyPr wrap="square" rtlCol="0">
+            <a:spAutoFit/>
+          </a:bodyPr>
+          <a:lstStyle/>
+          <a:p>
+            <a:r>
+              <a:rPr lang="en-US" altLang="zh-CN" sz="3200" dirty="0">
+                <a:solidFill>
+                  <a:schemeClr val="bg1">
+                    <a:lumMod val="75000"/>
+                  </a:schemeClr>
+                </a:solidFill>
+                <a:latin typeface="High Tower Text" panose="02040502050506030303" pitchFamily="18" charset="0"/>
+              </a:rPr>
+              <a:t>180°</a:t>
+            </a:r>
+            <a:endParaRPr lang="zh-CN" altLang="en-US" sz="3200" dirty="0">
+              <a:solidFill>
+                <a:schemeClr val="bg1">
+                  <a:lumMod val="75000"/>
+                </a:schemeClr>
+              </a:solidFill>
+              <a:latin typeface="High Tower Text" panose="02040502050506030303" pitchFamily="18" charset="0"/>
+            </a:endParaRPr>
+          </a:p>
+        </p:txBody>
+      </p:sp>
+      <p:sp>
+        <p:nvSpPr>
+          <p:cNvPr id="17" name="TextBox 16">
+            <a:extLst>
+              <a:ext uri="{FF2B5EF4-FFF2-40B4-BE49-F238E27FC236}">
+                <a16:creationId xmlns:a16="http://schemas.microsoft.com/office/drawing/2014/main" id="{1E978654-EC27-F20F-CAA0-64D4A1770AC1}"/>
+              </a:ext>
+            </a:extLst>
+          </p:cNvPr>
+          <p:cNvSpPr txBox="1"/>
+          <p:nvPr/>
+        </p:nvSpPr>
+        <p:spPr>
+          <a:xfrm>
+            <a:off x="3371695" y="4873086"/>
+            <a:ext cx="1413820" cy="584775"/>
+          </a:xfrm>
+          <a:prstGeom prst="rect">
+            <a:avLst/>
+          </a:prstGeom>
+          <a:noFill/>
+        </p:spPr>
+        <p:txBody>
+          <a:bodyPr wrap="square" rtlCol="0">
+            <a:spAutoFit/>
+          </a:bodyPr>
+          <a:lstStyle/>
+          <a:p>
+            <a:r>
+              <a:rPr lang="en-US" altLang="zh-CN" sz="3200" dirty="0">
+                <a:solidFill>
+                  <a:schemeClr val="bg1">
+                    <a:lumMod val="75000"/>
+                  </a:schemeClr>
+                </a:solidFill>
+                <a:latin typeface="High Tower Text" panose="02040502050506030303" pitchFamily="18" charset="0"/>
+              </a:rPr>
+              <a:t>-179°</a:t>
+            </a:r>
+            <a:endParaRPr lang="zh-CN" altLang="en-US" sz="3200" dirty="0">
+              <a:solidFill>
+                <a:schemeClr val="bg1">
+                  <a:lumMod val="75000"/>
+                </a:schemeClr>
+              </a:solidFill>
+              <a:latin typeface="High Tower Text" panose="02040502050506030303" pitchFamily="18" charset="0"/>
+            </a:endParaRPr>
+          </a:p>
+        </p:txBody>
+      </p:sp>
+      <p:sp>
+        <p:nvSpPr>
+          <p:cNvPr id="20" name="TextBox 19">
+            <a:extLst>
+              <a:ext uri="{FF2B5EF4-FFF2-40B4-BE49-F238E27FC236}">
+                <a16:creationId xmlns:a16="http://schemas.microsoft.com/office/drawing/2014/main" id="{6A39B174-9289-32A6-CD8B-0185FF2A7E55}"/>
+              </a:ext>
+            </a:extLst>
+          </p:cNvPr>
+          <p:cNvSpPr txBox="1"/>
+          <p:nvPr/>
+        </p:nvSpPr>
+        <p:spPr>
+          <a:xfrm>
+            <a:off x="3600295" y="2547897"/>
+            <a:ext cx="1413820" cy="584775"/>
+          </a:xfrm>
+          <a:prstGeom prst="rect">
+            <a:avLst/>
+          </a:prstGeom>
+          <a:noFill/>
+        </p:spPr>
+        <p:txBody>
+          <a:bodyPr wrap="square" rtlCol="0">
+            <a:spAutoFit/>
+          </a:bodyPr>
+          <a:lstStyle/>
+          <a:p>
+            <a:r>
+              <a:rPr lang="en-US" altLang="zh-CN" sz="3200" dirty="0">
+                <a:solidFill>
+                  <a:schemeClr val="bg1">
+                    <a:lumMod val="75000"/>
+                  </a:schemeClr>
+                </a:solidFill>
+                <a:latin typeface="High Tower Text" panose="02040502050506030303" pitchFamily="18" charset="0"/>
+              </a:rPr>
+              <a:t>-1°</a:t>
+            </a:r>
+            <a:endParaRPr lang="zh-CN" altLang="en-US" sz="3200" dirty="0">
+              <a:solidFill>
+                <a:schemeClr val="bg1">
+                  <a:lumMod val="75000"/>
+                </a:schemeClr>
+              </a:solidFill>
+              <a:latin typeface="High Tower Text" panose="02040502050506030303" pitchFamily="18" charset="0"/>
+            </a:endParaRPr>
+          </a:p>
+        </p:txBody>
+      </p:sp>
+      <p:pic>
+        <p:nvPicPr>
+          <p:cNvPr id="24" name="Picture 23">
+            <a:extLst>
+              <a:ext uri="{FF2B5EF4-FFF2-40B4-BE49-F238E27FC236}">
+                <a16:creationId xmlns:a16="http://schemas.microsoft.com/office/drawing/2014/main" id="{A6FF2267-597A-2CB6-C7E5-5513144C5359}"/>
+              </a:ext>
+            </a:extLst>
+          </p:cNvPr>
+          <p:cNvPicPr>
+            <a:picLocks noChangeAspect="1"/>
+          </p:cNvPicPr>
+          <p:nvPr/>
+        </p:nvPicPr>
+        <p:blipFill>
+          <a:blip r:embed="rId3">
+            <a:extLst>
+              <a:ext uri="{28A0092B-C50C-407E-A947-70E740481C1C}">
+                <a14:useLocalDpi xmlns:a14="http://schemas.microsoft.com/office/drawing/2010/main" val="0"/>
+              </a:ext>
+            </a:extLst>
+          </a:blip>
+          <a:stretch>
+            <a:fillRect/>
+          </a:stretch>
+        </p:blipFill>
+        <p:spPr>
+          <a:xfrm rot="3665572" flipV="1">
+            <a:off x="3085949" y="3626098"/>
+            <a:ext cx="1530579" cy="911242"/>
+          </a:xfrm>
+          <a:prstGeom prst="rect">
+            <a:avLst/>
+          </a:prstGeom>
+        </p:spPr>
+      </p:pic>
+    </p:spTree>
+    <p:extLst>
+      <p:ext uri="{BB962C8B-B14F-4D97-AF65-F5344CB8AC3E}">
+        <p14:creationId xmlns:p14="http://schemas.microsoft.com/office/powerpoint/2010/main" val="962624"/>
+      </p:ext>
+    </p:extLst>
+  </p:cSld>
+  <p:clrMapOvr>
+    <a:masterClrMapping/>
+  </p:clrMapOvr>
+</p:sld>
+</file>
+
+<file path=ppt/slides/slide12.xml><?xml version="1.0" encoding="utf-8"?>
+<p:sld xmlns:a="http://schemas.openxmlformats.org/drawingml/2006/main" xmlns:r="http://schemas.openxmlformats.org/officeDocument/2006/relationships" xmlns:p="http://schemas.openxmlformats.org/presentationml/2006/main">
+  <p:cSld>
+    <p:spTree>
+      <p:nvGrpSpPr>
+        <p:cNvPr id="1" name="">
+          <a:extLst>
+            <a:ext uri="{FF2B5EF4-FFF2-40B4-BE49-F238E27FC236}">
+              <a16:creationId xmlns:a16="http://schemas.microsoft.com/office/drawing/2014/main" id="{602A52C4-A5A6-B3EA-59D1-65EDEF0ABABB}"/>
+            </a:ext>
+          </a:extLst>
+        </p:cNvPr>
+        <p:cNvGrpSpPr/>
+        <p:nvPr/>
+      </p:nvGrpSpPr>
+      <p:grpSpPr>
+        <a:xfrm>
+          <a:off x="0" y="0"/>
+          <a:ext cx="0" cy="0"/>
+          <a:chOff x="0" y="0"/>
+          <a:chExt cx="0" cy="0"/>
+        </a:xfrm>
+      </p:grpSpPr>
+      <p:sp>
+        <p:nvSpPr>
+          <p:cNvPr id="6" name="Rectangle 5">
+            <a:extLst>
+              <a:ext uri="{FF2B5EF4-FFF2-40B4-BE49-F238E27FC236}">
+                <a16:creationId xmlns:a16="http://schemas.microsoft.com/office/drawing/2014/main" id="{1C705559-C1E7-E6EE-567A-EB221462966F}"/>
+              </a:ext>
+            </a:extLst>
+          </p:cNvPr>
+          <p:cNvSpPr/>
+          <p:nvPr/>
+        </p:nvSpPr>
+        <p:spPr>
+          <a:xfrm>
+            <a:off x="0" y="0"/>
+            <a:ext cx="12192000" cy="6858000"/>
+          </a:xfrm>
+          <a:prstGeom prst="rect">
+            <a:avLst/>
+          </a:prstGeom>
+          <a:solidFill>
+            <a:srgbClr val="23242A"/>
+          </a:solidFill>
+          <a:ln>
+            <a:noFill/>
+          </a:ln>
+        </p:spPr>
+        <p:style>
+          <a:lnRef idx="2">
+            <a:schemeClr val="accent1">
+              <a:shade val="15000"/>
+            </a:schemeClr>
+          </a:lnRef>
+          <a:fillRef idx="1">
+            <a:schemeClr val="accent1"/>
+          </a:fillRef>
+          <a:effectRef idx="0">
+            <a:schemeClr val="accent1"/>
+          </a:effectRef>
+          <a:fontRef idx="minor">
+            <a:schemeClr val="lt1"/>
+          </a:fontRef>
+        </p:style>
+        <p:txBody>
+          <a:bodyPr rtlCol="0" anchor="ctr"/>
+          <a:lstStyle/>
+          <a:p>
+            <a:pPr algn="ctr"/>
+            <a:endParaRPr lang="zh-CN" altLang="en-US" dirty="0"/>
+          </a:p>
+        </p:txBody>
+      </p:sp>
+      <p:sp>
+        <p:nvSpPr>
+          <p:cNvPr id="2" name="Slide Number Placeholder 1">
+            <a:extLst>
+              <a:ext uri="{FF2B5EF4-FFF2-40B4-BE49-F238E27FC236}">
+                <a16:creationId xmlns:a16="http://schemas.microsoft.com/office/drawing/2014/main" id="{8805E43A-F722-C80A-8335-37908A3D914C}"/>
+              </a:ext>
+            </a:extLst>
+          </p:cNvPr>
+          <p:cNvSpPr>
+            <a:spLocks noGrp="1"/>
+          </p:cNvSpPr>
+          <p:nvPr>
+            <p:ph type="sldNum" sz="quarter" idx="12"/>
+          </p:nvPr>
+        </p:nvSpPr>
+        <p:spPr>
+          <a:xfrm>
+            <a:off x="9057739" y="6259509"/>
+            <a:ext cx="2743200" cy="365125"/>
+          </a:xfrm>
+        </p:spPr>
+        <p:txBody>
+          <a:bodyPr/>
+          <a:lstStyle/>
+          <a:p>
+            <a:fld id="{9B1EC109-1E15-4BCA-93B5-56442BB3443E}" type="slidenum">
+              <a:rPr lang="zh-CN" altLang="en-US" sz="2400" b="1" smtClean="0">
+                <a:solidFill>
+                  <a:schemeClr val="bg1">
+                    <a:lumMod val="65000"/>
+                  </a:schemeClr>
+                </a:solidFill>
+                <a:latin typeface="Bradley Hand ITC" panose="03070402050302030203" pitchFamily="66" charset="0"/>
+              </a:rPr>
+              <a:t>12</a:t>
+            </a:fld>
+            <a:endParaRPr lang="zh-CN" altLang="en-US" sz="2400" b="1" dirty="0">
+              <a:solidFill>
+                <a:schemeClr val="bg1">
+                  <a:lumMod val="65000"/>
+                </a:schemeClr>
+              </a:solidFill>
+              <a:latin typeface="Bradley Hand ITC" panose="03070402050302030203" pitchFamily="66" charset="0"/>
+            </a:endParaRPr>
+          </a:p>
+        </p:txBody>
+      </p:sp>
+      <p:sp>
+        <p:nvSpPr>
+          <p:cNvPr id="4" name="Google Shape;867;p33">
+            <a:extLst>
+              <a:ext uri="{FF2B5EF4-FFF2-40B4-BE49-F238E27FC236}">
+                <a16:creationId xmlns:a16="http://schemas.microsoft.com/office/drawing/2014/main" id="{0FD74541-7012-779A-BBE3-AFC27FB0E246}"/>
+              </a:ext>
+            </a:extLst>
+          </p:cNvPr>
+          <p:cNvSpPr txBox="1">
+            <a:spLocks/>
+          </p:cNvSpPr>
+          <p:nvPr/>
+        </p:nvSpPr>
+        <p:spPr>
+          <a:xfrm>
+            <a:off x="2222600" y="143850"/>
+            <a:ext cx="7746800" cy="1602400"/>
+          </a:xfrm>
+          <a:prstGeom prst="rect">
+            <a:avLst/>
+          </a:prstGeom>
+          <a:noFill/>
+          <a:ln>
+            <a:noFill/>
+          </a:ln>
+        </p:spPr>
+        <p:txBody>
+          <a:bodyPr spcFirstLastPara="1" wrap="square" lIns="91425" tIns="91425" rIns="91425" bIns="91425" anchor="b" anchorCtr="0">
+            <a:noAutofit/>
+          </a:bodyPr>
+          <a:lstStyle>
+            <a:defPPr marR="0" lvl="0" algn="l" rtl="0">
+              <a:lnSpc>
+                <a:spcPct val="100000"/>
+              </a:lnSpc>
+              <a:spcBef>
+                <a:spcPts val="0"/>
+              </a:spcBef>
+              <a:spcAft>
+                <a:spcPts val="0"/>
+              </a:spcAft>
+            </a:defPPr>
+            <a:lvl1pPr marR="0" lvl="0" algn="l" rtl="0">
+              <a:lnSpc>
+                <a:spcPct val="100000"/>
+              </a:lnSpc>
+              <a:spcBef>
+                <a:spcPts val="0"/>
+              </a:spcBef>
+              <a:spcAft>
+                <a:spcPts val="0"/>
+              </a:spcAft>
+              <a:buClr>
+                <a:schemeClr val="dk1"/>
+              </a:buClr>
+              <a:buSzPts val="3600"/>
+              <a:buFont typeface="Barlow"/>
+              <a:buNone/>
+              <a:defRPr sz="7200" b="1" i="0" u="none" strike="noStrike" cap="none">
+                <a:solidFill>
+                  <a:schemeClr val="dk1"/>
+                </a:solidFill>
+                <a:latin typeface="Barlow"/>
+                <a:ea typeface="Barlow"/>
+                <a:cs typeface="Barlow"/>
+                <a:sym typeface="Barlow"/>
+              </a:defRPr>
+            </a:lvl1pPr>
+            <a:lvl2pPr marR="0" lvl="1" algn="ctr" rtl="0">
+              <a:lnSpc>
+                <a:spcPct val="100000"/>
+              </a:lnSpc>
+              <a:spcBef>
+                <a:spcPts val="0"/>
+              </a:spcBef>
+              <a:spcAft>
+                <a:spcPts val="0"/>
+              </a:spcAft>
+              <a:buClr>
+                <a:schemeClr val="dk1"/>
+              </a:buClr>
+              <a:buSzPts val="3600"/>
+              <a:buFont typeface="Barlow"/>
+              <a:buNone/>
+              <a:defRPr sz="3600" b="1" i="0" u="none" strike="noStrike" cap="none">
+                <a:solidFill>
+                  <a:schemeClr val="dk1"/>
+                </a:solidFill>
+                <a:latin typeface="Barlow"/>
+                <a:ea typeface="Barlow"/>
+                <a:cs typeface="Barlow"/>
+                <a:sym typeface="Barlow"/>
+              </a:defRPr>
+            </a:lvl2pPr>
+            <a:lvl3pPr marR="0" lvl="2" algn="ctr" rtl="0">
+              <a:lnSpc>
+                <a:spcPct val="100000"/>
+              </a:lnSpc>
+              <a:spcBef>
+                <a:spcPts val="0"/>
+              </a:spcBef>
+              <a:spcAft>
+                <a:spcPts val="0"/>
+              </a:spcAft>
+              <a:buClr>
+                <a:schemeClr val="dk1"/>
+              </a:buClr>
+              <a:buSzPts val="3600"/>
+              <a:buFont typeface="Barlow"/>
+              <a:buNone/>
+              <a:defRPr sz="3600" b="1" i="0" u="none" strike="noStrike" cap="none">
+                <a:solidFill>
+                  <a:schemeClr val="dk1"/>
+                </a:solidFill>
+                <a:latin typeface="Barlow"/>
+                <a:ea typeface="Barlow"/>
+                <a:cs typeface="Barlow"/>
+                <a:sym typeface="Barlow"/>
+              </a:defRPr>
+            </a:lvl3pPr>
+            <a:lvl4pPr marR="0" lvl="3" algn="ctr" rtl="0">
+              <a:lnSpc>
+                <a:spcPct val="100000"/>
+              </a:lnSpc>
+              <a:spcBef>
+                <a:spcPts val="0"/>
+              </a:spcBef>
+              <a:spcAft>
+                <a:spcPts val="0"/>
+              </a:spcAft>
+              <a:buClr>
+                <a:schemeClr val="dk1"/>
+              </a:buClr>
+              <a:buSzPts val="3600"/>
+              <a:buFont typeface="Barlow"/>
+              <a:buNone/>
+              <a:defRPr sz="3600" b="1" i="0" u="none" strike="noStrike" cap="none">
+                <a:solidFill>
+                  <a:schemeClr val="dk1"/>
+                </a:solidFill>
+                <a:latin typeface="Barlow"/>
+                <a:ea typeface="Barlow"/>
+                <a:cs typeface="Barlow"/>
+                <a:sym typeface="Barlow"/>
+              </a:defRPr>
+            </a:lvl4pPr>
+            <a:lvl5pPr marR="0" lvl="4" algn="ctr" rtl="0">
+              <a:lnSpc>
+                <a:spcPct val="100000"/>
+              </a:lnSpc>
+              <a:spcBef>
+                <a:spcPts val="0"/>
+              </a:spcBef>
+              <a:spcAft>
+                <a:spcPts val="0"/>
+              </a:spcAft>
+              <a:buClr>
+                <a:schemeClr val="dk1"/>
+              </a:buClr>
+              <a:buSzPts val="3600"/>
+              <a:buFont typeface="Barlow"/>
+              <a:buNone/>
+              <a:defRPr sz="3600" b="1" i="0" u="none" strike="noStrike" cap="none">
+                <a:solidFill>
+                  <a:schemeClr val="dk1"/>
+                </a:solidFill>
+                <a:latin typeface="Barlow"/>
+                <a:ea typeface="Barlow"/>
+                <a:cs typeface="Barlow"/>
+                <a:sym typeface="Barlow"/>
+              </a:defRPr>
+            </a:lvl5pPr>
+            <a:lvl6pPr marR="0" lvl="5" algn="ctr" rtl="0">
+              <a:lnSpc>
+                <a:spcPct val="100000"/>
+              </a:lnSpc>
+              <a:spcBef>
+                <a:spcPts val="0"/>
+              </a:spcBef>
+              <a:spcAft>
+                <a:spcPts val="0"/>
+              </a:spcAft>
+              <a:buClr>
+                <a:schemeClr val="dk1"/>
+              </a:buClr>
+              <a:buSzPts val="3600"/>
+              <a:buFont typeface="Barlow"/>
+              <a:buNone/>
+              <a:defRPr sz="3600" b="1" i="0" u="none" strike="noStrike" cap="none">
+                <a:solidFill>
+                  <a:schemeClr val="dk1"/>
+                </a:solidFill>
+                <a:latin typeface="Barlow"/>
+                <a:ea typeface="Barlow"/>
+                <a:cs typeface="Barlow"/>
+                <a:sym typeface="Barlow"/>
+              </a:defRPr>
+            </a:lvl6pPr>
+            <a:lvl7pPr marR="0" lvl="6" algn="ctr" rtl="0">
+              <a:lnSpc>
+                <a:spcPct val="100000"/>
+              </a:lnSpc>
+              <a:spcBef>
+                <a:spcPts val="0"/>
+              </a:spcBef>
+              <a:spcAft>
+                <a:spcPts val="0"/>
+              </a:spcAft>
+              <a:buClr>
+                <a:schemeClr val="dk1"/>
+              </a:buClr>
+              <a:buSzPts val="3600"/>
+              <a:buFont typeface="Barlow"/>
+              <a:buNone/>
+              <a:defRPr sz="3600" b="1" i="0" u="none" strike="noStrike" cap="none">
+                <a:solidFill>
+                  <a:schemeClr val="dk1"/>
+                </a:solidFill>
+                <a:latin typeface="Barlow"/>
+                <a:ea typeface="Barlow"/>
+                <a:cs typeface="Barlow"/>
+                <a:sym typeface="Barlow"/>
+              </a:defRPr>
+            </a:lvl7pPr>
+            <a:lvl8pPr marR="0" lvl="7" algn="ctr" rtl="0">
+              <a:lnSpc>
+                <a:spcPct val="100000"/>
+              </a:lnSpc>
+              <a:spcBef>
+                <a:spcPts val="0"/>
+              </a:spcBef>
+              <a:spcAft>
+                <a:spcPts val="0"/>
+              </a:spcAft>
+              <a:buClr>
+                <a:schemeClr val="dk1"/>
+              </a:buClr>
+              <a:buSzPts val="3600"/>
+              <a:buFont typeface="Barlow"/>
+              <a:buNone/>
+              <a:defRPr sz="3600" b="1" i="0" u="none" strike="noStrike" cap="none">
+                <a:solidFill>
+                  <a:schemeClr val="dk1"/>
+                </a:solidFill>
+                <a:latin typeface="Barlow"/>
+                <a:ea typeface="Barlow"/>
+                <a:cs typeface="Barlow"/>
+                <a:sym typeface="Barlow"/>
+              </a:defRPr>
+            </a:lvl8pPr>
+            <a:lvl9pPr marR="0" lvl="8" algn="ctr" rtl="0">
+              <a:lnSpc>
+                <a:spcPct val="100000"/>
+              </a:lnSpc>
+              <a:spcBef>
+                <a:spcPts val="0"/>
+              </a:spcBef>
+              <a:spcAft>
+                <a:spcPts val="0"/>
+              </a:spcAft>
+              <a:buClr>
+                <a:schemeClr val="dk1"/>
+              </a:buClr>
+              <a:buSzPts val="3600"/>
+              <a:buFont typeface="Barlow"/>
+              <a:buNone/>
+              <a:defRPr sz="3600" b="1" i="0" u="none" strike="noStrike" cap="none">
+                <a:solidFill>
+                  <a:schemeClr val="dk1"/>
+                </a:solidFill>
+                <a:latin typeface="Barlow"/>
+                <a:ea typeface="Barlow"/>
+                <a:cs typeface="Barlow"/>
+                <a:sym typeface="Barlow"/>
+              </a:defRPr>
+            </a:lvl9pPr>
+          </a:lstStyle>
+          <a:p>
+            <a:pPr algn="ctr"/>
+            <a:r>
+              <a:rPr lang="en-US" altLang="zh-CN" sz="8000" spc="300" dirty="0">
+                <a:solidFill>
+                  <a:schemeClr val="accent4">
+                    <a:lumMod val="60000"/>
+                    <a:lumOff val="40000"/>
+                    <a:alpha val="60000"/>
+                  </a:schemeClr>
+                </a:solidFill>
+                <a:latin typeface="Amatic SC" panose="020F0502020204030204" pitchFamily="2" charset="-79"/>
+                <a:cs typeface="Amatic SC" panose="020F0502020204030204" pitchFamily="2" charset="-79"/>
+              </a:rPr>
+              <a:t>Rotation Style</a:t>
+            </a:r>
+          </a:p>
+        </p:txBody>
+      </p:sp>
+      <p:pic>
+        <p:nvPicPr>
+          <p:cNvPr id="7" name="Picture 6">
+            <a:extLst>
+              <a:ext uri="{FF2B5EF4-FFF2-40B4-BE49-F238E27FC236}">
+                <a16:creationId xmlns:a16="http://schemas.microsoft.com/office/drawing/2014/main" id="{E92E57B5-FB04-0259-5C3C-F050218D3725}"/>
+              </a:ext>
+            </a:extLst>
+          </p:cNvPr>
+          <p:cNvPicPr>
+            <a:picLocks noChangeAspect="1"/>
+          </p:cNvPicPr>
+          <p:nvPr/>
+        </p:nvPicPr>
+        <p:blipFill>
+          <a:blip r:embed="rId2">
+            <a:extLst>
+              <a:ext uri="{28A0092B-C50C-407E-A947-70E740481C1C}">
+                <a14:useLocalDpi xmlns:a14="http://schemas.microsoft.com/office/drawing/2010/main" val="0"/>
+              </a:ext>
+            </a:extLst>
+          </a:blip>
+          <a:stretch>
+            <a:fillRect/>
+          </a:stretch>
+        </p:blipFill>
+        <p:spPr>
+          <a:xfrm>
+            <a:off x="1687979" y="1890100"/>
+            <a:ext cx="2286014" cy="2837811"/>
+          </a:xfrm>
+          <a:prstGeom prst="rect">
+            <a:avLst/>
+          </a:prstGeom>
+        </p:spPr>
+      </p:pic>
+      <p:pic>
+        <p:nvPicPr>
+          <p:cNvPr id="5" name="Picture 4">
+            <a:extLst>
+              <a:ext uri="{FF2B5EF4-FFF2-40B4-BE49-F238E27FC236}">
+                <a16:creationId xmlns:a16="http://schemas.microsoft.com/office/drawing/2014/main" id="{7C05C5D4-423F-371A-D2B6-C0C68053BAEB}"/>
+              </a:ext>
+            </a:extLst>
+          </p:cNvPr>
+          <p:cNvPicPr>
+            <a:picLocks noChangeAspect="1"/>
+          </p:cNvPicPr>
+          <p:nvPr/>
+        </p:nvPicPr>
+        <p:blipFill>
+          <a:blip r:embed="rId3">
+            <a:extLst>
+              <a:ext uri="{28A0092B-C50C-407E-A947-70E740481C1C}">
+                <a14:useLocalDpi xmlns:a14="http://schemas.microsoft.com/office/drawing/2010/main" val="0"/>
+              </a:ext>
+            </a:extLst>
+          </a:blip>
+          <a:stretch>
+            <a:fillRect/>
+          </a:stretch>
+        </p:blipFill>
+        <p:spPr>
+          <a:xfrm>
+            <a:off x="4980565" y="1960266"/>
+            <a:ext cx="2251401" cy="2767645"/>
+          </a:xfrm>
+          <a:prstGeom prst="rect">
+            <a:avLst/>
+          </a:prstGeom>
+        </p:spPr>
+      </p:pic>
+      <p:pic>
+        <p:nvPicPr>
+          <p:cNvPr id="9" name="Picture 8">
+            <a:extLst>
+              <a:ext uri="{FF2B5EF4-FFF2-40B4-BE49-F238E27FC236}">
+                <a16:creationId xmlns:a16="http://schemas.microsoft.com/office/drawing/2014/main" id="{AD442AFA-F72C-BFF0-2A9A-F5BD63360381}"/>
+              </a:ext>
+            </a:extLst>
+          </p:cNvPr>
+          <p:cNvPicPr>
+            <a:picLocks noChangeAspect="1"/>
+          </p:cNvPicPr>
+          <p:nvPr/>
+        </p:nvPicPr>
+        <p:blipFill>
+          <a:blip r:embed="rId4">
+            <a:extLst>
+              <a:ext uri="{28A0092B-C50C-407E-A947-70E740481C1C}">
+                <a14:useLocalDpi xmlns:a14="http://schemas.microsoft.com/office/drawing/2010/main" val="0"/>
+              </a:ext>
+            </a:extLst>
+          </a:blip>
+          <a:stretch>
+            <a:fillRect/>
+          </a:stretch>
+        </p:blipFill>
+        <p:spPr>
+          <a:xfrm>
+            <a:off x="8238538" y="2007955"/>
+            <a:ext cx="2190801" cy="2690333"/>
+          </a:xfrm>
+          <a:prstGeom prst="rect">
+            <a:avLst/>
+          </a:prstGeom>
+        </p:spPr>
+      </p:pic>
+      <p:sp>
+        <p:nvSpPr>
+          <p:cNvPr id="10" name="TextBox 9">
+            <a:extLst>
+              <a:ext uri="{FF2B5EF4-FFF2-40B4-BE49-F238E27FC236}">
+                <a16:creationId xmlns:a16="http://schemas.microsoft.com/office/drawing/2014/main" id="{4BCC76C2-62A0-144D-F668-AC9CE0393233}"/>
+              </a:ext>
+            </a:extLst>
+          </p:cNvPr>
+          <p:cNvSpPr txBox="1"/>
+          <p:nvPr/>
+        </p:nvSpPr>
+        <p:spPr>
+          <a:xfrm>
+            <a:off x="2101575" y="4854366"/>
+            <a:ext cx="2286014" cy="461665"/>
+          </a:xfrm>
+          <a:prstGeom prst="rect">
+            <a:avLst/>
+          </a:prstGeom>
+          <a:noFill/>
+        </p:spPr>
+        <p:txBody>
+          <a:bodyPr wrap="square" rtlCol="0">
+            <a:spAutoFit/>
+          </a:bodyPr>
+          <a:lstStyle/>
+          <a:p>
+            <a:r>
+              <a:rPr lang="en-US" altLang="zh-CN" sz="2400" dirty="0">
+                <a:solidFill>
+                  <a:schemeClr val="bg1">
+                    <a:lumMod val="75000"/>
+                  </a:schemeClr>
+                </a:solidFill>
+                <a:latin typeface="High Tower Text" panose="02040502050506030303" pitchFamily="18" charset="0"/>
+              </a:rPr>
+              <a:t>All Around</a:t>
+            </a:r>
+            <a:endParaRPr lang="zh-CN" altLang="en-US" sz="2400" dirty="0">
+              <a:solidFill>
+                <a:schemeClr val="bg1">
+                  <a:lumMod val="75000"/>
+                </a:schemeClr>
+              </a:solidFill>
+              <a:latin typeface="High Tower Text" panose="02040502050506030303" pitchFamily="18" charset="0"/>
+            </a:endParaRPr>
+          </a:p>
+        </p:txBody>
+      </p:sp>
+      <p:sp>
+        <p:nvSpPr>
+          <p:cNvPr id="12" name="TextBox 11">
+            <a:extLst>
+              <a:ext uri="{FF2B5EF4-FFF2-40B4-BE49-F238E27FC236}">
+                <a16:creationId xmlns:a16="http://schemas.microsoft.com/office/drawing/2014/main" id="{D03ABF7A-7835-C38B-7DFB-25390972D39C}"/>
+              </a:ext>
+            </a:extLst>
+          </p:cNvPr>
+          <p:cNvSpPr txBox="1"/>
+          <p:nvPr/>
+        </p:nvSpPr>
+        <p:spPr>
+          <a:xfrm>
+            <a:off x="5439135" y="4854366"/>
+            <a:ext cx="2286014" cy="461665"/>
+          </a:xfrm>
+          <a:prstGeom prst="rect">
+            <a:avLst/>
+          </a:prstGeom>
+          <a:noFill/>
+        </p:spPr>
+        <p:txBody>
+          <a:bodyPr wrap="square" rtlCol="0">
+            <a:spAutoFit/>
+          </a:bodyPr>
+          <a:lstStyle/>
+          <a:p>
+            <a:r>
+              <a:rPr lang="en-US" altLang="zh-CN" sz="2400" dirty="0">
+                <a:solidFill>
+                  <a:schemeClr val="bg1">
+                    <a:lumMod val="75000"/>
+                  </a:schemeClr>
+                </a:solidFill>
+                <a:latin typeface="High Tower Text" panose="02040502050506030303" pitchFamily="18" charset="0"/>
+              </a:rPr>
+              <a:t>Left/Right</a:t>
+            </a:r>
+            <a:endParaRPr lang="zh-CN" altLang="en-US" sz="2400" dirty="0">
+              <a:solidFill>
+                <a:schemeClr val="bg1">
+                  <a:lumMod val="75000"/>
+                </a:schemeClr>
+              </a:solidFill>
+              <a:latin typeface="High Tower Text" panose="02040502050506030303" pitchFamily="18" charset="0"/>
+            </a:endParaRPr>
+          </a:p>
+        </p:txBody>
+      </p:sp>
+      <p:sp>
+        <p:nvSpPr>
+          <p:cNvPr id="13" name="TextBox 12">
+            <a:extLst>
+              <a:ext uri="{FF2B5EF4-FFF2-40B4-BE49-F238E27FC236}">
+                <a16:creationId xmlns:a16="http://schemas.microsoft.com/office/drawing/2014/main" id="{F5A0606E-6859-AE7B-6E02-E603B8FFD243}"/>
+              </a:ext>
+            </a:extLst>
+          </p:cNvPr>
+          <p:cNvSpPr txBox="1"/>
+          <p:nvPr/>
+        </p:nvSpPr>
+        <p:spPr>
+          <a:xfrm>
+            <a:off x="8494755" y="4854366"/>
+            <a:ext cx="2743199" cy="461665"/>
+          </a:xfrm>
+          <a:prstGeom prst="rect">
+            <a:avLst/>
+          </a:prstGeom>
+          <a:noFill/>
+        </p:spPr>
+        <p:txBody>
+          <a:bodyPr wrap="square" rtlCol="0">
+            <a:spAutoFit/>
+          </a:bodyPr>
+          <a:lstStyle/>
+          <a:p>
+            <a:r>
+              <a:rPr lang="en-US" altLang="zh-CN" sz="2400" dirty="0">
+                <a:solidFill>
+                  <a:schemeClr val="bg1">
+                    <a:lumMod val="75000"/>
+                  </a:schemeClr>
+                </a:solidFill>
+                <a:latin typeface="High Tower Text" panose="02040502050506030303" pitchFamily="18" charset="0"/>
+              </a:rPr>
+              <a:t>Do not Rotate</a:t>
+            </a:r>
+            <a:endParaRPr lang="zh-CN" altLang="en-US" sz="2400" dirty="0">
+              <a:solidFill>
+                <a:schemeClr val="bg1">
+                  <a:lumMod val="75000"/>
+                </a:schemeClr>
+              </a:solidFill>
+              <a:latin typeface="High Tower Text" panose="02040502050506030303" pitchFamily="18" charset="0"/>
+            </a:endParaRPr>
+          </a:p>
+        </p:txBody>
+      </p:sp>
+      <p:pic>
+        <p:nvPicPr>
+          <p:cNvPr id="29" name="Graphic 28">
+            <a:extLst>
+              <a:ext uri="{FF2B5EF4-FFF2-40B4-BE49-F238E27FC236}">
+                <a16:creationId xmlns:a16="http://schemas.microsoft.com/office/drawing/2014/main" id="{0538E2C7-95B1-447F-A0A5-5ADD9AF7B28A}"/>
+              </a:ext>
+            </a:extLst>
+          </p:cNvPr>
+          <p:cNvPicPr>
+            <a:picLocks noChangeAspect="1"/>
+          </p:cNvPicPr>
+          <p:nvPr/>
+        </p:nvPicPr>
+        <p:blipFill>
+          <a:blip r:embed="rId5">
+            <a:extLst>
+              <a:ext uri="{96DAC541-7B7A-43D3-8B79-37D633B846F1}">
+                <asvg:svgBlip xmlns:asvg="http://schemas.microsoft.com/office/drawing/2016/SVG/main" r:embed="rId6"/>
+              </a:ext>
+            </a:extLst>
+          </a:blip>
+          <a:stretch>
+            <a:fillRect/>
+          </a:stretch>
+        </p:blipFill>
+        <p:spPr>
+          <a:xfrm>
+            <a:off x="1687979" y="5572371"/>
+            <a:ext cx="660758" cy="461665"/>
+          </a:xfrm>
+          <a:prstGeom prst="rect">
+            <a:avLst/>
+          </a:prstGeom>
+        </p:spPr>
+      </p:pic>
+      <p:pic>
+        <p:nvPicPr>
+          <p:cNvPr id="30" name="Graphic 29">
+            <a:extLst>
+              <a:ext uri="{FF2B5EF4-FFF2-40B4-BE49-F238E27FC236}">
+                <a16:creationId xmlns:a16="http://schemas.microsoft.com/office/drawing/2014/main" id="{01C70BDA-E782-2672-675D-8EE0B8C6CA8C}"/>
+              </a:ext>
+            </a:extLst>
+          </p:cNvPr>
+          <p:cNvPicPr>
+            <a:picLocks noChangeAspect="1"/>
+          </p:cNvPicPr>
+          <p:nvPr/>
+        </p:nvPicPr>
+        <p:blipFill>
+          <a:blip r:embed="rId5">
+            <a:extLst>
+              <a:ext uri="{96DAC541-7B7A-43D3-8B79-37D633B846F1}">
+                <asvg:svgBlip xmlns:asvg="http://schemas.microsoft.com/office/drawing/2016/SVG/main" r:embed="rId6"/>
+              </a:ext>
+            </a:extLst>
+          </a:blip>
+          <a:stretch>
+            <a:fillRect/>
+          </a:stretch>
+        </p:blipFill>
+        <p:spPr>
+          <a:xfrm rot="16200000">
+            <a:off x="2333261" y="5513029"/>
+            <a:ext cx="660758" cy="461665"/>
+          </a:xfrm>
+          <a:prstGeom prst="rect">
+            <a:avLst/>
+          </a:prstGeom>
+        </p:spPr>
+      </p:pic>
+      <p:pic>
+        <p:nvPicPr>
+          <p:cNvPr id="31" name="Graphic 30">
+            <a:extLst>
+              <a:ext uri="{FF2B5EF4-FFF2-40B4-BE49-F238E27FC236}">
+                <a16:creationId xmlns:a16="http://schemas.microsoft.com/office/drawing/2014/main" id="{82537303-5D65-4806-8BDF-401ACA338E11}"/>
+              </a:ext>
+            </a:extLst>
+          </p:cNvPr>
+          <p:cNvPicPr>
+            <a:picLocks noChangeAspect="1"/>
+          </p:cNvPicPr>
+          <p:nvPr/>
+        </p:nvPicPr>
+        <p:blipFill>
+          <a:blip r:embed="rId5">
+            <a:extLst>
+              <a:ext uri="{96DAC541-7B7A-43D3-8B79-37D633B846F1}">
+                <asvg:svgBlip xmlns:asvg="http://schemas.microsoft.com/office/drawing/2016/SVG/main" r:embed="rId6"/>
+              </a:ext>
+            </a:extLst>
+          </a:blip>
+          <a:stretch>
+            <a:fillRect/>
+          </a:stretch>
+        </p:blipFill>
+        <p:spPr>
+          <a:xfrm rot="10800000">
+            <a:off x="2978543" y="5612576"/>
+            <a:ext cx="660758" cy="461665"/>
+          </a:xfrm>
+          <a:prstGeom prst="rect">
+            <a:avLst/>
+          </a:prstGeom>
+        </p:spPr>
+      </p:pic>
+      <p:pic>
+        <p:nvPicPr>
+          <p:cNvPr id="32" name="Graphic 31">
+            <a:extLst>
+              <a:ext uri="{FF2B5EF4-FFF2-40B4-BE49-F238E27FC236}">
+                <a16:creationId xmlns:a16="http://schemas.microsoft.com/office/drawing/2014/main" id="{1470CAFA-9467-EF9C-BE0C-BF7E197404D2}"/>
+              </a:ext>
+            </a:extLst>
+          </p:cNvPr>
+          <p:cNvPicPr>
+            <a:picLocks noChangeAspect="1"/>
+          </p:cNvPicPr>
+          <p:nvPr/>
+        </p:nvPicPr>
+        <p:blipFill>
+          <a:blip r:embed="rId5">
+            <a:extLst>
+              <a:ext uri="{96DAC541-7B7A-43D3-8B79-37D633B846F1}">
+                <asvg:svgBlip xmlns:asvg="http://schemas.microsoft.com/office/drawing/2016/SVG/main" r:embed="rId6"/>
+              </a:ext>
+            </a:extLst>
+          </a:blip>
+          <a:stretch>
+            <a:fillRect/>
+          </a:stretch>
+        </p:blipFill>
+        <p:spPr>
+          <a:xfrm rot="5400000">
+            <a:off x="3623826" y="5572372"/>
+            <a:ext cx="660753" cy="461661"/>
+          </a:xfrm>
+          <a:prstGeom prst="rect">
+            <a:avLst/>
+          </a:prstGeom>
+        </p:spPr>
+      </p:pic>
+      <p:pic>
+        <p:nvPicPr>
+          <p:cNvPr id="33" name="Graphic 32">
+            <a:extLst>
+              <a:ext uri="{FF2B5EF4-FFF2-40B4-BE49-F238E27FC236}">
+                <a16:creationId xmlns:a16="http://schemas.microsoft.com/office/drawing/2014/main" id="{0293F3D5-2B9D-7DE4-44B2-F0BB3386687E}"/>
+              </a:ext>
+            </a:extLst>
+          </p:cNvPr>
+          <p:cNvPicPr>
+            <a:picLocks noChangeAspect="1"/>
+          </p:cNvPicPr>
+          <p:nvPr/>
+        </p:nvPicPr>
+        <p:blipFill>
+          <a:blip r:embed="rId5">
+            <a:extLst>
+              <a:ext uri="{96DAC541-7B7A-43D3-8B79-37D633B846F1}">
+                <asvg:svgBlip xmlns:asvg="http://schemas.microsoft.com/office/drawing/2016/SVG/main" r:embed="rId6"/>
+              </a:ext>
+            </a:extLst>
+          </a:blip>
+          <a:stretch>
+            <a:fillRect/>
+          </a:stretch>
+        </p:blipFill>
+        <p:spPr>
+          <a:xfrm>
+            <a:off x="5327280" y="5572371"/>
+            <a:ext cx="660758" cy="461665"/>
+          </a:xfrm>
+          <a:prstGeom prst="rect">
+            <a:avLst/>
+          </a:prstGeom>
+        </p:spPr>
+      </p:pic>
+      <p:pic>
+        <p:nvPicPr>
+          <p:cNvPr id="34" name="Graphic 33">
+            <a:extLst>
+              <a:ext uri="{FF2B5EF4-FFF2-40B4-BE49-F238E27FC236}">
+                <a16:creationId xmlns:a16="http://schemas.microsoft.com/office/drawing/2014/main" id="{E7509F23-42E0-0903-7EDC-EDA08AE6ED7C}"/>
+              </a:ext>
+            </a:extLst>
+          </p:cNvPr>
+          <p:cNvPicPr>
+            <a:picLocks noChangeAspect="1"/>
+          </p:cNvPicPr>
+          <p:nvPr/>
+        </p:nvPicPr>
+        <p:blipFill>
+          <a:blip r:embed="rId5">
+            <a:extLst>
+              <a:ext uri="{96DAC541-7B7A-43D3-8B79-37D633B846F1}">
+                <asvg:svgBlip xmlns:asvg="http://schemas.microsoft.com/office/drawing/2016/SVG/main" r:embed="rId6"/>
+              </a:ext>
+            </a:extLst>
+          </a:blip>
+          <a:stretch>
+            <a:fillRect/>
+          </a:stretch>
+        </p:blipFill>
+        <p:spPr>
+          <a:xfrm flipH="1">
+            <a:off x="6418700" y="5562123"/>
+            <a:ext cx="645165" cy="461665"/>
+          </a:xfrm>
+          <a:prstGeom prst="rect">
+            <a:avLst/>
+          </a:prstGeom>
+        </p:spPr>
+      </p:pic>
+      <p:pic>
+        <p:nvPicPr>
+          <p:cNvPr id="35" name="Graphic 34">
+            <a:extLst>
+              <a:ext uri="{FF2B5EF4-FFF2-40B4-BE49-F238E27FC236}">
+                <a16:creationId xmlns:a16="http://schemas.microsoft.com/office/drawing/2014/main" id="{C7F13862-9D8F-FFB9-833C-0C8913050433}"/>
+              </a:ext>
+            </a:extLst>
+          </p:cNvPr>
+          <p:cNvPicPr>
+            <a:picLocks noChangeAspect="1"/>
+          </p:cNvPicPr>
+          <p:nvPr/>
+        </p:nvPicPr>
+        <p:blipFill>
+          <a:blip r:embed="rId5">
+            <a:extLst>
+              <a:ext uri="{96DAC541-7B7A-43D3-8B79-37D633B846F1}">
+                <asvg:svgBlip xmlns:asvg="http://schemas.microsoft.com/office/drawing/2016/SVG/main" r:embed="rId6"/>
+              </a:ext>
+            </a:extLst>
+          </a:blip>
+          <a:stretch>
+            <a:fillRect/>
+          </a:stretch>
+        </p:blipFill>
+        <p:spPr>
+          <a:xfrm>
+            <a:off x="9249506" y="5572371"/>
+            <a:ext cx="660758" cy="461665"/>
+          </a:xfrm>
+          <a:prstGeom prst="rect">
+            <a:avLst/>
+          </a:prstGeom>
+        </p:spPr>
+      </p:pic>
+    </p:spTree>
+    <p:extLst>
+      <p:ext uri="{BB962C8B-B14F-4D97-AF65-F5344CB8AC3E}">
+        <p14:creationId xmlns:p14="http://schemas.microsoft.com/office/powerpoint/2010/main" val="2355209826"/>
+      </p:ext>
+    </p:extLst>
+  </p:cSld>
+  <p:clrMapOvr>
+    <a:masterClrMapping/>
+  </p:clrMapOvr>
+</p:sld>
+</file>
+
+<file path=ppt/slides/slide13.xml><?xml version="1.0" encoding="utf-8"?>
+<p:sld xmlns:a="http://schemas.openxmlformats.org/drawingml/2006/main" xmlns:r="http://schemas.openxmlformats.org/officeDocument/2006/relationships" xmlns:p="http://schemas.openxmlformats.org/presentationml/2006/main">
+  <p:cSld>
+    <p:spTree>
+      <p:nvGrpSpPr>
+        <p:cNvPr id="1" name="">
+          <a:extLst>
+            <a:ext uri="{FF2B5EF4-FFF2-40B4-BE49-F238E27FC236}">
+              <a16:creationId xmlns:a16="http://schemas.microsoft.com/office/drawing/2014/main" id="{4B001175-A09B-7787-085B-AABE8EE3029F}"/>
+            </a:ext>
+          </a:extLst>
+        </p:cNvPr>
+        <p:cNvGrpSpPr/>
+        <p:nvPr/>
+      </p:nvGrpSpPr>
+      <p:grpSpPr>
+        <a:xfrm>
+          <a:off x="0" y="0"/>
+          <a:ext cx="0" cy="0"/>
+          <a:chOff x="0" y="0"/>
+          <a:chExt cx="0" cy="0"/>
+        </a:xfrm>
+      </p:grpSpPr>
+      <p:sp>
+        <p:nvSpPr>
+          <p:cNvPr id="6" name="Rectangle 5">
+            <a:extLst>
+              <a:ext uri="{FF2B5EF4-FFF2-40B4-BE49-F238E27FC236}">
+                <a16:creationId xmlns:a16="http://schemas.microsoft.com/office/drawing/2014/main" id="{0E454397-88AB-57D5-E96D-119D3EE1376B}"/>
+              </a:ext>
+            </a:extLst>
+          </p:cNvPr>
+          <p:cNvSpPr/>
+          <p:nvPr/>
+        </p:nvSpPr>
+        <p:spPr>
+          <a:xfrm>
+            <a:off x="0" y="0"/>
+            <a:ext cx="12192000" cy="6858000"/>
+          </a:xfrm>
+          <a:prstGeom prst="rect">
+            <a:avLst/>
+          </a:prstGeom>
+          <a:solidFill>
+            <a:srgbClr val="23242A"/>
+          </a:solidFill>
+          <a:ln>
+            <a:noFill/>
+          </a:ln>
+        </p:spPr>
+        <p:style>
+          <a:lnRef idx="2">
+            <a:schemeClr val="accent1">
+              <a:shade val="15000"/>
+            </a:schemeClr>
+          </a:lnRef>
+          <a:fillRef idx="1">
+            <a:schemeClr val="accent1"/>
+          </a:fillRef>
+          <a:effectRef idx="0">
+            <a:schemeClr val="accent1"/>
+          </a:effectRef>
+          <a:fontRef idx="minor">
+            <a:schemeClr val="lt1"/>
+          </a:fontRef>
+        </p:style>
+        <p:txBody>
+          <a:bodyPr rtlCol="0" anchor="ctr"/>
+          <a:lstStyle/>
+          <a:p>
+            <a:pPr algn="ctr"/>
+            <a:endParaRPr lang="zh-CN" altLang="en-US" dirty="0"/>
+          </a:p>
+        </p:txBody>
+      </p:sp>
+      <p:sp>
+        <p:nvSpPr>
+          <p:cNvPr id="2" name="Slide Number Placeholder 1">
+            <a:extLst>
+              <a:ext uri="{FF2B5EF4-FFF2-40B4-BE49-F238E27FC236}">
+                <a16:creationId xmlns:a16="http://schemas.microsoft.com/office/drawing/2014/main" id="{0D84F017-87BB-66DD-8CB0-F779B7BE3A29}"/>
+              </a:ext>
+            </a:extLst>
+          </p:cNvPr>
+          <p:cNvSpPr>
+            <a:spLocks noGrp="1"/>
+          </p:cNvSpPr>
+          <p:nvPr>
+            <p:ph type="sldNum" sz="quarter" idx="12"/>
+          </p:nvPr>
+        </p:nvSpPr>
+        <p:spPr>
+          <a:xfrm>
+            <a:off x="9057739" y="6259509"/>
+            <a:ext cx="2743200" cy="365125"/>
+          </a:xfrm>
+        </p:spPr>
+        <p:txBody>
+          <a:bodyPr/>
+          <a:lstStyle/>
+          <a:p>
+            <a:fld id="{9B1EC109-1E15-4BCA-93B5-56442BB3443E}" type="slidenum">
+              <a:rPr lang="zh-CN" altLang="en-US" sz="2400" b="1" smtClean="0">
+                <a:solidFill>
+                  <a:schemeClr val="bg1">
+                    <a:lumMod val="65000"/>
+                  </a:schemeClr>
+                </a:solidFill>
+                <a:latin typeface="Bradley Hand ITC" panose="03070402050302030203" pitchFamily="66" charset="0"/>
+              </a:rPr>
+              <a:t>13</a:t>
+            </a:fld>
+            <a:endParaRPr lang="zh-CN" altLang="en-US" sz="2400" b="1" dirty="0">
+              <a:solidFill>
+                <a:schemeClr val="bg1">
+                  <a:lumMod val="65000"/>
+                </a:schemeClr>
+              </a:solidFill>
+              <a:latin typeface="Bradley Hand ITC" panose="03070402050302030203" pitchFamily="66" charset="0"/>
+            </a:endParaRPr>
+          </a:p>
+        </p:txBody>
+      </p:sp>
+      <p:sp>
+        <p:nvSpPr>
+          <p:cNvPr id="4" name="Google Shape;867;p33">
+            <a:extLst>
+              <a:ext uri="{FF2B5EF4-FFF2-40B4-BE49-F238E27FC236}">
+                <a16:creationId xmlns:a16="http://schemas.microsoft.com/office/drawing/2014/main" id="{AED7E6DA-B14B-FD1A-6866-2B89CFFD6C7C}"/>
+              </a:ext>
+            </a:extLst>
+          </p:cNvPr>
+          <p:cNvSpPr txBox="1">
+            <a:spLocks/>
+          </p:cNvSpPr>
+          <p:nvPr/>
+        </p:nvSpPr>
+        <p:spPr>
+          <a:xfrm>
+            <a:off x="2222600" y="143850"/>
+            <a:ext cx="7746800" cy="1602400"/>
+          </a:xfrm>
+          <a:prstGeom prst="rect">
+            <a:avLst/>
+          </a:prstGeom>
+          <a:noFill/>
+          <a:ln>
+            <a:noFill/>
+          </a:ln>
+        </p:spPr>
+        <p:txBody>
+          <a:bodyPr spcFirstLastPara="1" wrap="square" lIns="91425" tIns="91425" rIns="91425" bIns="91425" anchor="b" anchorCtr="0">
+            <a:noAutofit/>
+          </a:bodyPr>
+          <a:lstStyle>
+            <a:defPPr marR="0" lvl="0" algn="l" rtl="0">
+              <a:lnSpc>
+                <a:spcPct val="100000"/>
+              </a:lnSpc>
+              <a:spcBef>
+                <a:spcPts val="0"/>
+              </a:spcBef>
+              <a:spcAft>
+                <a:spcPts val="0"/>
+              </a:spcAft>
+            </a:defPPr>
+            <a:lvl1pPr marR="0" lvl="0" algn="l" rtl="0">
+              <a:lnSpc>
+                <a:spcPct val="100000"/>
+              </a:lnSpc>
+              <a:spcBef>
+                <a:spcPts val="0"/>
+              </a:spcBef>
+              <a:spcAft>
+                <a:spcPts val="0"/>
+              </a:spcAft>
+              <a:buClr>
+                <a:schemeClr val="dk1"/>
+              </a:buClr>
+              <a:buSzPts val="3600"/>
+              <a:buFont typeface="Barlow"/>
+              <a:buNone/>
+              <a:defRPr sz="7200" b="1" i="0" u="none" strike="noStrike" cap="none">
+                <a:solidFill>
+                  <a:schemeClr val="dk1"/>
+                </a:solidFill>
+                <a:latin typeface="Barlow"/>
+                <a:ea typeface="Barlow"/>
+                <a:cs typeface="Barlow"/>
+                <a:sym typeface="Barlow"/>
+              </a:defRPr>
+            </a:lvl1pPr>
+            <a:lvl2pPr marR="0" lvl="1" algn="ctr" rtl="0">
+              <a:lnSpc>
+                <a:spcPct val="100000"/>
+              </a:lnSpc>
+              <a:spcBef>
+                <a:spcPts val="0"/>
+              </a:spcBef>
+              <a:spcAft>
+                <a:spcPts val="0"/>
+              </a:spcAft>
+              <a:buClr>
+                <a:schemeClr val="dk1"/>
+              </a:buClr>
+              <a:buSzPts val="3600"/>
+              <a:buFont typeface="Barlow"/>
+              <a:buNone/>
+              <a:defRPr sz="3600" b="1" i="0" u="none" strike="noStrike" cap="none">
+                <a:solidFill>
+                  <a:schemeClr val="dk1"/>
+                </a:solidFill>
+                <a:latin typeface="Barlow"/>
+                <a:ea typeface="Barlow"/>
+                <a:cs typeface="Barlow"/>
+                <a:sym typeface="Barlow"/>
+              </a:defRPr>
+            </a:lvl2pPr>
+            <a:lvl3pPr marR="0" lvl="2" algn="ctr" rtl="0">
+              <a:lnSpc>
+                <a:spcPct val="100000"/>
+              </a:lnSpc>
+              <a:spcBef>
+                <a:spcPts val="0"/>
+              </a:spcBef>
+              <a:spcAft>
+                <a:spcPts val="0"/>
+              </a:spcAft>
+              <a:buClr>
+                <a:schemeClr val="dk1"/>
+              </a:buClr>
+              <a:buSzPts val="3600"/>
+              <a:buFont typeface="Barlow"/>
+              <a:buNone/>
+              <a:defRPr sz="3600" b="1" i="0" u="none" strike="noStrike" cap="none">
+                <a:solidFill>
+                  <a:schemeClr val="dk1"/>
+                </a:solidFill>
+                <a:latin typeface="Barlow"/>
+                <a:ea typeface="Barlow"/>
+                <a:cs typeface="Barlow"/>
+                <a:sym typeface="Barlow"/>
+              </a:defRPr>
+            </a:lvl3pPr>
+            <a:lvl4pPr marR="0" lvl="3" algn="ctr" rtl="0">
+              <a:lnSpc>
+                <a:spcPct val="100000"/>
+              </a:lnSpc>
+              <a:spcBef>
+                <a:spcPts val="0"/>
+              </a:spcBef>
+              <a:spcAft>
+                <a:spcPts val="0"/>
+              </a:spcAft>
+              <a:buClr>
+                <a:schemeClr val="dk1"/>
+              </a:buClr>
+              <a:buSzPts val="3600"/>
+              <a:buFont typeface="Barlow"/>
+              <a:buNone/>
+              <a:defRPr sz="3600" b="1" i="0" u="none" strike="noStrike" cap="none">
+                <a:solidFill>
+                  <a:schemeClr val="dk1"/>
+                </a:solidFill>
+                <a:latin typeface="Barlow"/>
+                <a:ea typeface="Barlow"/>
+                <a:cs typeface="Barlow"/>
+                <a:sym typeface="Barlow"/>
+              </a:defRPr>
+            </a:lvl4pPr>
+            <a:lvl5pPr marR="0" lvl="4" algn="ctr" rtl="0">
+              <a:lnSpc>
+                <a:spcPct val="100000"/>
+              </a:lnSpc>
+              <a:spcBef>
+                <a:spcPts val="0"/>
+              </a:spcBef>
+              <a:spcAft>
+                <a:spcPts val="0"/>
+              </a:spcAft>
+              <a:buClr>
+                <a:schemeClr val="dk1"/>
+              </a:buClr>
+              <a:buSzPts val="3600"/>
+              <a:buFont typeface="Barlow"/>
+              <a:buNone/>
+              <a:defRPr sz="3600" b="1" i="0" u="none" strike="noStrike" cap="none">
+                <a:solidFill>
+                  <a:schemeClr val="dk1"/>
+                </a:solidFill>
+                <a:latin typeface="Barlow"/>
+                <a:ea typeface="Barlow"/>
+                <a:cs typeface="Barlow"/>
+                <a:sym typeface="Barlow"/>
+              </a:defRPr>
+            </a:lvl5pPr>
+            <a:lvl6pPr marR="0" lvl="5" algn="ctr" rtl="0">
+              <a:lnSpc>
+                <a:spcPct val="100000"/>
+              </a:lnSpc>
+              <a:spcBef>
+                <a:spcPts val="0"/>
+              </a:spcBef>
+              <a:spcAft>
+                <a:spcPts val="0"/>
+              </a:spcAft>
+              <a:buClr>
+                <a:schemeClr val="dk1"/>
+              </a:buClr>
+              <a:buSzPts val="3600"/>
+              <a:buFont typeface="Barlow"/>
+              <a:buNone/>
+              <a:defRPr sz="3600" b="1" i="0" u="none" strike="noStrike" cap="none">
+                <a:solidFill>
+                  <a:schemeClr val="dk1"/>
+                </a:solidFill>
+                <a:latin typeface="Barlow"/>
+                <a:ea typeface="Barlow"/>
+                <a:cs typeface="Barlow"/>
+                <a:sym typeface="Barlow"/>
+              </a:defRPr>
+            </a:lvl6pPr>
+            <a:lvl7pPr marR="0" lvl="6" algn="ctr" rtl="0">
+              <a:lnSpc>
+                <a:spcPct val="100000"/>
+              </a:lnSpc>
+              <a:spcBef>
+                <a:spcPts val="0"/>
+              </a:spcBef>
+              <a:spcAft>
+                <a:spcPts val="0"/>
+              </a:spcAft>
+              <a:buClr>
+                <a:schemeClr val="dk1"/>
+              </a:buClr>
+              <a:buSzPts val="3600"/>
+              <a:buFont typeface="Barlow"/>
+              <a:buNone/>
+              <a:defRPr sz="3600" b="1" i="0" u="none" strike="noStrike" cap="none">
+                <a:solidFill>
+                  <a:schemeClr val="dk1"/>
+                </a:solidFill>
+                <a:latin typeface="Barlow"/>
+                <a:ea typeface="Barlow"/>
+                <a:cs typeface="Barlow"/>
+                <a:sym typeface="Barlow"/>
+              </a:defRPr>
+            </a:lvl7pPr>
+            <a:lvl8pPr marR="0" lvl="7" algn="ctr" rtl="0">
+              <a:lnSpc>
+                <a:spcPct val="100000"/>
+              </a:lnSpc>
+              <a:spcBef>
+                <a:spcPts val="0"/>
+              </a:spcBef>
+              <a:spcAft>
+                <a:spcPts val="0"/>
+              </a:spcAft>
+              <a:buClr>
+                <a:schemeClr val="dk1"/>
+              </a:buClr>
+              <a:buSzPts val="3600"/>
+              <a:buFont typeface="Barlow"/>
+              <a:buNone/>
+              <a:defRPr sz="3600" b="1" i="0" u="none" strike="noStrike" cap="none">
+                <a:solidFill>
+                  <a:schemeClr val="dk1"/>
+                </a:solidFill>
+                <a:latin typeface="Barlow"/>
+                <a:ea typeface="Barlow"/>
+                <a:cs typeface="Barlow"/>
+                <a:sym typeface="Barlow"/>
+              </a:defRPr>
+            </a:lvl8pPr>
+            <a:lvl9pPr marR="0" lvl="8" algn="ctr" rtl="0">
+              <a:lnSpc>
+                <a:spcPct val="100000"/>
+              </a:lnSpc>
+              <a:spcBef>
+                <a:spcPts val="0"/>
+              </a:spcBef>
+              <a:spcAft>
+                <a:spcPts val="0"/>
+              </a:spcAft>
+              <a:buClr>
+                <a:schemeClr val="dk1"/>
+              </a:buClr>
+              <a:buSzPts val="3600"/>
+              <a:buFont typeface="Barlow"/>
+              <a:buNone/>
+              <a:defRPr sz="3600" b="1" i="0" u="none" strike="noStrike" cap="none">
+                <a:solidFill>
+                  <a:schemeClr val="dk1"/>
+                </a:solidFill>
+                <a:latin typeface="Barlow"/>
+                <a:ea typeface="Barlow"/>
+                <a:cs typeface="Barlow"/>
+                <a:sym typeface="Barlow"/>
+              </a:defRPr>
+            </a:lvl9pPr>
+          </a:lstStyle>
+          <a:p>
+            <a:pPr algn="ctr"/>
+            <a:r>
+              <a:rPr lang="en-US" altLang="zh-CN" sz="8000" spc="300" dirty="0">
+                <a:solidFill>
+                  <a:schemeClr val="accent4">
+                    <a:lumMod val="60000"/>
+                    <a:lumOff val="40000"/>
+                    <a:alpha val="60000"/>
+                  </a:schemeClr>
+                </a:solidFill>
+                <a:latin typeface="Amatic SC" panose="020F0502020204030204" pitchFamily="2" charset="-79"/>
+                <a:cs typeface="Amatic SC" panose="020F0502020204030204" pitchFamily="2" charset="-79"/>
+              </a:rPr>
+              <a:t>Set Rotation Style</a:t>
+            </a:r>
+          </a:p>
+        </p:txBody>
+      </p:sp>
+      <p:pic>
+        <p:nvPicPr>
+          <p:cNvPr id="8" name="Picture 7">
+            <a:extLst>
+              <a:ext uri="{FF2B5EF4-FFF2-40B4-BE49-F238E27FC236}">
+                <a16:creationId xmlns:a16="http://schemas.microsoft.com/office/drawing/2014/main" id="{5B05F3D2-39B5-56D4-0DA0-55363E9AA73B}"/>
+              </a:ext>
+            </a:extLst>
+          </p:cNvPr>
+          <p:cNvPicPr>
+            <a:picLocks noChangeAspect="1"/>
+          </p:cNvPicPr>
+          <p:nvPr/>
+        </p:nvPicPr>
+        <p:blipFill>
+          <a:blip r:embed="rId2">
+            <a:extLst>
+              <a:ext uri="{28A0092B-C50C-407E-A947-70E740481C1C}">
+                <a14:useLocalDpi xmlns:a14="http://schemas.microsoft.com/office/drawing/2010/main" val="0"/>
+              </a:ext>
+            </a:extLst>
+          </a:blip>
+          <a:stretch>
+            <a:fillRect/>
+          </a:stretch>
+        </p:blipFill>
+        <p:spPr>
+          <a:xfrm>
+            <a:off x="3262212" y="2281080"/>
+            <a:ext cx="5890886" cy="4042089"/>
+          </a:xfrm>
+          <a:prstGeom prst="rect">
+            <a:avLst/>
+          </a:prstGeom>
+        </p:spPr>
+      </p:pic>
+    </p:spTree>
+    <p:extLst>
+      <p:ext uri="{BB962C8B-B14F-4D97-AF65-F5344CB8AC3E}">
+        <p14:creationId xmlns:p14="http://schemas.microsoft.com/office/powerpoint/2010/main" val="377803286"/>
+      </p:ext>
+    </p:extLst>
+  </p:cSld>
+  <p:clrMapOvr>
+    <a:masterClrMapping/>
+  </p:clrMapOvr>
+</p:sld>
+</file>
+
+<file path=ppt/slides/slide14.xml><?xml version="1.0" encoding="utf-8"?>
+<p:sld xmlns:a="http://schemas.openxmlformats.org/drawingml/2006/main" xmlns:r="http://schemas.openxmlformats.org/officeDocument/2006/relationships" xmlns:p="http://schemas.openxmlformats.org/presentationml/2006/main">
+  <p:cSld>
+    <p:spTree>
+      <p:nvGrpSpPr>
+        <p:cNvPr id="1" name="">
+          <a:extLst>
+            <a:ext uri="{FF2B5EF4-FFF2-40B4-BE49-F238E27FC236}">
+              <a16:creationId xmlns:a16="http://schemas.microsoft.com/office/drawing/2014/main" id="{DE5630DA-F9FB-0A61-F503-29BAE87ACFB2}"/>
+            </a:ext>
+          </a:extLst>
+        </p:cNvPr>
+        <p:cNvGrpSpPr/>
+        <p:nvPr/>
+      </p:nvGrpSpPr>
+      <p:grpSpPr>
+        <a:xfrm>
+          <a:off x="0" y="0"/>
+          <a:ext cx="0" cy="0"/>
+          <a:chOff x="0" y="0"/>
+          <a:chExt cx="0" cy="0"/>
+        </a:xfrm>
+      </p:grpSpPr>
+      <p:sp>
+        <p:nvSpPr>
+          <p:cNvPr id="6" name="Rectangle 5">
+            <a:extLst>
+              <a:ext uri="{FF2B5EF4-FFF2-40B4-BE49-F238E27FC236}">
+                <a16:creationId xmlns:a16="http://schemas.microsoft.com/office/drawing/2014/main" id="{628DD930-8556-DC6C-44E0-50C9A97D1A64}"/>
+              </a:ext>
+            </a:extLst>
+          </p:cNvPr>
+          <p:cNvSpPr/>
+          <p:nvPr/>
+        </p:nvSpPr>
+        <p:spPr>
+          <a:xfrm>
+            <a:off x="0" y="0"/>
+            <a:ext cx="12192000" cy="6858000"/>
+          </a:xfrm>
+          <a:prstGeom prst="rect">
+            <a:avLst/>
+          </a:prstGeom>
+          <a:solidFill>
+            <a:srgbClr val="23242A"/>
+          </a:solidFill>
+          <a:ln>
+            <a:noFill/>
+          </a:ln>
+        </p:spPr>
+        <p:style>
+          <a:lnRef idx="2">
+            <a:schemeClr val="accent1">
+              <a:shade val="15000"/>
+            </a:schemeClr>
+          </a:lnRef>
+          <a:fillRef idx="1">
+            <a:schemeClr val="accent1"/>
+          </a:fillRef>
+          <a:effectRef idx="0">
+            <a:schemeClr val="accent1"/>
+          </a:effectRef>
+          <a:fontRef idx="minor">
+            <a:schemeClr val="lt1"/>
+          </a:fontRef>
+        </p:style>
+        <p:txBody>
+          <a:bodyPr rtlCol="0" anchor="ctr"/>
+          <a:lstStyle/>
+          <a:p>
+            <a:pPr algn="ctr"/>
+            <a:endParaRPr lang="zh-CN" altLang="en-US" dirty="0"/>
+          </a:p>
+        </p:txBody>
+      </p:sp>
+      <p:sp>
+        <p:nvSpPr>
+          <p:cNvPr id="2" name="Slide Number Placeholder 1">
+            <a:extLst>
+              <a:ext uri="{FF2B5EF4-FFF2-40B4-BE49-F238E27FC236}">
+                <a16:creationId xmlns:a16="http://schemas.microsoft.com/office/drawing/2014/main" id="{D68AE98E-D42D-EBE1-E10F-76B02F8D52DD}"/>
+              </a:ext>
+            </a:extLst>
+          </p:cNvPr>
+          <p:cNvSpPr>
+            <a:spLocks noGrp="1"/>
+          </p:cNvSpPr>
+          <p:nvPr>
+            <p:ph type="sldNum" sz="quarter" idx="12"/>
+          </p:nvPr>
+        </p:nvSpPr>
+        <p:spPr>
+          <a:xfrm>
+            <a:off x="9057739" y="6259509"/>
+            <a:ext cx="2743200" cy="365125"/>
+          </a:xfrm>
+        </p:spPr>
+        <p:txBody>
+          <a:bodyPr/>
+          <a:lstStyle/>
+          <a:p>
+            <a:fld id="{9B1EC109-1E15-4BCA-93B5-56442BB3443E}" type="slidenum">
+              <a:rPr lang="zh-CN" altLang="en-US" sz="2400" b="1" smtClean="0">
+                <a:solidFill>
+                  <a:schemeClr val="bg1">
+                    <a:lumMod val="65000"/>
+                  </a:schemeClr>
+                </a:solidFill>
+                <a:latin typeface="Bradley Hand ITC" panose="03070402050302030203" pitchFamily="66" charset="0"/>
+              </a:rPr>
+              <a:t>14</a:t>
+            </a:fld>
+            <a:endParaRPr lang="zh-CN" altLang="en-US" sz="2400" b="1" dirty="0">
+              <a:solidFill>
+                <a:schemeClr val="bg1">
+                  <a:lumMod val="65000"/>
+                </a:schemeClr>
+              </a:solidFill>
+              <a:latin typeface="Bradley Hand ITC" panose="03070402050302030203" pitchFamily="66" charset="0"/>
+            </a:endParaRPr>
+          </a:p>
+        </p:txBody>
+      </p:sp>
+      <p:sp>
+        <p:nvSpPr>
+          <p:cNvPr id="4" name="Google Shape;867;p33">
+            <a:extLst>
+              <a:ext uri="{FF2B5EF4-FFF2-40B4-BE49-F238E27FC236}">
+                <a16:creationId xmlns:a16="http://schemas.microsoft.com/office/drawing/2014/main" id="{145DCB07-8623-58CB-CBA8-EB9B3617797E}"/>
+              </a:ext>
+            </a:extLst>
+          </p:cNvPr>
+          <p:cNvSpPr txBox="1">
+            <a:spLocks/>
+          </p:cNvSpPr>
+          <p:nvPr/>
+        </p:nvSpPr>
+        <p:spPr>
+          <a:xfrm>
+            <a:off x="2222600" y="143850"/>
+            <a:ext cx="7746800" cy="1602400"/>
+          </a:xfrm>
+          <a:prstGeom prst="rect">
+            <a:avLst/>
+          </a:prstGeom>
+          <a:noFill/>
+          <a:ln>
+            <a:noFill/>
+          </a:ln>
+        </p:spPr>
+        <p:txBody>
+          <a:bodyPr spcFirstLastPara="1" wrap="square" lIns="91425" tIns="91425" rIns="91425" bIns="91425" anchor="b" anchorCtr="0">
+            <a:noAutofit/>
+          </a:bodyPr>
+          <a:lstStyle>
+            <a:defPPr marR="0" lvl="0" algn="l" rtl="0">
+              <a:lnSpc>
+                <a:spcPct val="100000"/>
+              </a:lnSpc>
+              <a:spcBef>
+                <a:spcPts val="0"/>
+              </a:spcBef>
+              <a:spcAft>
+                <a:spcPts val="0"/>
+              </a:spcAft>
+            </a:defPPr>
+            <a:lvl1pPr marR="0" lvl="0" algn="l" rtl="0">
+              <a:lnSpc>
+                <a:spcPct val="100000"/>
+              </a:lnSpc>
+              <a:spcBef>
+                <a:spcPts val="0"/>
+              </a:spcBef>
+              <a:spcAft>
+                <a:spcPts val="0"/>
+              </a:spcAft>
+              <a:buClr>
+                <a:schemeClr val="dk1"/>
+              </a:buClr>
+              <a:buSzPts val="3600"/>
+              <a:buFont typeface="Barlow"/>
+              <a:buNone/>
+              <a:defRPr sz="7200" b="1" i="0" u="none" strike="noStrike" cap="none">
+                <a:solidFill>
+                  <a:schemeClr val="dk1"/>
+                </a:solidFill>
+                <a:latin typeface="Barlow"/>
+                <a:ea typeface="Barlow"/>
+                <a:cs typeface="Barlow"/>
+                <a:sym typeface="Barlow"/>
+              </a:defRPr>
+            </a:lvl1pPr>
+            <a:lvl2pPr marR="0" lvl="1" algn="ctr" rtl="0">
+              <a:lnSpc>
+                <a:spcPct val="100000"/>
+              </a:lnSpc>
+              <a:spcBef>
+                <a:spcPts val="0"/>
+              </a:spcBef>
+              <a:spcAft>
+                <a:spcPts val="0"/>
+              </a:spcAft>
+              <a:buClr>
+                <a:schemeClr val="dk1"/>
+              </a:buClr>
+              <a:buSzPts val="3600"/>
+              <a:buFont typeface="Barlow"/>
+              <a:buNone/>
+              <a:defRPr sz="3600" b="1" i="0" u="none" strike="noStrike" cap="none">
+                <a:solidFill>
+                  <a:schemeClr val="dk1"/>
+                </a:solidFill>
+                <a:latin typeface="Barlow"/>
+                <a:ea typeface="Barlow"/>
+                <a:cs typeface="Barlow"/>
+                <a:sym typeface="Barlow"/>
+              </a:defRPr>
+            </a:lvl2pPr>
+            <a:lvl3pPr marR="0" lvl="2" algn="ctr" rtl="0">
+              <a:lnSpc>
+                <a:spcPct val="100000"/>
+              </a:lnSpc>
+              <a:spcBef>
+                <a:spcPts val="0"/>
+              </a:spcBef>
+              <a:spcAft>
+                <a:spcPts val="0"/>
+              </a:spcAft>
+              <a:buClr>
+                <a:schemeClr val="dk1"/>
+              </a:buClr>
+              <a:buSzPts val="3600"/>
+              <a:buFont typeface="Barlow"/>
+              <a:buNone/>
+              <a:defRPr sz="3600" b="1" i="0" u="none" strike="noStrike" cap="none">
+                <a:solidFill>
+                  <a:schemeClr val="dk1"/>
+                </a:solidFill>
+                <a:latin typeface="Barlow"/>
+                <a:ea typeface="Barlow"/>
+                <a:cs typeface="Barlow"/>
+                <a:sym typeface="Barlow"/>
+              </a:defRPr>
+            </a:lvl3pPr>
+            <a:lvl4pPr marR="0" lvl="3" algn="ctr" rtl="0">
+              <a:lnSpc>
+                <a:spcPct val="100000"/>
+              </a:lnSpc>
+              <a:spcBef>
+                <a:spcPts val="0"/>
+              </a:spcBef>
+              <a:spcAft>
+                <a:spcPts val="0"/>
+              </a:spcAft>
+              <a:buClr>
+                <a:schemeClr val="dk1"/>
+              </a:buClr>
+              <a:buSzPts val="3600"/>
+              <a:buFont typeface="Barlow"/>
+              <a:buNone/>
+              <a:defRPr sz="3600" b="1" i="0" u="none" strike="noStrike" cap="none">
+                <a:solidFill>
+                  <a:schemeClr val="dk1"/>
+                </a:solidFill>
+                <a:latin typeface="Barlow"/>
+                <a:ea typeface="Barlow"/>
+                <a:cs typeface="Barlow"/>
+                <a:sym typeface="Barlow"/>
+              </a:defRPr>
+            </a:lvl4pPr>
+            <a:lvl5pPr marR="0" lvl="4" algn="ctr" rtl="0">
+              <a:lnSpc>
+                <a:spcPct val="100000"/>
+              </a:lnSpc>
+              <a:spcBef>
+                <a:spcPts val="0"/>
+              </a:spcBef>
+              <a:spcAft>
+                <a:spcPts val="0"/>
+              </a:spcAft>
+              <a:buClr>
+                <a:schemeClr val="dk1"/>
+              </a:buClr>
+              <a:buSzPts val="3600"/>
+              <a:buFont typeface="Barlow"/>
+              <a:buNone/>
+              <a:defRPr sz="3600" b="1" i="0" u="none" strike="noStrike" cap="none">
+                <a:solidFill>
+                  <a:schemeClr val="dk1"/>
+                </a:solidFill>
+                <a:latin typeface="Barlow"/>
+                <a:ea typeface="Barlow"/>
+                <a:cs typeface="Barlow"/>
+                <a:sym typeface="Barlow"/>
+              </a:defRPr>
+            </a:lvl5pPr>
+            <a:lvl6pPr marR="0" lvl="5" algn="ctr" rtl="0">
+              <a:lnSpc>
+                <a:spcPct val="100000"/>
+              </a:lnSpc>
+              <a:spcBef>
+                <a:spcPts val="0"/>
+              </a:spcBef>
+              <a:spcAft>
+                <a:spcPts val="0"/>
+              </a:spcAft>
+              <a:buClr>
+                <a:schemeClr val="dk1"/>
+              </a:buClr>
+              <a:buSzPts val="3600"/>
+              <a:buFont typeface="Barlow"/>
+              <a:buNone/>
+              <a:defRPr sz="3600" b="1" i="0" u="none" strike="noStrike" cap="none">
+                <a:solidFill>
+                  <a:schemeClr val="dk1"/>
+                </a:solidFill>
+                <a:latin typeface="Barlow"/>
+                <a:ea typeface="Barlow"/>
+                <a:cs typeface="Barlow"/>
+                <a:sym typeface="Barlow"/>
+              </a:defRPr>
+            </a:lvl6pPr>
+            <a:lvl7pPr marR="0" lvl="6" algn="ctr" rtl="0">
+              <a:lnSpc>
+                <a:spcPct val="100000"/>
+              </a:lnSpc>
+              <a:spcBef>
+                <a:spcPts val="0"/>
+              </a:spcBef>
+              <a:spcAft>
+                <a:spcPts val="0"/>
+              </a:spcAft>
+              <a:buClr>
+                <a:schemeClr val="dk1"/>
+              </a:buClr>
+              <a:buSzPts val="3600"/>
+              <a:buFont typeface="Barlow"/>
+              <a:buNone/>
+              <a:defRPr sz="3600" b="1" i="0" u="none" strike="noStrike" cap="none">
+                <a:solidFill>
+                  <a:schemeClr val="dk1"/>
+                </a:solidFill>
+                <a:latin typeface="Barlow"/>
+                <a:ea typeface="Barlow"/>
+                <a:cs typeface="Barlow"/>
+                <a:sym typeface="Barlow"/>
+              </a:defRPr>
+            </a:lvl7pPr>
+            <a:lvl8pPr marR="0" lvl="7" algn="ctr" rtl="0">
+              <a:lnSpc>
+                <a:spcPct val="100000"/>
+              </a:lnSpc>
+              <a:spcBef>
+                <a:spcPts val="0"/>
+              </a:spcBef>
+              <a:spcAft>
+                <a:spcPts val="0"/>
+              </a:spcAft>
+              <a:buClr>
+                <a:schemeClr val="dk1"/>
+              </a:buClr>
+              <a:buSzPts val="3600"/>
+              <a:buFont typeface="Barlow"/>
+              <a:buNone/>
+              <a:defRPr sz="3600" b="1" i="0" u="none" strike="noStrike" cap="none">
+                <a:solidFill>
+                  <a:schemeClr val="dk1"/>
+                </a:solidFill>
+                <a:latin typeface="Barlow"/>
+                <a:ea typeface="Barlow"/>
+                <a:cs typeface="Barlow"/>
+                <a:sym typeface="Barlow"/>
+              </a:defRPr>
+            </a:lvl8pPr>
+            <a:lvl9pPr marR="0" lvl="8" algn="ctr" rtl="0">
+              <a:lnSpc>
+                <a:spcPct val="100000"/>
+              </a:lnSpc>
+              <a:spcBef>
+                <a:spcPts val="0"/>
+              </a:spcBef>
+              <a:spcAft>
+                <a:spcPts val="0"/>
+              </a:spcAft>
+              <a:buClr>
+                <a:schemeClr val="dk1"/>
+              </a:buClr>
+              <a:buSzPts val="3600"/>
+              <a:buFont typeface="Barlow"/>
+              <a:buNone/>
+              <a:defRPr sz="3600" b="1" i="0" u="none" strike="noStrike" cap="none">
+                <a:solidFill>
+                  <a:schemeClr val="dk1"/>
+                </a:solidFill>
+                <a:latin typeface="Barlow"/>
+                <a:ea typeface="Barlow"/>
+                <a:cs typeface="Barlow"/>
+                <a:sym typeface="Barlow"/>
+              </a:defRPr>
+            </a:lvl9pPr>
+          </a:lstStyle>
+          <a:p>
+            <a:pPr algn="ctr"/>
+            <a:r>
+              <a:rPr lang="en-US" altLang="zh-CN" sz="8000" spc="300" dirty="0">
+                <a:solidFill>
+                  <a:schemeClr val="accent4">
+                    <a:lumMod val="60000"/>
+                    <a:lumOff val="40000"/>
+                    <a:alpha val="60000"/>
+                  </a:schemeClr>
+                </a:solidFill>
+                <a:latin typeface="Amatic SC" panose="020F0502020204030204" pitchFamily="2" charset="-79"/>
+                <a:cs typeface="Amatic SC" panose="020F0502020204030204" pitchFamily="2" charset="-79"/>
+              </a:rPr>
+              <a:t>Set Direction</a:t>
+            </a:r>
+          </a:p>
+        </p:txBody>
+      </p:sp>
+      <p:pic>
+        <p:nvPicPr>
+          <p:cNvPr id="17" name="Picture 16">
+            <a:extLst>
+              <a:ext uri="{FF2B5EF4-FFF2-40B4-BE49-F238E27FC236}">
+                <a16:creationId xmlns:a16="http://schemas.microsoft.com/office/drawing/2014/main" id="{D36A4A94-888F-B56B-29EB-043C755D9ACD}"/>
+              </a:ext>
+            </a:extLst>
+          </p:cNvPr>
+          <p:cNvPicPr>
+            <a:picLocks noChangeAspect="1"/>
+          </p:cNvPicPr>
+          <p:nvPr/>
+        </p:nvPicPr>
+        <p:blipFill>
+          <a:blip r:embed="rId2">
+            <a:extLst>
+              <a:ext uri="{28A0092B-C50C-407E-A947-70E740481C1C}">
+                <a14:useLocalDpi xmlns:a14="http://schemas.microsoft.com/office/drawing/2010/main" val="0"/>
+              </a:ext>
+            </a:extLst>
+          </a:blip>
+          <a:stretch>
+            <a:fillRect/>
+          </a:stretch>
+        </p:blipFill>
+        <p:spPr>
+          <a:xfrm>
+            <a:off x="3689032" y="3256119"/>
+            <a:ext cx="4813935" cy="1493520"/>
+          </a:xfrm>
+          <a:prstGeom prst="rect">
+            <a:avLst/>
+          </a:prstGeom>
+        </p:spPr>
+      </p:pic>
+    </p:spTree>
+    <p:extLst>
+      <p:ext uri="{BB962C8B-B14F-4D97-AF65-F5344CB8AC3E}">
+        <p14:creationId xmlns:p14="http://schemas.microsoft.com/office/powerpoint/2010/main" val="1723356495"/>
+      </p:ext>
+    </p:extLst>
+  </p:cSld>
+  <p:clrMapOvr>
+    <a:masterClrMapping/>
+  </p:clrMapOvr>
+</p:sld>
+</file>
+
+<file path=ppt/slides/slide15.xml><?xml version="1.0" encoding="utf-8"?>
+<p:sld xmlns:a="http://schemas.openxmlformats.org/drawingml/2006/main" xmlns:r="http://schemas.openxmlformats.org/officeDocument/2006/relationships" xmlns:p="http://schemas.openxmlformats.org/presentationml/2006/main">
+  <p:cSld>
+    <p:spTree>
+      <p:nvGrpSpPr>
+        <p:cNvPr id="1" name="">
+          <a:extLst>
+            <a:ext uri="{FF2B5EF4-FFF2-40B4-BE49-F238E27FC236}">
+              <a16:creationId xmlns:a16="http://schemas.microsoft.com/office/drawing/2014/main" id="{FFC79EE2-8D9E-AEFC-5104-563369DA05B4}"/>
+            </a:ext>
+          </a:extLst>
+        </p:cNvPr>
+        <p:cNvGrpSpPr/>
+        <p:nvPr/>
+      </p:nvGrpSpPr>
+      <p:grpSpPr>
+        <a:xfrm>
+          <a:off x="0" y="0"/>
+          <a:ext cx="0" cy="0"/>
+          <a:chOff x="0" y="0"/>
+          <a:chExt cx="0" cy="0"/>
+        </a:xfrm>
+      </p:grpSpPr>
+      <p:sp>
+        <p:nvSpPr>
+          <p:cNvPr id="6" name="Rectangle 5">
+            <a:extLst>
+              <a:ext uri="{FF2B5EF4-FFF2-40B4-BE49-F238E27FC236}">
+                <a16:creationId xmlns:a16="http://schemas.microsoft.com/office/drawing/2014/main" id="{0FA1311D-0531-13AA-65B0-34B6E0A484ED}"/>
+              </a:ext>
+            </a:extLst>
+          </p:cNvPr>
+          <p:cNvSpPr/>
+          <p:nvPr/>
+        </p:nvSpPr>
+        <p:spPr>
+          <a:xfrm>
+            <a:off x="0" y="0"/>
+            <a:ext cx="12192000" cy="6858000"/>
+          </a:xfrm>
+          <a:prstGeom prst="rect">
+            <a:avLst/>
+          </a:prstGeom>
+          <a:solidFill>
+            <a:srgbClr val="23242A"/>
+          </a:solidFill>
+          <a:ln>
+            <a:noFill/>
+          </a:ln>
+        </p:spPr>
+        <p:style>
+          <a:lnRef idx="2">
+            <a:schemeClr val="accent1">
+              <a:shade val="15000"/>
+            </a:schemeClr>
+          </a:lnRef>
+          <a:fillRef idx="1">
+            <a:schemeClr val="accent1"/>
+          </a:fillRef>
+          <a:effectRef idx="0">
+            <a:schemeClr val="accent1"/>
+          </a:effectRef>
+          <a:fontRef idx="minor">
+            <a:schemeClr val="lt1"/>
+          </a:fontRef>
+        </p:style>
+        <p:txBody>
+          <a:bodyPr rtlCol="0" anchor="ctr"/>
+          <a:lstStyle/>
+          <a:p>
+            <a:pPr algn="ctr"/>
+            <a:endParaRPr lang="zh-CN" altLang="en-US" dirty="0"/>
+          </a:p>
+        </p:txBody>
+      </p:sp>
+      <p:sp>
+        <p:nvSpPr>
+          <p:cNvPr id="2" name="Slide Number Placeholder 1">
+            <a:extLst>
+              <a:ext uri="{FF2B5EF4-FFF2-40B4-BE49-F238E27FC236}">
+                <a16:creationId xmlns:a16="http://schemas.microsoft.com/office/drawing/2014/main" id="{50E09CFE-97CC-F887-FE5F-C1FCC972B341}"/>
+              </a:ext>
+            </a:extLst>
+          </p:cNvPr>
+          <p:cNvSpPr>
+            <a:spLocks noGrp="1"/>
+          </p:cNvSpPr>
+          <p:nvPr>
+            <p:ph type="sldNum" sz="quarter" idx="12"/>
+          </p:nvPr>
+        </p:nvSpPr>
+        <p:spPr>
+          <a:xfrm>
+            <a:off x="9057739" y="6259509"/>
+            <a:ext cx="2743200" cy="365125"/>
+          </a:xfrm>
+        </p:spPr>
+        <p:txBody>
+          <a:bodyPr/>
+          <a:lstStyle/>
+          <a:p>
+            <a:fld id="{9B1EC109-1E15-4BCA-93B5-56442BB3443E}" type="slidenum">
+              <a:rPr lang="zh-CN" altLang="en-US" sz="2400" b="1" smtClean="0">
+                <a:solidFill>
+                  <a:schemeClr val="bg1">
+                    <a:lumMod val="65000"/>
+                  </a:schemeClr>
+                </a:solidFill>
+                <a:latin typeface="Bradley Hand ITC" panose="03070402050302030203" pitchFamily="66" charset="0"/>
+              </a:rPr>
+              <a:t>15</a:t>
+            </a:fld>
+            <a:endParaRPr lang="zh-CN" altLang="en-US" sz="2400" b="1" dirty="0">
+              <a:solidFill>
+                <a:schemeClr val="bg1">
+                  <a:lumMod val="65000"/>
+                </a:schemeClr>
+              </a:solidFill>
+              <a:latin typeface="Bradley Hand ITC" panose="03070402050302030203" pitchFamily="66" charset="0"/>
+            </a:endParaRPr>
+          </a:p>
+        </p:txBody>
+      </p:sp>
+      <p:sp>
+        <p:nvSpPr>
+          <p:cNvPr id="4" name="Google Shape;867;p33">
+            <a:extLst>
+              <a:ext uri="{FF2B5EF4-FFF2-40B4-BE49-F238E27FC236}">
+                <a16:creationId xmlns:a16="http://schemas.microsoft.com/office/drawing/2014/main" id="{C932F95B-1C9C-3C2B-37C1-5340ECBED2B5}"/>
+              </a:ext>
+            </a:extLst>
+          </p:cNvPr>
+          <p:cNvSpPr txBox="1">
+            <a:spLocks/>
+          </p:cNvSpPr>
+          <p:nvPr/>
+        </p:nvSpPr>
+        <p:spPr>
+          <a:xfrm>
+            <a:off x="2222600" y="143850"/>
+            <a:ext cx="7746800" cy="1602400"/>
+          </a:xfrm>
+          <a:prstGeom prst="rect">
+            <a:avLst/>
+          </a:prstGeom>
+          <a:noFill/>
+          <a:ln>
+            <a:noFill/>
+          </a:ln>
+        </p:spPr>
+        <p:txBody>
+          <a:bodyPr spcFirstLastPara="1" wrap="square" lIns="91425" tIns="91425" rIns="91425" bIns="91425" anchor="b" anchorCtr="0">
+            <a:noAutofit/>
+          </a:bodyPr>
+          <a:lstStyle>
+            <a:defPPr marR="0" lvl="0" algn="l" rtl="0">
+              <a:lnSpc>
+                <a:spcPct val="100000"/>
+              </a:lnSpc>
+              <a:spcBef>
+                <a:spcPts val="0"/>
+              </a:spcBef>
+              <a:spcAft>
+                <a:spcPts val="0"/>
+              </a:spcAft>
+            </a:defPPr>
+            <a:lvl1pPr marR="0" lvl="0" algn="l" rtl="0">
+              <a:lnSpc>
+                <a:spcPct val="100000"/>
+              </a:lnSpc>
+              <a:spcBef>
+                <a:spcPts val="0"/>
+              </a:spcBef>
+              <a:spcAft>
+                <a:spcPts val="0"/>
+              </a:spcAft>
+              <a:buClr>
+                <a:schemeClr val="dk1"/>
+              </a:buClr>
+              <a:buSzPts val="3600"/>
+              <a:buFont typeface="Barlow"/>
+              <a:buNone/>
+              <a:defRPr sz="7200" b="1" i="0" u="none" strike="noStrike" cap="none">
+                <a:solidFill>
+                  <a:schemeClr val="dk1"/>
+                </a:solidFill>
+                <a:latin typeface="Barlow"/>
+                <a:ea typeface="Barlow"/>
+                <a:cs typeface="Barlow"/>
+                <a:sym typeface="Barlow"/>
+              </a:defRPr>
+            </a:lvl1pPr>
+            <a:lvl2pPr marR="0" lvl="1" algn="ctr" rtl="0">
+              <a:lnSpc>
+                <a:spcPct val="100000"/>
+              </a:lnSpc>
+              <a:spcBef>
+                <a:spcPts val="0"/>
+              </a:spcBef>
+              <a:spcAft>
+                <a:spcPts val="0"/>
+              </a:spcAft>
+              <a:buClr>
+                <a:schemeClr val="dk1"/>
+              </a:buClr>
+              <a:buSzPts val="3600"/>
+              <a:buFont typeface="Barlow"/>
+              <a:buNone/>
+              <a:defRPr sz="3600" b="1" i="0" u="none" strike="noStrike" cap="none">
+                <a:solidFill>
+                  <a:schemeClr val="dk1"/>
+                </a:solidFill>
+                <a:latin typeface="Barlow"/>
+                <a:ea typeface="Barlow"/>
+                <a:cs typeface="Barlow"/>
+                <a:sym typeface="Barlow"/>
+              </a:defRPr>
+            </a:lvl2pPr>
+            <a:lvl3pPr marR="0" lvl="2" algn="ctr" rtl="0">
+              <a:lnSpc>
+                <a:spcPct val="100000"/>
+              </a:lnSpc>
+              <a:spcBef>
+                <a:spcPts val="0"/>
+              </a:spcBef>
+              <a:spcAft>
+                <a:spcPts val="0"/>
+              </a:spcAft>
+              <a:buClr>
+                <a:schemeClr val="dk1"/>
+              </a:buClr>
+              <a:buSzPts val="3600"/>
+              <a:buFont typeface="Barlow"/>
+              <a:buNone/>
+              <a:defRPr sz="3600" b="1" i="0" u="none" strike="noStrike" cap="none">
+                <a:solidFill>
+                  <a:schemeClr val="dk1"/>
+                </a:solidFill>
+                <a:latin typeface="Barlow"/>
+                <a:ea typeface="Barlow"/>
+                <a:cs typeface="Barlow"/>
+                <a:sym typeface="Barlow"/>
+              </a:defRPr>
+            </a:lvl3pPr>
+            <a:lvl4pPr marR="0" lvl="3" algn="ctr" rtl="0">
+              <a:lnSpc>
+                <a:spcPct val="100000"/>
+              </a:lnSpc>
+              <a:spcBef>
+                <a:spcPts val="0"/>
+              </a:spcBef>
+              <a:spcAft>
+                <a:spcPts val="0"/>
+              </a:spcAft>
+              <a:buClr>
+                <a:schemeClr val="dk1"/>
+              </a:buClr>
+              <a:buSzPts val="3600"/>
+              <a:buFont typeface="Barlow"/>
+              <a:buNone/>
+              <a:defRPr sz="3600" b="1" i="0" u="none" strike="noStrike" cap="none">
+                <a:solidFill>
+                  <a:schemeClr val="dk1"/>
+                </a:solidFill>
+                <a:latin typeface="Barlow"/>
+                <a:ea typeface="Barlow"/>
+                <a:cs typeface="Barlow"/>
+                <a:sym typeface="Barlow"/>
+              </a:defRPr>
+            </a:lvl4pPr>
+            <a:lvl5pPr marR="0" lvl="4" algn="ctr" rtl="0">
+              <a:lnSpc>
+                <a:spcPct val="100000"/>
+              </a:lnSpc>
+              <a:spcBef>
+                <a:spcPts val="0"/>
+              </a:spcBef>
+              <a:spcAft>
+                <a:spcPts val="0"/>
+              </a:spcAft>
+              <a:buClr>
+                <a:schemeClr val="dk1"/>
+              </a:buClr>
+              <a:buSzPts val="3600"/>
+              <a:buFont typeface="Barlow"/>
+              <a:buNone/>
+              <a:defRPr sz="3600" b="1" i="0" u="none" strike="noStrike" cap="none">
+                <a:solidFill>
+                  <a:schemeClr val="dk1"/>
+                </a:solidFill>
+                <a:latin typeface="Barlow"/>
+                <a:ea typeface="Barlow"/>
+                <a:cs typeface="Barlow"/>
+                <a:sym typeface="Barlow"/>
+              </a:defRPr>
+            </a:lvl5pPr>
+            <a:lvl6pPr marR="0" lvl="5" algn="ctr" rtl="0">
+              <a:lnSpc>
+                <a:spcPct val="100000"/>
+              </a:lnSpc>
+              <a:spcBef>
+                <a:spcPts val="0"/>
+              </a:spcBef>
+              <a:spcAft>
+                <a:spcPts val="0"/>
+              </a:spcAft>
+              <a:buClr>
+                <a:schemeClr val="dk1"/>
+              </a:buClr>
+              <a:buSzPts val="3600"/>
+              <a:buFont typeface="Barlow"/>
+              <a:buNone/>
+              <a:defRPr sz="3600" b="1" i="0" u="none" strike="noStrike" cap="none">
+                <a:solidFill>
+                  <a:schemeClr val="dk1"/>
+                </a:solidFill>
+                <a:latin typeface="Barlow"/>
+                <a:ea typeface="Barlow"/>
+                <a:cs typeface="Barlow"/>
+                <a:sym typeface="Barlow"/>
+              </a:defRPr>
+            </a:lvl6pPr>
+            <a:lvl7pPr marR="0" lvl="6" algn="ctr" rtl="0">
+              <a:lnSpc>
+                <a:spcPct val="100000"/>
+              </a:lnSpc>
+              <a:spcBef>
+                <a:spcPts val="0"/>
+              </a:spcBef>
+              <a:spcAft>
+                <a:spcPts val="0"/>
+              </a:spcAft>
+              <a:buClr>
+                <a:schemeClr val="dk1"/>
+              </a:buClr>
+              <a:buSzPts val="3600"/>
+              <a:buFont typeface="Barlow"/>
+              <a:buNone/>
+              <a:defRPr sz="3600" b="1" i="0" u="none" strike="noStrike" cap="none">
+                <a:solidFill>
+                  <a:schemeClr val="dk1"/>
+                </a:solidFill>
+                <a:latin typeface="Barlow"/>
+                <a:ea typeface="Barlow"/>
+                <a:cs typeface="Barlow"/>
+                <a:sym typeface="Barlow"/>
+              </a:defRPr>
+            </a:lvl7pPr>
+            <a:lvl8pPr marR="0" lvl="7" algn="ctr" rtl="0">
+              <a:lnSpc>
+                <a:spcPct val="100000"/>
+              </a:lnSpc>
+              <a:spcBef>
+                <a:spcPts val="0"/>
+              </a:spcBef>
+              <a:spcAft>
+                <a:spcPts val="0"/>
+              </a:spcAft>
+              <a:buClr>
+                <a:schemeClr val="dk1"/>
+              </a:buClr>
+              <a:buSzPts val="3600"/>
+              <a:buFont typeface="Barlow"/>
+              <a:buNone/>
+              <a:defRPr sz="3600" b="1" i="0" u="none" strike="noStrike" cap="none">
+                <a:solidFill>
+                  <a:schemeClr val="dk1"/>
+                </a:solidFill>
+                <a:latin typeface="Barlow"/>
+                <a:ea typeface="Barlow"/>
+                <a:cs typeface="Barlow"/>
+                <a:sym typeface="Barlow"/>
+              </a:defRPr>
+            </a:lvl8pPr>
+            <a:lvl9pPr marR="0" lvl="8" algn="ctr" rtl="0">
+              <a:lnSpc>
+                <a:spcPct val="100000"/>
+              </a:lnSpc>
+              <a:spcBef>
+                <a:spcPts val="0"/>
+              </a:spcBef>
+              <a:spcAft>
+                <a:spcPts val="0"/>
+              </a:spcAft>
+              <a:buClr>
+                <a:schemeClr val="dk1"/>
+              </a:buClr>
+              <a:buSzPts val="3600"/>
+              <a:buFont typeface="Barlow"/>
+              <a:buNone/>
+              <a:defRPr sz="3600" b="1" i="0" u="none" strike="noStrike" cap="none">
+                <a:solidFill>
+                  <a:schemeClr val="dk1"/>
+                </a:solidFill>
+                <a:latin typeface="Barlow"/>
+                <a:ea typeface="Barlow"/>
+                <a:cs typeface="Barlow"/>
+                <a:sym typeface="Barlow"/>
+              </a:defRPr>
+            </a:lvl9pPr>
+          </a:lstStyle>
+          <a:p>
+            <a:pPr algn="ctr"/>
+            <a:r>
+              <a:rPr lang="en-US" altLang="zh-CN" sz="8000" spc="300" dirty="0">
+                <a:solidFill>
+                  <a:schemeClr val="accent4">
+                    <a:lumMod val="60000"/>
+                    <a:lumOff val="40000"/>
+                    <a:alpha val="60000"/>
+                  </a:schemeClr>
+                </a:solidFill>
+                <a:latin typeface="Amatic SC" panose="020F0502020204030204" pitchFamily="2" charset="-79"/>
+                <a:cs typeface="Amatic SC" panose="020F0502020204030204" pitchFamily="2" charset="-79"/>
+              </a:rPr>
+              <a:t>Face the Bus</a:t>
+            </a:r>
+          </a:p>
+        </p:txBody>
+      </p:sp>
+      <p:pic>
+        <p:nvPicPr>
+          <p:cNvPr id="10" name="Picture 9">
+            <a:extLst>
+              <a:ext uri="{FF2B5EF4-FFF2-40B4-BE49-F238E27FC236}">
+                <a16:creationId xmlns:a16="http://schemas.microsoft.com/office/drawing/2014/main" id="{DEE20E85-CAC7-094D-560F-5A7E26587866}"/>
+              </a:ext>
+            </a:extLst>
+          </p:cNvPr>
+          <p:cNvPicPr>
+            <a:picLocks noChangeAspect="1"/>
+          </p:cNvPicPr>
+          <p:nvPr/>
+        </p:nvPicPr>
+        <p:blipFill>
+          <a:blip r:embed="rId2">
+            <a:extLst>
+              <a:ext uri="{28A0092B-C50C-407E-A947-70E740481C1C}">
+                <a14:useLocalDpi xmlns:a14="http://schemas.microsoft.com/office/drawing/2010/main" val="0"/>
+              </a:ext>
+            </a:extLst>
+          </a:blip>
+          <a:stretch>
+            <a:fillRect/>
+          </a:stretch>
+        </p:blipFill>
+        <p:spPr>
+          <a:xfrm>
+            <a:off x="6236708" y="3514311"/>
+            <a:ext cx="2236732" cy="1212312"/>
+          </a:xfrm>
+          <a:prstGeom prst="rect">
+            <a:avLst/>
+          </a:prstGeom>
+        </p:spPr>
+      </p:pic>
+      <p:pic>
+        <p:nvPicPr>
+          <p:cNvPr id="12" name="Picture 11">
+            <a:extLst>
+              <a:ext uri="{FF2B5EF4-FFF2-40B4-BE49-F238E27FC236}">
+                <a16:creationId xmlns:a16="http://schemas.microsoft.com/office/drawing/2014/main" id="{89611D77-5E06-E8FA-4015-DF3B66E3AB65}"/>
+              </a:ext>
+            </a:extLst>
+          </p:cNvPr>
+          <p:cNvPicPr>
+            <a:picLocks noChangeAspect="1"/>
+          </p:cNvPicPr>
+          <p:nvPr/>
+        </p:nvPicPr>
+        <p:blipFill>
+          <a:blip r:embed="rId3">
+            <a:extLst>
+              <a:ext uri="{28A0092B-C50C-407E-A947-70E740481C1C}">
+                <a14:useLocalDpi xmlns:a14="http://schemas.microsoft.com/office/drawing/2010/main" val="0"/>
+              </a:ext>
+            </a:extLst>
+          </a:blip>
+          <a:stretch>
+            <a:fillRect/>
+          </a:stretch>
+        </p:blipFill>
+        <p:spPr>
+          <a:xfrm>
+            <a:off x="1063666" y="2350953"/>
+            <a:ext cx="3691214" cy="3322860"/>
+          </a:xfrm>
+          <a:prstGeom prst="rect">
+            <a:avLst/>
+          </a:prstGeom>
+        </p:spPr>
+      </p:pic>
+      <p:pic>
+        <p:nvPicPr>
+          <p:cNvPr id="13" name="Graphic 12">
+            <a:extLst>
+              <a:ext uri="{FF2B5EF4-FFF2-40B4-BE49-F238E27FC236}">
+                <a16:creationId xmlns:a16="http://schemas.microsoft.com/office/drawing/2014/main" id="{CF735DCD-B8B2-BA39-688A-A5BCC8F2FB2E}"/>
+              </a:ext>
+            </a:extLst>
+          </p:cNvPr>
+          <p:cNvPicPr>
+            <a:picLocks noChangeAspect="1"/>
+          </p:cNvPicPr>
+          <p:nvPr/>
+        </p:nvPicPr>
+        <p:blipFill>
+          <a:blip r:embed="rId4">
+            <a:extLst>
+              <a:ext uri="{96DAC541-7B7A-43D3-8B79-37D633B846F1}">
+                <asvg:svgBlip xmlns:asvg="http://schemas.microsoft.com/office/drawing/2016/SVG/main" r:embed="rId5"/>
+              </a:ext>
+            </a:extLst>
+          </a:blip>
+          <a:stretch>
+            <a:fillRect/>
+          </a:stretch>
+        </p:blipFill>
+        <p:spPr>
+          <a:xfrm flipH="1">
+            <a:off x="9873882" y="3913632"/>
+            <a:ext cx="1129397" cy="808170"/>
+          </a:xfrm>
+          <a:prstGeom prst="rect">
+            <a:avLst/>
+          </a:prstGeom>
+        </p:spPr>
+      </p:pic>
+    </p:spTree>
+    <p:extLst>
+      <p:ext uri="{BB962C8B-B14F-4D97-AF65-F5344CB8AC3E}">
+        <p14:creationId xmlns:p14="http://schemas.microsoft.com/office/powerpoint/2010/main" val="626912735"/>
+      </p:ext>
+    </p:extLst>
+  </p:cSld>
+  <p:clrMapOvr>
+    <a:masterClrMapping/>
+  </p:clrMapOvr>
+</p:sld>
+</file>
+
+<file path=ppt/slides/slide16.xml><?xml version="1.0" encoding="utf-8"?>
 <p:sld xmlns:a="http://schemas.openxmlformats.org/drawingml/2006/main" xmlns:r="http://schemas.openxmlformats.org/officeDocument/2006/relationships" xmlns:p="http://schemas.openxmlformats.org/presentationml/2006/main">
   <p:cSld>
     <p:spTree>
@@ -4904,7 +8269,960 @@
                 </a:solidFill>
                 <a:latin typeface="Bradley Hand ITC" panose="03070402050302030203" pitchFamily="66" charset="0"/>
               </a:rPr>
-              <a:t>11</a:t>
+              <a:t>16</a:t>
+            </a:fld>
+            <a:endParaRPr lang="zh-CN" altLang="en-US" sz="2400" b="1" dirty="0">
+              <a:solidFill>
+                <a:schemeClr val="bg1">
+                  <a:lumMod val="65000"/>
+                </a:schemeClr>
+              </a:solidFill>
+              <a:latin typeface="Bradley Hand ITC" panose="03070402050302030203" pitchFamily="66" charset="0"/>
+            </a:endParaRPr>
+          </a:p>
+        </p:txBody>
+      </p:sp>
+      <p:sp>
+        <p:nvSpPr>
+          <p:cNvPr id="8" name="Google Shape;867;p33">
+            <a:extLst>
+              <a:ext uri="{FF2B5EF4-FFF2-40B4-BE49-F238E27FC236}">
+                <a16:creationId xmlns:a16="http://schemas.microsoft.com/office/drawing/2014/main" id="{398DA534-C272-01F9-5565-6E014A250343}"/>
+              </a:ext>
+            </a:extLst>
+          </p:cNvPr>
+          <p:cNvSpPr txBox="1">
+            <a:spLocks/>
+          </p:cNvSpPr>
+          <p:nvPr/>
+        </p:nvSpPr>
+        <p:spPr>
+          <a:xfrm>
+            <a:off x="2222600" y="143850"/>
+            <a:ext cx="7746800" cy="1602400"/>
+          </a:xfrm>
+          <a:prstGeom prst="rect">
+            <a:avLst/>
+          </a:prstGeom>
+          <a:noFill/>
+          <a:ln>
+            <a:noFill/>
+          </a:ln>
+        </p:spPr>
+        <p:txBody>
+          <a:bodyPr spcFirstLastPara="1" wrap="square" lIns="91425" tIns="91425" rIns="91425" bIns="91425" anchor="b" anchorCtr="0">
+            <a:noAutofit/>
+          </a:bodyPr>
+          <a:lstStyle>
+            <a:defPPr marR="0" lvl="0" algn="l" rtl="0">
+              <a:lnSpc>
+                <a:spcPct val="100000"/>
+              </a:lnSpc>
+              <a:spcBef>
+                <a:spcPts val="0"/>
+              </a:spcBef>
+              <a:spcAft>
+                <a:spcPts val="0"/>
+              </a:spcAft>
+            </a:defPPr>
+            <a:lvl1pPr marR="0" lvl="0" algn="l" rtl="0">
+              <a:lnSpc>
+                <a:spcPct val="100000"/>
+              </a:lnSpc>
+              <a:spcBef>
+                <a:spcPts val="0"/>
+              </a:spcBef>
+              <a:spcAft>
+                <a:spcPts val="0"/>
+              </a:spcAft>
+              <a:buClr>
+                <a:schemeClr val="dk1"/>
+              </a:buClr>
+              <a:buSzPts val="3600"/>
+              <a:buFont typeface="Barlow"/>
+              <a:buNone/>
+              <a:defRPr sz="7200" b="1" i="0" u="none" strike="noStrike" cap="none">
+                <a:solidFill>
+                  <a:schemeClr val="dk1"/>
+                </a:solidFill>
+                <a:latin typeface="Barlow"/>
+                <a:ea typeface="Barlow"/>
+                <a:cs typeface="Barlow"/>
+                <a:sym typeface="Barlow"/>
+              </a:defRPr>
+            </a:lvl1pPr>
+            <a:lvl2pPr marR="0" lvl="1" algn="ctr" rtl="0">
+              <a:lnSpc>
+                <a:spcPct val="100000"/>
+              </a:lnSpc>
+              <a:spcBef>
+                <a:spcPts val="0"/>
+              </a:spcBef>
+              <a:spcAft>
+                <a:spcPts val="0"/>
+              </a:spcAft>
+              <a:buClr>
+                <a:schemeClr val="dk1"/>
+              </a:buClr>
+              <a:buSzPts val="3600"/>
+              <a:buFont typeface="Barlow"/>
+              <a:buNone/>
+              <a:defRPr sz="3600" b="1" i="0" u="none" strike="noStrike" cap="none">
+                <a:solidFill>
+                  <a:schemeClr val="dk1"/>
+                </a:solidFill>
+                <a:latin typeface="Barlow"/>
+                <a:ea typeface="Barlow"/>
+                <a:cs typeface="Barlow"/>
+                <a:sym typeface="Barlow"/>
+              </a:defRPr>
+            </a:lvl2pPr>
+            <a:lvl3pPr marR="0" lvl="2" algn="ctr" rtl="0">
+              <a:lnSpc>
+                <a:spcPct val="100000"/>
+              </a:lnSpc>
+              <a:spcBef>
+                <a:spcPts val="0"/>
+              </a:spcBef>
+              <a:spcAft>
+                <a:spcPts val="0"/>
+              </a:spcAft>
+              <a:buClr>
+                <a:schemeClr val="dk1"/>
+              </a:buClr>
+              <a:buSzPts val="3600"/>
+              <a:buFont typeface="Barlow"/>
+              <a:buNone/>
+              <a:defRPr sz="3600" b="1" i="0" u="none" strike="noStrike" cap="none">
+                <a:solidFill>
+                  <a:schemeClr val="dk1"/>
+                </a:solidFill>
+                <a:latin typeface="Barlow"/>
+                <a:ea typeface="Barlow"/>
+                <a:cs typeface="Barlow"/>
+                <a:sym typeface="Barlow"/>
+              </a:defRPr>
+            </a:lvl3pPr>
+            <a:lvl4pPr marR="0" lvl="3" algn="ctr" rtl="0">
+              <a:lnSpc>
+                <a:spcPct val="100000"/>
+              </a:lnSpc>
+              <a:spcBef>
+                <a:spcPts val="0"/>
+              </a:spcBef>
+              <a:spcAft>
+                <a:spcPts val="0"/>
+              </a:spcAft>
+              <a:buClr>
+                <a:schemeClr val="dk1"/>
+              </a:buClr>
+              <a:buSzPts val="3600"/>
+              <a:buFont typeface="Barlow"/>
+              <a:buNone/>
+              <a:defRPr sz="3600" b="1" i="0" u="none" strike="noStrike" cap="none">
+                <a:solidFill>
+                  <a:schemeClr val="dk1"/>
+                </a:solidFill>
+                <a:latin typeface="Barlow"/>
+                <a:ea typeface="Barlow"/>
+                <a:cs typeface="Barlow"/>
+                <a:sym typeface="Barlow"/>
+              </a:defRPr>
+            </a:lvl4pPr>
+            <a:lvl5pPr marR="0" lvl="4" algn="ctr" rtl="0">
+              <a:lnSpc>
+                <a:spcPct val="100000"/>
+              </a:lnSpc>
+              <a:spcBef>
+                <a:spcPts val="0"/>
+              </a:spcBef>
+              <a:spcAft>
+                <a:spcPts val="0"/>
+              </a:spcAft>
+              <a:buClr>
+                <a:schemeClr val="dk1"/>
+              </a:buClr>
+              <a:buSzPts val="3600"/>
+              <a:buFont typeface="Barlow"/>
+              <a:buNone/>
+              <a:defRPr sz="3600" b="1" i="0" u="none" strike="noStrike" cap="none">
+                <a:solidFill>
+                  <a:schemeClr val="dk1"/>
+                </a:solidFill>
+                <a:latin typeface="Barlow"/>
+                <a:ea typeface="Barlow"/>
+                <a:cs typeface="Barlow"/>
+                <a:sym typeface="Barlow"/>
+              </a:defRPr>
+            </a:lvl5pPr>
+            <a:lvl6pPr marR="0" lvl="5" algn="ctr" rtl="0">
+              <a:lnSpc>
+                <a:spcPct val="100000"/>
+              </a:lnSpc>
+              <a:spcBef>
+                <a:spcPts val="0"/>
+              </a:spcBef>
+              <a:spcAft>
+                <a:spcPts val="0"/>
+              </a:spcAft>
+              <a:buClr>
+                <a:schemeClr val="dk1"/>
+              </a:buClr>
+              <a:buSzPts val="3600"/>
+              <a:buFont typeface="Barlow"/>
+              <a:buNone/>
+              <a:defRPr sz="3600" b="1" i="0" u="none" strike="noStrike" cap="none">
+                <a:solidFill>
+                  <a:schemeClr val="dk1"/>
+                </a:solidFill>
+                <a:latin typeface="Barlow"/>
+                <a:ea typeface="Barlow"/>
+                <a:cs typeface="Barlow"/>
+                <a:sym typeface="Barlow"/>
+              </a:defRPr>
+            </a:lvl6pPr>
+            <a:lvl7pPr marR="0" lvl="6" algn="ctr" rtl="0">
+              <a:lnSpc>
+                <a:spcPct val="100000"/>
+              </a:lnSpc>
+              <a:spcBef>
+                <a:spcPts val="0"/>
+              </a:spcBef>
+              <a:spcAft>
+                <a:spcPts val="0"/>
+              </a:spcAft>
+              <a:buClr>
+                <a:schemeClr val="dk1"/>
+              </a:buClr>
+              <a:buSzPts val="3600"/>
+              <a:buFont typeface="Barlow"/>
+              <a:buNone/>
+              <a:defRPr sz="3600" b="1" i="0" u="none" strike="noStrike" cap="none">
+                <a:solidFill>
+                  <a:schemeClr val="dk1"/>
+                </a:solidFill>
+                <a:latin typeface="Barlow"/>
+                <a:ea typeface="Barlow"/>
+                <a:cs typeface="Barlow"/>
+                <a:sym typeface="Barlow"/>
+              </a:defRPr>
+            </a:lvl7pPr>
+            <a:lvl8pPr marR="0" lvl="7" algn="ctr" rtl="0">
+              <a:lnSpc>
+                <a:spcPct val="100000"/>
+              </a:lnSpc>
+              <a:spcBef>
+                <a:spcPts val="0"/>
+              </a:spcBef>
+              <a:spcAft>
+                <a:spcPts val="0"/>
+              </a:spcAft>
+              <a:buClr>
+                <a:schemeClr val="dk1"/>
+              </a:buClr>
+              <a:buSzPts val="3600"/>
+              <a:buFont typeface="Barlow"/>
+              <a:buNone/>
+              <a:defRPr sz="3600" b="1" i="0" u="none" strike="noStrike" cap="none">
+                <a:solidFill>
+                  <a:schemeClr val="dk1"/>
+                </a:solidFill>
+                <a:latin typeface="Barlow"/>
+                <a:ea typeface="Barlow"/>
+                <a:cs typeface="Barlow"/>
+                <a:sym typeface="Barlow"/>
+              </a:defRPr>
+            </a:lvl8pPr>
+            <a:lvl9pPr marR="0" lvl="8" algn="ctr" rtl="0">
+              <a:lnSpc>
+                <a:spcPct val="100000"/>
+              </a:lnSpc>
+              <a:spcBef>
+                <a:spcPts val="0"/>
+              </a:spcBef>
+              <a:spcAft>
+                <a:spcPts val="0"/>
+              </a:spcAft>
+              <a:buClr>
+                <a:schemeClr val="dk1"/>
+              </a:buClr>
+              <a:buSzPts val="3600"/>
+              <a:buFont typeface="Barlow"/>
+              <a:buNone/>
+              <a:defRPr sz="3600" b="1" i="0" u="none" strike="noStrike" cap="none">
+                <a:solidFill>
+                  <a:schemeClr val="dk1"/>
+                </a:solidFill>
+                <a:latin typeface="Barlow"/>
+                <a:ea typeface="Barlow"/>
+                <a:cs typeface="Barlow"/>
+                <a:sym typeface="Barlow"/>
+              </a:defRPr>
+            </a:lvl9pPr>
+          </a:lstStyle>
+          <a:p>
+            <a:pPr algn="ctr"/>
+            <a:r>
+              <a:rPr lang="en-US" altLang="zh-CN" sz="8000" spc="300" dirty="0">
+                <a:solidFill>
+                  <a:schemeClr val="accent4">
+                    <a:lumMod val="60000"/>
+                    <a:lumOff val="40000"/>
+                    <a:alpha val="60000"/>
+                  </a:schemeClr>
+                </a:solidFill>
+                <a:latin typeface="Amatic SC" panose="020F0502020204030204" pitchFamily="2" charset="-79"/>
+                <a:cs typeface="Amatic SC" panose="020F0502020204030204" pitchFamily="2" charset="-79"/>
+              </a:rPr>
+              <a:t>What we learnt…</a:t>
+            </a:r>
+          </a:p>
+        </p:txBody>
+      </p:sp>
+    </p:spTree>
+    <p:extLst>
+      <p:ext uri="{BB962C8B-B14F-4D97-AF65-F5344CB8AC3E}">
+        <p14:creationId xmlns:p14="http://schemas.microsoft.com/office/powerpoint/2010/main" val="3253399885"/>
+      </p:ext>
+    </p:extLst>
+  </p:cSld>
+  <p:clrMapOvr>
+    <a:masterClrMapping/>
+  </p:clrMapOvr>
+</p:sld>
+</file>
+
+<file path=ppt/slides/slide17.xml><?xml version="1.0" encoding="utf-8"?>
+<p:sld xmlns:a="http://schemas.openxmlformats.org/drawingml/2006/main" xmlns:r="http://schemas.openxmlformats.org/officeDocument/2006/relationships" xmlns:p="http://schemas.openxmlformats.org/presentationml/2006/main">
+  <p:cSld>
+    <p:spTree>
+      <p:nvGrpSpPr>
+        <p:cNvPr id="1" name=""/>
+        <p:cNvGrpSpPr/>
+        <p:nvPr/>
+      </p:nvGrpSpPr>
+      <p:grpSpPr>
+        <a:xfrm>
+          <a:off x="0" y="0"/>
+          <a:ext cx="0" cy="0"/>
+          <a:chOff x="0" y="0"/>
+          <a:chExt cx="0" cy="0"/>
+        </a:xfrm>
+      </p:grpSpPr>
+      <p:sp>
+        <p:nvSpPr>
+          <p:cNvPr id="6" name="Rectangle 5">
+            <a:extLst>
+              <a:ext uri="{FF2B5EF4-FFF2-40B4-BE49-F238E27FC236}">
+                <a16:creationId xmlns:a16="http://schemas.microsoft.com/office/drawing/2014/main" id="{7BC4EB1B-EA6B-DFE4-AF3B-05D0EB253209}"/>
+              </a:ext>
+            </a:extLst>
+          </p:cNvPr>
+          <p:cNvSpPr/>
+          <p:nvPr/>
+        </p:nvSpPr>
+        <p:spPr>
+          <a:xfrm>
+            <a:off x="0" y="0"/>
+            <a:ext cx="12192000" cy="6858000"/>
+          </a:xfrm>
+          <a:prstGeom prst="rect">
+            <a:avLst/>
+          </a:prstGeom>
+          <a:solidFill>
+            <a:srgbClr val="23242A"/>
+          </a:solidFill>
+          <a:ln>
+            <a:noFill/>
+          </a:ln>
+        </p:spPr>
+        <p:style>
+          <a:lnRef idx="2">
+            <a:schemeClr val="accent1">
+              <a:shade val="15000"/>
+            </a:schemeClr>
+          </a:lnRef>
+          <a:fillRef idx="1">
+            <a:schemeClr val="accent1"/>
+          </a:fillRef>
+          <a:effectRef idx="0">
+            <a:schemeClr val="accent1"/>
+          </a:effectRef>
+          <a:fontRef idx="minor">
+            <a:schemeClr val="lt1"/>
+          </a:fontRef>
+        </p:style>
+        <p:txBody>
+          <a:bodyPr rtlCol="0" anchor="ctr"/>
+          <a:lstStyle/>
+          <a:p>
+            <a:pPr algn="ctr"/>
+            <a:endParaRPr lang="zh-CN" altLang="en-US" dirty="0"/>
+          </a:p>
+        </p:txBody>
+      </p:sp>
+      <p:sp>
+        <p:nvSpPr>
+          <p:cNvPr id="4" name="Google Shape;867;p33">
+            <a:extLst>
+              <a:ext uri="{FF2B5EF4-FFF2-40B4-BE49-F238E27FC236}">
+                <a16:creationId xmlns:a16="http://schemas.microsoft.com/office/drawing/2014/main" id="{24BC39E7-8798-676F-63C1-093D28359AFA}"/>
+              </a:ext>
+            </a:extLst>
+          </p:cNvPr>
+          <p:cNvSpPr txBox="1">
+            <a:spLocks/>
+          </p:cNvSpPr>
+          <p:nvPr/>
+        </p:nvSpPr>
+        <p:spPr>
+          <a:xfrm>
+            <a:off x="1557070" y="382508"/>
+            <a:ext cx="9077860" cy="1602400"/>
+          </a:xfrm>
+          <a:prstGeom prst="rect">
+            <a:avLst/>
+          </a:prstGeom>
+          <a:noFill/>
+          <a:ln>
+            <a:noFill/>
+          </a:ln>
+        </p:spPr>
+        <p:txBody>
+          <a:bodyPr spcFirstLastPara="1" wrap="square" lIns="91425" tIns="91425" rIns="91425" bIns="91425" anchor="b" anchorCtr="0">
+            <a:noAutofit/>
+          </a:bodyPr>
+          <a:lstStyle>
+            <a:defPPr marR="0" lvl="0" algn="l" rtl="0">
+              <a:lnSpc>
+                <a:spcPct val="100000"/>
+              </a:lnSpc>
+              <a:spcBef>
+                <a:spcPts val="0"/>
+              </a:spcBef>
+              <a:spcAft>
+                <a:spcPts val="0"/>
+              </a:spcAft>
+            </a:defPPr>
+            <a:lvl1pPr marR="0" lvl="0" algn="l" rtl="0">
+              <a:lnSpc>
+                <a:spcPct val="100000"/>
+              </a:lnSpc>
+              <a:spcBef>
+                <a:spcPts val="0"/>
+              </a:spcBef>
+              <a:spcAft>
+                <a:spcPts val="0"/>
+              </a:spcAft>
+              <a:buClr>
+                <a:schemeClr val="dk1"/>
+              </a:buClr>
+              <a:buSzPts val="3600"/>
+              <a:buFont typeface="Barlow"/>
+              <a:buNone/>
+              <a:defRPr sz="7200" b="1" i="0" u="none" strike="noStrike" cap="none">
+                <a:solidFill>
+                  <a:schemeClr val="dk1"/>
+                </a:solidFill>
+                <a:latin typeface="Barlow"/>
+                <a:ea typeface="Barlow"/>
+                <a:cs typeface="Barlow"/>
+                <a:sym typeface="Barlow"/>
+              </a:defRPr>
+            </a:lvl1pPr>
+            <a:lvl2pPr marR="0" lvl="1" algn="ctr" rtl="0">
+              <a:lnSpc>
+                <a:spcPct val="100000"/>
+              </a:lnSpc>
+              <a:spcBef>
+                <a:spcPts val="0"/>
+              </a:spcBef>
+              <a:spcAft>
+                <a:spcPts val="0"/>
+              </a:spcAft>
+              <a:buClr>
+                <a:schemeClr val="dk1"/>
+              </a:buClr>
+              <a:buSzPts val="3600"/>
+              <a:buFont typeface="Barlow"/>
+              <a:buNone/>
+              <a:defRPr sz="3600" b="1" i="0" u="none" strike="noStrike" cap="none">
+                <a:solidFill>
+                  <a:schemeClr val="dk1"/>
+                </a:solidFill>
+                <a:latin typeface="Barlow"/>
+                <a:ea typeface="Barlow"/>
+                <a:cs typeface="Barlow"/>
+                <a:sym typeface="Barlow"/>
+              </a:defRPr>
+            </a:lvl2pPr>
+            <a:lvl3pPr marR="0" lvl="2" algn="ctr" rtl="0">
+              <a:lnSpc>
+                <a:spcPct val="100000"/>
+              </a:lnSpc>
+              <a:spcBef>
+                <a:spcPts val="0"/>
+              </a:spcBef>
+              <a:spcAft>
+                <a:spcPts val="0"/>
+              </a:spcAft>
+              <a:buClr>
+                <a:schemeClr val="dk1"/>
+              </a:buClr>
+              <a:buSzPts val="3600"/>
+              <a:buFont typeface="Barlow"/>
+              <a:buNone/>
+              <a:defRPr sz="3600" b="1" i="0" u="none" strike="noStrike" cap="none">
+                <a:solidFill>
+                  <a:schemeClr val="dk1"/>
+                </a:solidFill>
+                <a:latin typeface="Barlow"/>
+                <a:ea typeface="Barlow"/>
+                <a:cs typeface="Barlow"/>
+                <a:sym typeface="Barlow"/>
+              </a:defRPr>
+            </a:lvl3pPr>
+            <a:lvl4pPr marR="0" lvl="3" algn="ctr" rtl="0">
+              <a:lnSpc>
+                <a:spcPct val="100000"/>
+              </a:lnSpc>
+              <a:spcBef>
+                <a:spcPts val="0"/>
+              </a:spcBef>
+              <a:spcAft>
+                <a:spcPts val="0"/>
+              </a:spcAft>
+              <a:buClr>
+                <a:schemeClr val="dk1"/>
+              </a:buClr>
+              <a:buSzPts val="3600"/>
+              <a:buFont typeface="Barlow"/>
+              <a:buNone/>
+              <a:defRPr sz="3600" b="1" i="0" u="none" strike="noStrike" cap="none">
+                <a:solidFill>
+                  <a:schemeClr val="dk1"/>
+                </a:solidFill>
+                <a:latin typeface="Barlow"/>
+                <a:ea typeface="Barlow"/>
+                <a:cs typeface="Barlow"/>
+                <a:sym typeface="Barlow"/>
+              </a:defRPr>
+            </a:lvl4pPr>
+            <a:lvl5pPr marR="0" lvl="4" algn="ctr" rtl="0">
+              <a:lnSpc>
+                <a:spcPct val="100000"/>
+              </a:lnSpc>
+              <a:spcBef>
+                <a:spcPts val="0"/>
+              </a:spcBef>
+              <a:spcAft>
+                <a:spcPts val="0"/>
+              </a:spcAft>
+              <a:buClr>
+                <a:schemeClr val="dk1"/>
+              </a:buClr>
+              <a:buSzPts val="3600"/>
+              <a:buFont typeface="Barlow"/>
+              <a:buNone/>
+              <a:defRPr sz="3600" b="1" i="0" u="none" strike="noStrike" cap="none">
+                <a:solidFill>
+                  <a:schemeClr val="dk1"/>
+                </a:solidFill>
+                <a:latin typeface="Barlow"/>
+                <a:ea typeface="Barlow"/>
+                <a:cs typeface="Barlow"/>
+                <a:sym typeface="Barlow"/>
+              </a:defRPr>
+            </a:lvl5pPr>
+            <a:lvl6pPr marR="0" lvl="5" algn="ctr" rtl="0">
+              <a:lnSpc>
+                <a:spcPct val="100000"/>
+              </a:lnSpc>
+              <a:spcBef>
+                <a:spcPts val="0"/>
+              </a:spcBef>
+              <a:spcAft>
+                <a:spcPts val="0"/>
+              </a:spcAft>
+              <a:buClr>
+                <a:schemeClr val="dk1"/>
+              </a:buClr>
+              <a:buSzPts val="3600"/>
+              <a:buFont typeface="Barlow"/>
+              <a:buNone/>
+              <a:defRPr sz="3600" b="1" i="0" u="none" strike="noStrike" cap="none">
+                <a:solidFill>
+                  <a:schemeClr val="dk1"/>
+                </a:solidFill>
+                <a:latin typeface="Barlow"/>
+                <a:ea typeface="Barlow"/>
+                <a:cs typeface="Barlow"/>
+                <a:sym typeface="Barlow"/>
+              </a:defRPr>
+            </a:lvl6pPr>
+            <a:lvl7pPr marR="0" lvl="6" algn="ctr" rtl="0">
+              <a:lnSpc>
+                <a:spcPct val="100000"/>
+              </a:lnSpc>
+              <a:spcBef>
+                <a:spcPts val="0"/>
+              </a:spcBef>
+              <a:spcAft>
+                <a:spcPts val="0"/>
+              </a:spcAft>
+              <a:buClr>
+                <a:schemeClr val="dk1"/>
+              </a:buClr>
+              <a:buSzPts val="3600"/>
+              <a:buFont typeface="Barlow"/>
+              <a:buNone/>
+              <a:defRPr sz="3600" b="1" i="0" u="none" strike="noStrike" cap="none">
+                <a:solidFill>
+                  <a:schemeClr val="dk1"/>
+                </a:solidFill>
+                <a:latin typeface="Barlow"/>
+                <a:ea typeface="Barlow"/>
+                <a:cs typeface="Barlow"/>
+                <a:sym typeface="Barlow"/>
+              </a:defRPr>
+            </a:lvl7pPr>
+            <a:lvl8pPr marR="0" lvl="7" algn="ctr" rtl="0">
+              <a:lnSpc>
+                <a:spcPct val="100000"/>
+              </a:lnSpc>
+              <a:spcBef>
+                <a:spcPts val="0"/>
+              </a:spcBef>
+              <a:spcAft>
+                <a:spcPts val="0"/>
+              </a:spcAft>
+              <a:buClr>
+                <a:schemeClr val="dk1"/>
+              </a:buClr>
+              <a:buSzPts val="3600"/>
+              <a:buFont typeface="Barlow"/>
+              <a:buNone/>
+              <a:defRPr sz="3600" b="1" i="0" u="none" strike="noStrike" cap="none">
+                <a:solidFill>
+                  <a:schemeClr val="dk1"/>
+                </a:solidFill>
+                <a:latin typeface="Barlow"/>
+                <a:ea typeface="Barlow"/>
+                <a:cs typeface="Barlow"/>
+                <a:sym typeface="Barlow"/>
+              </a:defRPr>
+            </a:lvl8pPr>
+            <a:lvl9pPr marR="0" lvl="8" algn="ctr" rtl="0">
+              <a:lnSpc>
+                <a:spcPct val="100000"/>
+              </a:lnSpc>
+              <a:spcBef>
+                <a:spcPts val="0"/>
+              </a:spcBef>
+              <a:spcAft>
+                <a:spcPts val="0"/>
+              </a:spcAft>
+              <a:buClr>
+                <a:schemeClr val="dk1"/>
+              </a:buClr>
+              <a:buSzPts val="3600"/>
+              <a:buFont typeface="Barlow"/>
+              <a:buNone/>
+              <a:defRPr sz="3600" b="1" i="0" u="none" strike="noStrike" cap="none">
+                <a:solidFill>
+                  <a:schemeClr val="dk1"/>
+                </a:solidFill>
+                <a:latin typeface="Barlow"/>
+                <a:ea typeface="Barlow"/>
+                <a:cs typeface="Barlow"/>
+                <a:sym typeface="Barlow"/>
+              </a:defRPr>
+            </a:lvl9pPr>
+          </a:lstStyle>
+          <a:p>
+            <a:pPr algn="ctr"/>
+            <a:r>
+              <a:rPr lang="en-US" altLang="zh-CN" sz="8000" spc="300" dirty="0">
+                <a:solidFill>
+                  <a:schemeClr val="accent4">
+                    <a:lumMod val="60000"/>
+                    <a:lumOff val="40000"/>
+                    <a:alpha val="60000"/>
+                  </a:schemeClr>
+                </a:solidFill>
+                <a:latin typeface="Amatic SC" panose="020F0502020204030204" pitchFamily="2" charset="-79"/>
+                <a:cs typeface="Amatic SC" panose="020F0502020204030204" pitchFamily="2" charset="-79"/>
+              </a:rPr>
+              <a:t>Exercises</a:t>
+            </a:r>
+          </a:p>
+        </p:txBody>
+      </p:sp>
+      <p:sp>
+        <p:nvSpPr>
+          <p:cNvPr id="2" name="TextBox 1">
+            <a:extLst>
+              <a:ext uri="{FF2B5EF4-FFF2-40B4-BE49-F238E27FC236}">
+                <a16:creationId xmlns:a16="http://schemas.microsoft.com/office/drawing/2014/main" id="{2E29E62E-3E0A-1FD3-C734-48831C47E32F}"/>
+              </a:ext>
+            </a:extLst>
+          </p:cNvPr>
+          <p:cNvSpPr txBox="1"/>
+          <p:nvPr/>
+        </p:nvSpPr>
+        <p:spPr>
+          <a:xfrm>
+            <a:off x="1265150" y="2117180"/>
+            <a:ext cx="9727970" cy="5348002"/>
+          </a:xfrm>
+          <a:prstGeom prst="rect">
+            <a:avLst/>
+          </a:prstGeom>
+          <a:noFill/>
+        </p:spPr>
+        <p:txBody>
+          <a:bodyPr wrap="square" rtlCol="0">
+            <a:spAutoFit/>
+          </a:bodyPr>
+          <a:lstStyle/>
+          <a:p>
+            <a:pPr marL="571500" indent="-571500">
+              <a:lnSpc>
+                <a:spcPct val="150000"/>
+              </a:lnSpc>
+              <a:buFont typeface="Wingdings" panose="05000000000000000000" pitchFamily="2" charset="2"/>
+              <a:buChar char="p"/>
+            </a:pPr>
+            <a:r>
+              <a:rPr lang="en-US" altLang="zh-CN" sz="3600" dirty="0">
+                <a:solidFill>
+                  <a:schemeClr val="bg1">
+                    <a:lumMod val="75000"/>
+                  </a:schemeClr>
+                </a:solidFill>
+                <a:latin typeface="High Tower Text" panose="02040502050506030303" pitchFamily="18" charset="0"/>
+              </a:rPr>
+              <a:t>Have fun with some of the other effects</a:t>
+            </a:r>
+          </a:p>
+          <a:p>
+            <a:pPr marL="571500" indent="-571500">
+              <a:lnSpc>
+                <a:spcPct val="150000"/>
+              </a:lnSpc>
+              <a:buFont typeface="Wingdings" panose="05000000000000000000" pitchFamily="2" charset="2"/>
+              <a:buChar char="p"/>
+            </a:pPr>
+            <a:r>
+              <a:rPr lang="en-US" altLang="zh-CN" sz="3600" dirty="0">
+                <a:solidFill>
+                  <a:schemeClr val="bg1">
+                    <a:lumMod val="75000"/>
+                  </a:schemeClr>
+                </a:solidFill>
+                <a:latin typeface="High Tower Text" panose="02040502050506030303" pitchFamily="18" charset="0"/>
+              </a:rPr>
+              <a:t>Try different sprites and backdrops</a:t>
+            </a:r>
+          </a:p>
+          <a:p>
+            <a:pPr marL="571500" indent="-571500">
+              <a:lnSpc>
+                <a:spcPct val="150000"/>
+              </a:lnSpc>
+              <a:buFont typeface="Wingdings" panose="05000000000000000000" pitchFamily="2" charset="2"/>
+              <a:buChar char="p"/>
+            </a:pPr>
+            <a:r>
+              <a:rPr lang="en-US" altLang="zh-CN" sz="3600" dirty="0">
+                <a:solidFill>
+                  <a:schemeClr val="bg1">
+                    <a:lumMod val="75000"/>
+                  </a:schemeClr>
+                </a:solidFill>
+                <a:latin typeface="High Tower Text" panose="02040502050506030303" pitchFamily="18" charset="0"/>
+              </a:rPr>
+              <a:t>Say and think differently</a:t>
+            </a:r>
+          </a:p>
+          <a:p>
+            <a:pPr marL="571500" indent="-571500">
+              <a:lnSpc>
+                <a:spcPct val="150000"/>
+              </a:lnSpc>
+              <a:buFont typeface="Wingdings" panose="05000000000000000000" pitchFamily="2" charset="2"/>
+              <a:buChar char="p"/>
+            </a:pPr>
+            <a:r>
+              <a:rPr lang="en-US" altLang="zh-CN" sz="3600" dirty="0">
+                <a:solidFill>
+                  <a:schemeClr val="bg1">
+                    <a:lumMod val="75000"/>
+                  </a:schemeClr>
+                </a:solidFill>
+                <a:latin typeface="High Tower Text" panose="02040502050506030303" pitchFamily="18" charset="0"/>
+              </a:rPr>
+              <a:t>Checkout costumes of other sprites</a:t>
+            </a:r>
+          </a:p>
+          <a:p>
+            <a:pPr marL="571500" indent="-571500">
+              <a:lnSpc>
+                <a:spcPct val="150000"/>
+              </a:lnSpc>
+              <a:buFont typeface="Wingdings" panose="05000000000000000000" pitchFamily="2" charset="2"/>
+              <a:buChar char="p"/>
+            </a:pPr>
+            <a:r>
+              <a:rPr lang="en-US" altLang="zh-CN" sz="3600" dirty="0">
+                <a:solidFill>
+                  <a:schemeClr val="bg1">
+                    <a:lumMod val="75000"/>
+                  </a:schemeClr>
+                </a:solidFill>
+                <a:latin typeface="High Tower Text" panose="02040502050506030303" pitchFamily="18" charset="0"/>
+              </a:rPr>
+              <a:t>Invent your own way of communication!</a:t>
+            </a:r>
+            <a:br>
+              <a:rPr lang="en-US" altLang="zh-CN" sz="4400" dirty="0">
+                <a:solidFill>
+                  <a:schemeClr val="bg1">
+                    <a:lumMod val="75000"/>
+                  </a:schemeClr>
+                </a:solidFill>
+                <a:latin typeface="High Tower Text" panose="02040502050506030303" pitchFamily="18" charset="0"/>
+              </a:rPr>
+            </a:br>
+            <a:endParaRPr lang="zh-CN" altLang="en-US" sz="4400" dirty="0">
+              <a:solidFill>
+                <a:schemeClr val="bg1">
+                  <a:lumMod val="75000"/>
+                </a:schemeClr>
+              </a:solidFill>
+              <a:latin typeface="High Tower Text" panose="02040502050506030303" pitchFamily="18" charset="0"/>
+            </a:endParaRPr>
+          </a:p>
+        </p:txBody>
+      </p:sp>
+    </p:spTree>
+    <p:extLst>
+      <p:ext uri="{BB962C8B-B14F-4D97-AF65-F5344CB8AC3E}">
+        <p14:creationId xmlns:p14="http://schemas.microsoft.com/office/powerpoint/2010/main" val="1008589518"/>
+      </p:ext>
+    </p:extLst>
+  </p:cSld>
+  <p:clrMapOvr>
+    <a:masterClrMapping/>
+  </p:clrMapOvr>
+</p:sld>
+</file>
+
+<file path=ppt/slides/slide18.xml><?xml version="1.0" encoding="utf-8"?>
+<p:sld xmlns:a="http://schemas.openxmlformats.org/drawingml/2006/main" xmlns:r="http://schemas.openxmlformats.org/officeDocument/2006/relationships" xmlns:p="http://schemas.openxmlformats.org/presentationml/2006/main">
+  <p:cSld>
+    <p:spTree>
+      <p:nvGrpSpPr>
+        <p:cNvPr id="1" name=""/>
+        <p:cNvGrpSpPr/>
+        <p:nvPr/>
+      </p:nvGrpSpPr>
+      <p:grpSpPr>
+        <a:xfrm>
+          <a:off x="0" y="0"/>
+          <a:ext cx="0" cy="0"/>
+          <a:chOff x="0" y="0"/>
+          <a:chExt cx="0" cy="0"/>
+        </a:xfrm>
+      </p:grpSpPr>
+      <p:sp>
+        <p:nvSpPr>
+          <p:cNvPr id="6" name="Rectangle 5">
+            <a:extLst>
+              <a:ext uri="{FF2B5EF4-FFF2-40B4-BE49-F238E27FC236}">
+                <a16:creationId xmlns:a16="http://schemas.microsoft.com/office/drawing/2014/main" id="{7BC4EB1B-EA6B-DFE4-AF3B-05D0EB253209}"/>
+              </a:ext>
+            </a:extLst>
+          </p:cNvPr>
+          <p:cNvSpPr/>
+          <p:nvPr/>
+        </p:nvSpPr>
+        <p:spPr>
+          <a:xfrm>
+            <a:off x="0" y="0"/>
+            <a:ext cx="12192000" cy="6858000"/>
+          </a:xfrm>
+          <a:prstGeom prst="rect">
+            <a:avLst/>
+          </a:prstGeom>
+          <a:solidFill>
+            <a:srgbClr val="23242A"/>
+          </a:solidFill>
+          <a:ln>
+            <a:noFill/>
+          </a:ln>
+        </p:spPr>
+        <p:style>
+          <a:lnRef idx="2">
+            <a:schemeClr val="accent1">
+              <a:shade val="15000"/>
+            </a:schemeClr>
+          </a:lnRef>
+          <a:fillRef idx="1">
+            <a:schemeClr val="accent1"/>
+          </a:fillRef>
+          <a:effectRef idx="0">
+            <a:schemeClr val="accent1"/>
+          </a:effectRef>
+          <a:fontRef idx="minor">
+            <a:schemeClr val="lt1"/>
+          </a:fontRef>
+        </p:style>
+        <p:txBody>
+          <a:bodyPr rtlCol="0" anchor="ctr"/>
+          <a:lstStyle/>
+          <a:p>
+            <a:pPr algn="ctr"/>
+            <a:endParaRPr lang="zh-CN" altLang="en-US" dirty="0"/>
+          </a:p>
+        </p:txBody>
+      </p:sp>
+      <p:sp>
+        <p:nvSpPr>
+          <p:cNvPr id="2" name="Slide Number Placeholder 1">
+            <a:extLst>
+              <a:ext uri="{FF2B5EF4-FFF2-40B4-BE49-F238E27FC236}">
+                <a16:creationId xmlns:a16="http://schemas.microsoft.com/office/drawing/2014/main" id="{C53E70DF-9B91-8A92-BF94-1399BB9FFE34}"/>
+              </a:ext>
+            </a:extLst>
+          </p:cNvPr>
+          <p:cNvSpPr>
+            <a:spLocks noGrp="1"/>
+          </p:cNvSpPr>
+          <p:nvPr>
+            <p:ph type="sldNum" sz="quarter" idx="12"/>
+          </p:nvPr>
+        </p:nvSpPr>
+        <p:spPr>
+          <a:xfrm>
+            <a:off x="9057739" y="6259509"/>
+            <a:ext cx="2743200" cy="365125"/>
+          </a:xfrm>
+        </p:spPr>
+        <p:txBody>
+          <a:bodyPr/>
+          <a:lstStyle/>
+          <a:p>
+            <a:fld id="{9B1EC109-1E15-4BCA-93B5-56442BB3443E}" type="slidenum">
+              <a:rPr lang="zh-CN" altLang="en-US" sz="2400" b="1" smtClean="0">
+                <a:solidFill>
+                  <a:schemeClr val="bg1">
+                    <a:lumMod val="65000"/>
+                  </a:schemeClr>
+                </a:solidFill>
+                <a:latin typeface="Bradley Hand ITC" panose="03070402050302030203" pitchFamily="66" charset="0"/>
+              </a:rPr>
+              <a:t>18</a:t>
             </a:fld>
             <a:endParaRPr lang="zh-CN" altLang="en-US" sz="2400" b="1" dirty="0">
               <a:solidFill>
@@ -6635,10 +10953,10 @@
       </p:sp>
       <p:pic>
         <p:nvPicPr>
-          <p:cNvPr id="7" name="Graphic 6">
-            <a:extLst>
-              <a:ext uri="{FF2B5EF4-FFF2-40B4-BE49-F238E27FC236}">
-                <a16:creationId xmlns:a16="http://schemas.microsoft.com/office/drawing/2014/main" id="{9334487F-FD4F-FFF9-231A-4F1D1A2101A0}"/>
+          <p:cNvPr id="9" name="Graphic 8">
+            <a:extLst>
+              <a:ext uri="{FF2B5EF4-FFF2-40B4-BE49-F238E27FC236}">
+                <a16:creationId xmlns:a16="http://schemas.microsoft.com/office/drawing/2014/main" id="{5B0BC1DA-C925-1AB7-39F7-B440915B988B}"/>
               </a:ext>
             </a:extLst>
           </p:cNvPr>
@@ -6661,8 +10979,8 @@
         </p:blipFill>
         <p:spPr>
           <a:xfrm>
-            <a:off x="1037081" y="2678451"/>
-            <a:ext cx="3355396" cy="1501098"/>
+            <a:off x="5195135" y="2508360"/>
+            <a:ext cx="2214685" cy="1841279"/>
           </a:xfrm>
           <a:prstGeom prst="rect">
             <a:avLst/>
@@ -6671,10 +10989,10 @@
       </p:pic>
       <p:pic>
         <p:nvPicPr>
-          <p:cNvPr id="9" name="Graphic 8">
-            <a:extLst>
-              <a:ext uri="{FF2B5EF4-FFF2-40B4-BE49-F238E27FC236}">
-                <a16:creationId xmlns:a16="http://schemas.microsoft.com/office/drawing/2014/main" id="{5B0BC1DA-C925-1AB7-39F7-B440915B988B}"/>
+          <p:cNvPr id="13" name="Graphic 12">
+            <a:extLst>
+              <a:ext uri="{FF2B5EF4-FFF2-40B4-BE49-F238E27FC236}">
+                <a16:creationId xmlns:a16="http://schemas.microsoft.com/office/drawing/2014/main" id="{326DF4FC-6983-A8E4-F581-3587B60F510B}"/>
               </a:ext>
             </a:extLst>
           </p:cNvPr>
@@ -6697,42 +11015,6 @@
         </p:blipFill>
         <p:spPr>
           <a:xfrm>
-            <a:off x="5195135" y="2508360"/>
-            <a:ext cx="2214685" cy="1841279"/>
-          </a:xfrm>
-          <a:prstGeom prst="rect">
-            <a:avLst/>
-          </a:prstGeom>
-        </p:spPr>
-      </p:pic>
-      <p:pic>
-        <p:nvPicPr>
-          <p:cNvPr id="13" name="Graphic 12">
-            <a:extLst>
-              <a:ext uri="{FF2B5EF4-FFF2-40B4-BE49-F238E27FC236}">
-                <a16:creationId xmlns:a16="http://schemas.microsoft.com/office/drawing/2014/main" id="{326DF4FC-6983-A8E4-F581-3587B60F510B}"/>
-              </a:ext>
-            </a:extLst>
-          </p:cNvPr>
-          <p:cNvPicPr>
-            <a:picLocks noChangeAspect="1"/>
-          </p:cNvPicPr>
-          <p:nvPr/>
-        </p:nvPicPr>
-        <p:blipFill>
-          <a:blip r:embed="rId6">
-            <a:extLst>
-              <a:ext uri="{96DAC541-7B7A-43D3-8B79-37D633B846F1}">
-                <asvg:svgBlip xmlns:asvg="http://schemas.microsoft.com/office/drawing/2016/SVG/main" r:embed="rId7"/>
-              </a:ext>
-            </a:extLst>
-          </a:blip>
-          <a:stretch>
-            <a:fillRect/>
-          </a:stretch>
-        </p:blipFill>
-        <p:spPr>
-          <a:xfrm>
             <a:off x="8507445" y="2678451"/>
             <a:ext cx="2082517" cy="1435012"/>
           </a:xfrm>
@@ -6778,7 +11060,7 @@
                 </a:solidFill>
                 <a:latin typeface="High Tower Text" panose="02040502050506030303" pitchFamily="18" charset="0"/>
               </a:rPr>
-              <a:t>Lion</a:t>
+              <a:t>Bear</a:t>
             </a:r>
             <a:endParaRPr lang="zh-CN" altLang="en-US" sz="4000" dirty="0">
               <a:solidFill>
@@ -6891,6 +11173,42 @@
           </a:p>
         </p:txBody>
       </p:sp>
+      <p:pic>
+        <p:nvPicPr>
+          <p:cNvPr id="5" name="Graphic 4">
+            <a:extLst>
+              <a:ext uri="{FF2B5EF4-FFF2-40B4-BE49-F238E27FC236}">
+                <a16:creationId xmlns:a16="http://schemas.microsoft.com/office/drawing/2014/main" id="{61BEE001-FB3A-A97F-4B2F-56EA87CBD2EC}"/>
+              </a:ext>
+            </a:extLst>
+          </p:cNvPr>
+          <p:cNvPicPr>
+            <a:picLocks noChangeAspect="1"/>
+          </p:cNvPicPr>
+          <p:nvPr/>
+        </p:nvPicPr>
+        <p:blipFill>
+          <a:blip r:embed="rId6">
+            <a:extLst>
+              <a:ext uri="{96DAC541-7B7A-43D3-8B79-37D633B846F1}">
+                <asvg:svgBlip xmlns:asvg="http://schemas.microsoft.com/office/drawing/2016/SVG/main" r:embed="rId7"/>
+              </a:ext>
+            </a:extLst>
+          </a:blip>
+          <a:stretch>
+            <a:fillRect/>
+          </a:stretch>
+        </p:blipFill>
+        <p:spPr>
+          <a:xfrm>
+            <a:off x="1901865" y="2699725"/>
+            <a:ext cx="2372955" cy="1657960"/>
+          </a:xfrm>
+          <a:prstGeom prst="rect">
+            <a:avLst/>
+          </a:prstGeom>
+        </p:spPr>
+      </p:pic>
     </p:spTree>
     <p:extLst>
       <p:ext uri="{BB962C8B-B14F-4D97-AF65-F5344CB8AC3E}">
@@ -7324,42 +11642,6 @@
           </a:p>
         </p:txBody>
       </p:sp>
-      <p:pic>
-        <p:nvPicPr>
-          <p:cNvPr id="7" name="Graphic 6">
-            <a:extLst>
-              <a:ext uri="{FF2B5EF4-FFF2-40B4-BE49-F238E27FC236}">
-                <a16:creationId xmlns:a16="http://schemas.microsoft.com/office/drawing/2014/main" id="{0F8B3FE4-34F2-095A-1258-FF3A5E58C1BB}"/>
-              </a:ext>
-            </a:extLst>
-          </p:cNvPr>
-          <p:cNvPicPr>
-            <a:picLocks noChangeAspect="1"/>
-          </p:cNvPicPr>
-          <p:nvPr/>
-        </p:nvPicPr>
-        <p:blipFill>
-          <a:blip r:embed="rId2">
-            <a:extLst>
-              <a:ext uri="{96DAC541-7B7A-43D3-8B79-37D633B846F1}">
-                <asvg:svgBlip xmlns:asvg="http://schemas.microsoft.com/office/drawing/2016/SVG/main" r:embed="rId3"/>
-              </a:ext>
-            </a:extLst>
-          </a:blip>
-          <a:stretch>
-            <a:fillRect/>
-          </a:stretch>
-        </p:blipFill>
-        <p:spPr>
-          <a:xfrm>
-            <a:off x="462224" y="3728890"/>
-            <a:ext cx="3355396" cy="1501098"/>
-          </a:xfrm>
-          <a:prstGeom prst="rect">
-            <a:avLst/>
-          </a:prstGeom>
-        </p:spPr>
-      </p:pic>
       <p:sp>
         <p:nvSpPr>
           <p:cNvPr id="8" name="TextBox 7">
@@ -7410,42 +11692,6 @@
           </a:p>
         </p:txBody>
       </p:sp>
-      <p:pic>
-        <p:nvPicPr>
-          <p:cNvPr id="10" name="Graphic 9">
-            <a:extLst>
-              <a:ext uri="{FF2B5EF4-FFF2-40B4-BE49-F238E27FC236}">
-                <a16:creationId xmlns:a16="http://schemas.microsoft.com/office/drawing/2014/main" id="{45674E36-D0EE-FA63-D8CE-EE8B9941C988}"/>
-              </a:ext>
-            </a:extLst>
-          </p:cNvPr>
-          <p:cNvPicPr>
-            <a:picLocks noChangeAspect="1"/>
-          </p:cNvPicPr>
-          <p:nvPr/>
-        </p:nvPicPr>
-        <p:blipFill>
-          <a:blip r:embed="rId2">
-            <a:extLst>
-              <a:ext uri="{96DAC541-7B7A-43D3-8B79-37D633B846F1}">
-                <asvg:svgBlip xmlns:asvg="http://schemas.microsoft.com/office/drawing/2016/SVG/main" r:embed="rId3"/>
-              </a:ext>
-            </a:extLst>
-          </a:blip>
-          <a:stretch>
-            <a:fillRect/>
-          </a:stretch>
-        </p:blipFill>
-        <p:spPr>
-          <a:xfrm>
-            <a:off x="4424873" y="2148326"/>
-            <a:ext cx="6624127" cy="2963425"/>
-          </a:xfrm>
-          <a:prstGeom prst="rect">
-            <a:avLst/>
-          </a:prstGeom>
-        </p:spPr>
-      </p:pic>
       <p:sp>
         <p:nvSpPr>
           <p:cNvPr id="11" name="TextBox 10">
@@ -7496,42 +11742,6 @@
           </a:p>
         </p:txBody>
       </p:sp>
-      <p:pic>
-        <p:nvPicPr>
-          <p:cNvPr id="12" name="Graphic 11">
-            <a:extLst>
-              <a:ext uri="{FF2B5EF4-FFF2-40B4-BE49-F238E27FC236}">
-                <a16:creationId xmlns:a16="http://schemas.microsoft.com/office/drawing/2014/main" id="{B8EC3D80-D2DC-3D89-DA63-959B1CE0D05D}"/>
-              </a:ext>
-            </a:extLst>
-          </p:cNvPr>
-          <p:cNvPicPr>
-            <a:picLocks noChangeAspect="1"/>
-          </p:cNvPicPr>
-          <p:nvPr/>
-        </p:nvPicPr>
-        <p:blipFill>
-          <a:blip r:embed="rId2">
-            <a:extLst>
-              <a:ext uri="{96DAC541-7B7A-43D3-8B79-37D633B846F1}">
-                <asvg:svgBlip xmlns:asvg="http://schemas.microsoft.com/office/drawing/2016/SVG/main" r:embed="rId3"/>
-              </a:ext>
-            </a:extLst>
-          </a:blip>
-          <a:stretch>
-            <a:fillRect/>
-          </a:stretch>
-        </p:blipFill>
-        <p:spPr>
-          <a:xfrm>
-            <a:off x="1371998" y="2009225"/>
-            <a:ext cx="1701203" cy="761064"/>
-          </a:xfrm>
-          <a:prstGeom prst="rect">
-            <a:avLst/>
-          </a:prstGeom>
-        </p:spPr>
-      </p:pic>
       <p:sp>
         <p:nvSpPr>
           <p:cNvPr id="17" name="TextBox 16">
@@ -7582,6 +11792,114 @@
           </a:p>
         </p:txBody>
       </p:sp>
+      <p:pic>
+        <p:nvPicPr>
+          <p:cNvPr id="3" name="Graphic 2">
+            <a:extLst>
+              <a:ext uri="{FF2B5EF4-FFF2-40B4-BE49-F238E27FC236}">
+                <a16:creationId xmlns:a16="http://schemas.microsoft.com/office/drawing/2014/main" id="{C775781D-FC09-5AD5-154C-D44B0A4B720D}"/>
+              </a:ext>
+            </a:extLst>
+          </p:cNvPr>
+          <p:cNvPicPr>
+            <a:picLocks noChangeAspect="1"/>
+          </p:cNvPicPr>
+          <p:nvPr/>
+        </p:nvPicPr>
+        <p:blipFill>
+          <a:blip r:embed="rId2">
+            <a:extLst>
+              <a:ext uri="{96DAC541-7B7A-43D3-8B79-37D633B846F1}">
+                <asvg:svgBlip xmlns:asvg="http://schemas.microsoft.com/office/drawing/2016/SVG/main" r:embed="rId3"/>
+              </a:ext>
+            </a:extLst>
+          </a:blip>
+          <a:stretch>
+            <a:fillRect/>
+          </a:stretch>
+        </p:blipFill>
+        <p:spPr>
+          <a:xfrm>
+            <a:off x="1855657" y="1890100"/>
+            <a:ext cx="1289056" cy="900650"/>
+          </a:xfrm>
+          <a:prstGeom prst="rect">
+            <a:avLst/>
+          </a:prstGeom>
+        </p:spPr>
+      </p:pic>
+      <p:pic>
+        <p:nvPicPr>
+          <p:cNvPr id="5" name="Graphic 4">
+            <a:extLst>
+              <a:ext uri="{FF2B5EF4-FFF2-40B4-BE49-F238E27FC236}">
+                <a16:creationId xmlns:a16="http://schemas.microsoft.com/office/drawing/2014/main" id="{37698AB9-C316-3C59-27B2-8E5974307350}"/>
+              </a:ext>
+            </a:extLst>
+          </p:cNvPr>
+          <p:cNvPicPr>
+            <a:picLocks noChangeAspect="1"/>
+          </p:cNvPicPr>
+          <p:nvPr/>
+        </p:nvPicPr>
+        <p:blipFill>
+          <a:blip r:embed="rId2">
+            <a:extLst>
+              <a:ext uri="{96DAC541-7B7A-43D3-8B79-37D633B846F1}">
+                <asvg:svgBlip xmlns:asvg="http://schemas.microsoft.com/office/drawing/2016/SVG/main" r:embed="rId3"/>
+              </a:ext>
+            </a:extLst>
+          </a:blip>
+          <a:stretch>
+            <a:fillRect/>
+          </a:stretch>
+        </p:blipFill>
+        <p:spPr>
+          <a:xfrm>
+            <a:off x="1333396" y="3802529"/>
+            <a:ext cx="2372955" cy="1657960"/>
+          </a:xfrm>
+          <a:prstGeom prst="rect">
+            <a:avLst/>
+          </a:prstGeom>
+        </p:spPr>
+      </p:pic>
+      <p:pic>
+        <p:nvPicPr>
+          <p:cNvPr id="9" name="Graphic 8">
+            <a:extLst>
+              <a:ext uri="{FF2B5EF4-FFF2-40B4-BE49-F238E27FC236}">
+                <a16:creationId xmlns:a16="http://schemas.microsoft.com/office/drawing/2014/main" id="{EED0D63D-5F9D-A529-E287-2DBBF0BC275B}"/>
+              </a:ext>
+            </a:extLst>
+          </p:cNvPr>
+          <p:cNvPicPr>
+            <a:picLocks noChangeAspect="1"/>
+          </p:cNvPicPr>
+          <p:nvPr/>
+        </p:nvPicPr>
+        <p:blipFill>
+          <a:blip r:embed="rId2">
+            <a:extLst>
+              <a:ext uri="{96DAC541-7B7A-43D3-8B79-37D633B846F1}">
+                <asvg:svgBlip xmlns:asvg="http://schemas.microsoft.com/office/drawing/2016/SVG/main" r:embed="rId3"/>
+              </a:ext>
+            </a:extLst>
+          </a:blip>
+          <a:stretch>
+            <a:fillRect/>
+          </a:stretch>
+        </p:blipFill>
+        <p:spPr>
+          <a:xfrm>
+            <a:off x="6265882" y="1920356"/>
+            <a:ext cx="4729778" cy="3304649"/>
+          </a:xfrm>
+          <a:prstGeom prst="rect">
+            <a:avLst/>
+          </a:prstGeom>
+        </p:spPr>
+      </p:pic>
     </p:spTree>
     <p:extLst>
       <p:ext uri="{BB962C8B-B14F-4D97-AF65-F5344CB8AC3E}">
@@ -8702,10 +13020,10 @@
       </p:pic>
       <p:pic>
         <p:nvPicPr>
-          <p:cNvPr id="24" name="Graphic 23">
-            <a:extLst>
-              <a:ext uri="{FF2B5EF4-FFF2-40B4-BE49-F238E27FC236}">
-                <a16:creationId xmlns:a16="http://schemas.microsoft.com/office/drawing/2014/main" id="{4FC052A4-68BE-C558-D26D-DA9DC0F13F7F}"/>
+          <p:cNvPr id="25" name="Graphic 24">
+            <a:extLst>
+              <a:ext uri="{FF2B5EF4-FFF2-40B4-BE49-F238E27FC236}">
+                <a16:creationId xmlns:a16="http://schemas.microsoft.com/office/drawing/2014/main" id="{77F93979-D75D-9021-2D32-A40CBA3657EA}"/>
               </a:ext>
             </a:extLst>
           </p:cNvPr>
@@ -8728,8 +13046,8 @@
         </p:blipFill>
         <p:spPr>
           <a:xfrm>
-            <a:off x="3494622" y="4330424"/>
-            <a:ext cx="1934719" cy="865532"/>
+            <a:off x="6891315" y="4043773"/>
+            <a:ext cx="1517016" cy="1261240"/>
           </a:xfrm>
           <a:prstGeom prst="rect">
             <a:avLst/>
@@ -8738,10 +13056,10 @@
       </p:pic>
       <p:pic>
         <p:nvPicPr>
-          <p:cNvPr id="25" name="Graphic 24">
-            <a:extLst>
-              <a:ext uri="{FF2B5EF4-FFF2-40B4-BE49-F238E27FC236}">
-                <a16:creationId xmlns:a16="http://schemas.microsoft.com/office/drawing/2014/main" id="{77F93979-D75D-9021-2D32-A40CBA3657EA}"/>
+          <p:cNvPr id="26" name="Graphic 25">
+            <a:extLst>
+              <a:ext uri="{FF2B5EF4-FFF2-40B4-BE49-F238E27FC236}">
+                <a16:creationId xmlns:a16="http://schemas.microsoft.com/office/drawing/2014/main" id="{AF98CD03-8CD3-C62B-780E-DB9F32D08AD0}"/>
               </a:ext>
             </a:extLst>
           </p:cNvPr>
@@ -8764,8 +13082,8 @@
         </p:blipFill>
         <p:spPr>
           <a:xfrm>
-            <a:off x="6891315" y="4043773"/>
-            <a:ext cx="1517016" cy="1261240"/>
+            <a:off x="9901197" y="4320078"/>
+            <a:ext cx="1286106" cy="886224"/>
           </a:xfrm>
           <a:prstGeom prst="rect">
             <a:avLst/>
@@ -8774,10 +13092,10 @@
       </p:pic>
       <p:pic>
         <p:nvPicPr>
-          <p:cNvPr id="26" name="Graphic 25">
-            <a:extLst>
-              <a:ext uri="{FF2B5EF4-FFF2-40B4-BE49-F238E27FC236}">
-                <a16:creationId xmlns:a16="http://schemas.microsoft.com/office/drawing/2014/main" id="{AF98CD03-8CD3-C62B-780E-DB9F32D08AD0}"/>
+          <p:cNvPr id="3" name="Graphic 2">
+            <a:extLst>
+              <a:ext uri="{FF2B5EF4-FFF2-40B4-BE49-F238E27FC236}">
+                <a16:creationId xmlns:a16="http://schemas.microsoft.com/office/drawing/2014/main" id="{43F3319D-A8FC-2CA7-8D23-9E33DE581164}"/>
               </a:ext>
             </a:extLst>
           </p:cNvPr>
@@ -8800,8 +13118,8 @@
         </p:blipFill>
         <p:spPr>
           <a:xfrm>
-            <a:off x="9901197" y="4320078"/>
-            <a:ext cx="1286106" cy="886224"/>
+            <a:off x="3921326" y="4252582"/>
+            <a:ext cx="1523595" cy="1064521"/>
           </a:xfrm>
           <a:prstGeom prst="rect">
             <a:avLst/>
@@ -9243,10 +13561,10 @@
       </p:sp>
       <p:pic>
         <p:nvPicPr>
-          <p:cNvPr id="24" name="Graphic 23">
-            <a:extLst>
-              <a:ext uri="{FF2B5EF4-FFF2-40B4-BE49-F238E27FC236}">
-                <a16:creationId xmlns:a16="http://schemas.microsoft.com/office/drawing/2014/main" id="{2BF82576-8764-162C-3919-0D2DD7BEDC25}"/>
+          <p:cNvPr id="3" name="Picture 2">
+            <a:extLst>
+              <a:ext uri="{FF2B5EF4-FFF2-40B4-BE49-F238E27FC236}">
+                <a16:creationId xmlns:a16="http://schemas.microsoft.com/office/drawing/2014/main" id="{94E3F251-CFE4-3D8B-BDFA-FC8AB2FBAFE6}"/>
               </a:ext>
             </a:extLst>
           </p:cNvPr>
@@ -9258,8 +13576,8 @@
         <p:blipFill>
           <a:blip r:embed="rId2">
             <a:extLst>
-              <a:ext uri="{96DAC541-7B7A-43D3-8B79-37D633B846F1}">
-                <asvg:svgBlip xmlns:asvg="http://schemas.microsoft.com/office/drawing/2016/SVG/main" r:embed="rId3"/>
+              <a:ext uri="{28A0092B-C50C-407E-A947-70E740481C1C}">
+                <a14:useLocalDpi xmlns:a14="http://schemas.microsoft.com/office/drawing/2010/main" val="0"/>
               </a:ext>
             </a:extLst>
           </a:blip>
@@ -9269,8 +13587,8 @@
         </p:blipFill>
         <p:spPr>
           <a:xfrm>
-            <a:off x="7151498" y="3570113"/>
-            <a:ext cx="3446015" cy="1541638"/>
+            <a:off x="1210214" y="2888626"/>
+            <a:ext cx="4346798" cy="2355971"/>
           </a:xfrm>
           <a:prstGeom prst="rect">
             <a:avLst/>
@@ -9279,10 +13597,10 @@
       </p:pic>
       <p:pic>
         <p:nvPicPr>
-          <p:cNvPr id="3" name="Picture 2">
-            <a:extLst>
-              <a:ext uri="{FF2B5EF4-FFF2-40B4-BE49-F238E27FC236}">
-                <a16:creationId xmlns:a16="http://schemas.microsoft.com/office/drawing/2014/main" id="{94E3F251-CFE4-3D8B-BDFA-FC8AB2FBAFE6}"/>
+          <p:cNvPr id="5" name="Graphic 4">
+            <a:extLst>
+              <a:ext uri="{FF2B5EF4-FFF2-40B4-BE49-F238E27FC236}">
+                <a16:creationId xmlns:a16="http://schemas.microsoft.com/office/drawing/2014/main" id="{60158139-B01C-BD2B-2444-582E5AC10755}"/>
               </a:ext>
             </a:extLst>
           </p:cNvPr>
@@ -9292,10 +13610,10 @@
           <p:nvPr/>
         </p:nvPicPr>
         <p:blipFill>
-          <a:blip r:embed="rId4">
-            <a:extLst>
-              <a:ext uri="{28A0092B-C50C-407E-A947-70E740481C1C}">
-                <a14:useLocalDpi xmlns:a14="http://schemas.microsoft.com/office/drawing/2010/main" val="0"/>
+          <a:blip r:embed="rId3">
+            <a:extLst>
+              <a:ext uri="{96DAC541-7B7A-43D3-8B79-37D633B846F1}">
+                <asvg:svgBlip xmlns:asvg="http://schemas.microsoft.com/office/drawing/2016/SVG/main" r:embed="rId4"/>
               </a:ext>
             </a:extLst>
           </a:blip>
@@ -9305,8 +13623,8 @@
         </p:blipFill>
         <p:spPr>
           <a:xfrm>
-            <a:off x="1210214" y="2888626"/>
-            <a:ext cx="4346798" cy="2355971"/>
+            <a:off x="8056384" y="3394451"/>
+            <a:ext cx="2541129" cy="1775461"/>
           </a:xfrm>
           <a:prstGeom prst="rect">
             <a:avLst/>
@@ -9331,7 +13649,13 @@
   <p:cSld>
     <p:spTree>
       <p:nvGrpSpPr>
-        <p:cNvPr id="1" name=""/>
+        <p:cNvPr id="1" name="">
+          <a:extLst>
+            <a:ext uri="{FF2B5EF4-FFF2-40B4-BE49-F238E27FC236}">
+              <a16:creationId xmlns:a16="http://schemas.microsoft.com/office/drawing/2014/main" id="{BA8D47FE-C6E2-0C0C-474F-A862FAF7F4F0}"/>
+            </a:ext>
+          </a:extLst>
+        </p:cNvPr>
         <p:cNvGrpSpPr/>
         <p:nvPr/>
       </p:nvGrpSpPr>
@@ -9348,7 +13672,7 @@
           <p:cNvPr id="6" name="Rectangle 5">
             <a:extLst>
               <a:ext uri="{FF2B5EF4-FFF2-40B4-BE49-F238E27FC236}">
-                <a16:creationId xmlns:a16="http://schemas.microsoft.com/office/drawing/2014/main" id="{7BC4EB1B-EA6B-DFE4-AF3B-05D0EB253209}"/>
+                <a16:creationId xmlns:a16="http://schemas.microsoft.com/office/drawing/2014/main" id="{51CABAEF-AB41-F536-EF35-E67F6B6AFE58}"/>
               </a:ext>
             </a:extLst>
           </p:cNvPr>
@@ -9400,7 +13724,7 @@
           <p:cNvPr id="2" name="Slide Number Placeholder 1">
             <a:extLst>
               <a:ext uri="{FF2B5EF4-FFF2-40B4-BE49-F238E27FC236}">
-                <a16:creationId xmlns:a16="http://schemas.microsoft.com/office/drawing/2014/main" id="{C53E70DF-9B91-8A92-BF94-1399BB9FFE34}"/>
+                <a16:creationId xmlns:a16="http://schemas.microsoft.com/office/drawing/2014/main" id="{01D87810-A25B-955D-EA52-5EDF6A8C7CC8}"/>
               </a:ext>
             </a:extLst>
           </p:cNvPr>
@@ -9445,10 +13769,10 @@
       </p:sp>
       <p:sp>
         <p:nvSpPr>
-          <p:cNvPr id="8" name="Google Shape;867;p33">
-            <a:extLst>
-              <a:ext uri="{FF2B5EF4-FFF2-40B4-BE49-F238E27FC236}">
-                <a16:creationId xmlns:a16="http://schemas.microsoft.com/office/drawing/2014/main" id="{398DA534-C272-01F9-5565-6E014A250343}"/>
+          <p:cNvPr id="4" name="Google Shape;867;p33">
+            <a:extLst>
+              <a:ext uri="{FF2B5EF4-FFF2-40B4-BE49-F238E27FC236}">
+                <a16:creationId xmlns:a16="http://schemas.microsoft.com/office/drawing/2014/main" id="{D1993B80-4267-1B37-15C8-CFC03D0EF253}"/>
               </a:ext>
             </a:extLst>
           </p:cNvPr>
@@ -9735,15 +14059,287 @@
                 <a:latin typeface="Amatic SC" panose="020F0502020204030204" pitchFamily="2" charset="-79"/>
                 <a:cs typeface="Amatic SC" panose="020F0502020204030204" pitchFamily="2" charset="-79"/>
               </a:rPr>
-              <a:t>What we learnt…</a:t>
+              <a:t>Directions</a:t>
             </a:r>
           </a:p>
         </p:txBody>
       </p:sp>
+      <p:pic>
+        <p:nvPicPr>
+          <p:cNvPr id="7" name="Picture 6">
+            <a:extLst>
+              <a:ext uri="{FF2B5EF4-FFF2-40B4-BE49-F238E27FC236}">
+                <a16:creationId xmlns:a16="http://schemas.microsoft.com/office/drawing/2014/main" id="{0945C44C-900D-C54B-9C32-94B1A589F769}"/>
+              </a:ext>
+            </a:extLst>
+          </p:cNvPr>
+          <p:cNvPicPr>
+            <a:picLocks noChangeAspect="1"/>
+          </p:cNvPicPr>
+          <p:nvPr/>
+        </p:nvPicPr>
+        <p:blipFill>
+          <a:blip r:embed="rId2">
+            <a:extLst>
+              <a:ext uri="{28A0092B-C50C-407E-A947-70E740481C1C}">
+                <a14:useLocalDpi xmlns:a14="http://schemas.microsoft.com/office/drawing/2010/main" val="0"/>
+              </a:ext>
+            </a:extLst>
+          </a:blip>
+          <a:stretch>
+            <a:fillRect/>
+          </a:stretch>
+        </p:blipFill>
+        <p:spPr>
+          <a:xfrm>
+            <a:off x="4236012" y="2434188"/>
+            <a:ext cx="3719976" cy="3735873"/>
+          </a:xfrm>
+          <a:prstGeom prst="rect">
+            <a:avLst/>
+          </a:prstGeom>
+        </p:spPr>
+      </p:pic>
+      <p:sp>
+        <p:nvSpPr>
+          <p:cNvPr id="8" name="TextBox 7">
+            <a:extLst>
+              <a:ext uri="{FF2B5EF4-FFF2-40B4-BE49-F238E27FC236}">
+                <a16:creationId xmlns:a16="http://schemas.microsoft.com/office/drawing/2014/main" id="{703C00F4-1197-9408-BF26-4D11513877E3}"/>
+              </a:ext>
+            </a:extLst>
+          </p:cNvPr>
+          <p:cNvSpPr txBox="1"/>
+          <p:nvPr/>
+        </p:nvSpPr>
+        <p:spPr>
+          <a:xfrm>
+            <a:off x="2922129" y="3958999"/>
+            <a:ext cx="1413820" cy="584775"/>
+          </a:xfrm>
+          <a:prstGeom prst="rect">
+            <a:avLst/>
+          </a:prstGeom>
+          <a:noFill/>
+        </p:spPr>
+        <p:txBody>
+          <a:bodyPr wrap="square" rtlCol="0">
+            <a:spAutoFit/>
+          </a:bodyPr>
+          <a:lstStyle/>
+          <a:p>
+            <a:r>
+              <a:rPr lang="en-US" altLang="zh-CN" sz="3200" dirty="0">
+                <a:solidFill>
+                  <a:schemeClr val="bg1">
+                    <a:lumMod val="75000"/>
+                  </a:schemeClr>
+                </a:solidFill>
+                <a:latin typeface="High Tower Text" panose="02040502050506030303" pitchFamily="18" charset="0"/>
+              </a:rPr>
+              <a:t>West</a:t>
+            </a:r>
+            <a:endParaRPr lang="zh-CN" altLang="en-US" sz="3200" dirty="0">
+              <a:solidFill>
+                <a:schemeClr val="bg1">
+                  <a:lumMod val="75000"/>
+                </a:schemeClr>
+              </a:solidFill>
+              <a:latin typeface="High Tower Text" panose="02040502050506030303" pitchFamily="18" charset="0"/>
+            </a:endParaRPr>
+          </a:p>
+        </p:txBody>
+      </p:sp>
+      <p:sp>
+        <p:nvSpPr>
+          <p:cNvPr id="9" name="TextBox 8">
+            <a:extLst>
+              <a:ext uri="{FF2B5EF4-FFF2-40B4-BE49-F238E27FC236}">
+                <a16:creationId xmlns:a16="http://schemas.microsoft.com/office/drawing/2014/main" id="{FB8914B3-2B56-1818-60BA-CEF7461CB948}"/>
+              </a:ext>
+            </a:extLst>
+          </p:cNvPr>
+          <p:cNvSpPr txBox="1"/>
+          <p:nvPr/>
+        </p:nvSpPr>
+        <p:spPr>
+          <a:xfrm>
+            <a:off x="8097466" y="3958998"/>
+            <a:ext cx="1413820" cy="584775"/>
+          </a:xfrm>
+          <a:prstGeom prst="rect">
+            <a:avLst/>
+          </a:prstGeom>
+          <a:noFill/>
+        </p:spPr>
+        <p:txBody>
+          <a:bodyPr wrap="square" rtlCol="0">
+            <a:spAutoFit/>
+          </a:bodyPr>
+          <a:lstStyle/>
+          <a:p>
+            <a:r>
+              <a:rPr lang="en-US" altLang="zh-CN" sz="3200" dirty="0">
+                <a:solidFill>
+                  <a:schemeClr val="bg1">
+                    <a:lumMod val="75000"/>
+                  </a:schemeClr>
+                </a:solidFill>
+                <a:latin typeface="High Tower Text" panose="02040502050506030303" pitchFamily="18" charset="0"/>
+              </a:rPr>
+              <a:t>East</a:t>
+            </a:r>
+            <a:endParaRPr lang="zh-CN" altLang="en-US" sz="3200" dirty="0">
+              <a:solidFill>
+                <a:schemeClr val="bg1">
+                  <a:lumMod val="75000"/>
+                </a:schemeClr>
+              </a:solidFill>
+              <a:latin typeface="High Tower Text" panose="02040502050506030303" pitchFamily="18" charset="0"/>
+            </a:endParaRPr>
+          </a:p>
+        </p:txBody>
+      </p:sp>
+      <p:sp>
+        <p:nvSpPr>
+          <p:cNvPr id="10" name="TextBox 9">
+            <a:extLst>
+              <a:ext uri="{FF2B5EF4-FFF2-40B4-BE49-F238E27FC236}">
+                <a16:creationId xmlns:a16="http://schemas.microsoft.com/office/drawing/2014/main" id="{A6FF3A69-7B3D-B015-005D-4ABB6B4A7AEB}"/>
+              </a:ext>
+            </a:extLst>
+          </p:cNvPr>
+          <p:cNvSpPr txBox="1"/>
+          <p:nvPr/>
+        </p:nvSpPr>
+        <p:spPr>
+          <a:xfrm>
+            <a:off x="5494138" y="1738854"/>
+            <a:ext cx="1413820" cy="584775"/>
+          </a:xfrm>
+          <a:prstGeom prst="rect">
+            <a:avLst/>
+          </a:prstGeom>
+          <a:noFill/>
+        </p:spPr>
+        <p:txBody>
+          <a:bodyPr wrap="square" rtlCol="0">
+            <a:spAutoFit/>
+          </a:bodyPr>
+          <a:lstStyle/>
+          <a:p>
+            <a:r>
+              <a:rPr lang="en-US" altLang="zh-CN" sz="3200" dirty="0">
+                <a:solidFill>
+                  <a:schemeClr val="bg1">
+                    <a:lumMod val="75000"/>
+                  </a:schemeClr>
+                </a:solidFill>
+                <a:latin typeface="High Tower Text" panose="02040502050506030303" pitchFamily="18" charset="0"/>
+              </a:rPr>
+              <a:t>North</a:t>
+            </a:r>
+            <a:endParaRPr lang="zh-CN" altLang="en-US" sz="3200" dirty="0">
+              <a:solidFill>
+                <a:schemeClr val="bg1">
+                  <a:lumMod val="75000"/>
+                </a:schemeClr>
+              </a:solidFill>
+              <a:latin typeface="High Tower Text" panose="02040502050506030303" pitchFamily="18" charset="0"/>
+            </a:endParaRPr>
+          </a:p>
+        </p:txBody>
+      </p:sp>
+      <p:sp>
+        <p:nvSpPr>
+          <p:cNvPr id="11" name="TextBox 10">
+            <a:extLst>
+              <a:ext uri="{FF2B5EF4-FFF2-40B4-BE49-F238E27FC236}">
+                <a16:creationId xmlns:a16="http://schemas.microsoft.com/office/drawing/2014/main" id="{AEEA276F-CF98-5A34-9BF0-9A69D41D0E13}"/>
+              </a:ext>
+            </a:extLst>
+          </p:cNvPr>
+          <p:cNvSpPr txBox="1"/>
+          <p:nvPr/>
+        </p:nvSpPr>
+        <p:spPr>
+          <a:xfrm>
+            <a:off x="5550505" y="6170061"/>
+            <a:ext cx="1413820" cy="584775"/>
+          </a:xfrm>
+          <a:prstGeom prst="rect">
+            <a:avLst/>
+          </a:prstGeom>
+          <a:noFill/>
+        </p:spPr>
+        <p:txBody>
+          <a:bodyPr wrap="square" rtlCol="0">
+            <a:spAutoFit/>
+          </a:bodyPr>
+          <a:lstStyle/>
+          <a:p>
+            <a:r>
+              <a:rPr lang="en-US" altLang="zh-CN" sz="3200" dirty="0">
+                <a:solidFill>
+                  <a:schemeClr val="bg1">
+                    <a:lumMod val="75000"/>
+                  </a:schemeClr>
+                </a:solidFill>
+                <a:latin typeface="High Tower Text" panose="02040502050506030303" pitchFamily="18" charset="0"/>
+              </a:rPr>
+              <a:t>South</a:t>
+            </a:r>
+            <a:endParaRPr lang="zh-CN" altLang="en-US" sz="3200" dirty="0">
+              <a:solidFill>
+                <a:schemeClr val="bg1">
+                  <a:lumMod val="75000"/>
+                </a:schemeClr>
+              </a:solidFill>
+              <a:latin typeface="High Tower Text" panose="02040502050506030303" pitchFamily="18" charset="0"/>
+            </a:endParaRPr>
+          </a:p>
+        </p:txBody>
+      </p:sp>
+      <p:pic>
+        <p:nvPicPr>
+          <p:cNvPr id="15" name="Picture 14">
+            <a:extLst>
+              <a:ext uri="{FF2B5EF4-FFF2-40B4-BE49-F238E27FC236}">
+                <a16:creationId xmlns:a16="http://schemas.microsoft.com/office/drawing/2014/main" id="{011C8767-4940-81F3-51FE-FA5774DE9D12}"/>
+              </a:ext>
+            </a:extLst>
+          </p:cNvPr>
+          <p:cNvPicPr>
+            <a:picLocks noChangeAspect="1"/>
+          </p:cNvPicPr>
+          <p:nvPr/>
+        </p:nvPicPr>
+        <p:blipFill>
+          <a:blip r:embed="rId3">
+            <a:extLst>
+              <a:ext uri="{28A0092B-C50C-407E-A947-70E740481C1C}">
+                <a14:useLocalDpi xmlns:a14="http://schemas.microsoft.com/office/drawing/2010/main" val="0"/>
+              </a:ext>
+            </a:extLst>
+          </a:blip>
+          <a:stretch>
+            <a:fillRect/>
+          </a:stretch>
+        </p:blipFill>
+        <p:spPr>
+          <a:xfrm>
+            <a:off x="5939156" y="3973739"/>
+            <a:ext cx="313688" cy="599165"/>
+          </a:xfrm>
+          <a:prstGeom prst="rect">
+            <a:avLst/>
+          </a:prstGeom>
+        </p:spPr>
+      </p:pic>
     </p:spTree>
     <p:extLst>
       <p:ext uri="{BB962C8B-B14F-4D97-AF65-F5344CB8AC3E}">
-        <p14:creationId xmlns:p14="http://schemas.microsoft.com/office/powerpoint/2010/main" val="3253399885"/>
+        <p14:creationId xmlns:p14="http://schemas.microsoft.com/office/powerpoint/2010/main" val="164129313"/>
       </p:ext>
     </p:extLst>
   </p:cSld>
